--- a/811M-Ch02_NumPyEssentials.pptx
+++ b/811M-Ch02_NumPyEssentials.pptx
@@ -299,7 +299,7 @@
                 <a:ea typeface="Tahoma" pitchFamily="34" charset="0"/>
                 <a:cs typeface="Tahoma" pitchFamily="34" charset="0"/>
               </a:rPr>
-              <a:t>592: Data Science with Python</a:t>
+              <a:t>811M: Python for Data Scientists</a:t>
             </a:r>
           </a:p>
         </p:txBody>
@@ -821,7 +821,7 @@
                 </a:solidFill>
                 <a:latin typeface="Tahoma" pitchFamily="34" charset="0"/>
               </a:rPr>
-              <a:t>592: Data Science with Python</a:t>
+              <a:t>811M: Python for Data Scientists</a:t>
             </a:r>
           </a:p>
         </p:txBody>
@@ -1217,7 +1217,7 @@
           <a:bodyPr/>
           <a:lstStyle/>
           <a:p>
-            <a:endParaRPr lang="en-US"/>
+            <a:endParaRPr lang="en-US" dirty="0"/>
           </a:p>
         </p:txBody>
       </p:sp>
@@ -1283,7 +1283,7 @@
           <a:bodyPr/>
           <a:lstStyle/>
           <a:p>
-            <a:endParaRPr lang="en-US"/>
+            <a:endParaRPr lang="en-US" dirty="0"/>
           </a:p>
         </p:txBody>
       </p:sp>
@@ -1349,7 +1349,7 @@
           <a:bodyPr/>
           <a:lstStyle/>
           <a:p>
-            <a:endParaRPr lang="en-US"/>
+            <a:endParaRPr lang="en-US" dirty="0"/>
           </a:p>
         </p:txBody>
       </p:sp>
@@ -1415,7 +1415,7 @@
           <a:bodyPr/>
           <a:lstStyle/>
           <a:p>
-            <a:endParaRPr lang="en-US"/>
+            <a:endParaRPr lang="en-US" dirty="0"/>
           </a:p>
         </p:txBody>
       </p:sp>
@@ -1481,7 +1481,7 @@
           <a:bodyPr/>
           <a:lstStyle/>
           <a:p>
-            <a:endParaRPr lang="en-US"/>
+            <a:endParaRPr lang="en-US" dirty="0"/>
           </a:p>
         </p:txBody>
       </p:sp>
@@ -1547,7 +1547,7 @@
           <a:bodyPr/>
           <a:lstStyle/>
           <a:p>
-            <a:endParaRPr lang="en-US"/>
+            <a:endParaRPr lang="en-US" dirty="0"/>
           </a:p>
         </p:txBody>
       </p:sp>
@@ -1613,7 +1613,7 @@
           <a:bodyPr/>
           <a:lstStyle/>
           <a:p>
-            <a:endParaRPr lang="en-US"/>
+            <a:endParaRPr lang="en-US" dirty="0"/>
           </a:p>
         </p:txBody>
       </p:sp>
@@ -1679,7 +1679,7 @@
           <a:bodyPr/>
           <a:lstStyle/>
           <a:p>
-            <a:endParaRPr lang="en-US"/>
+            <a:endParaRPr lang="en-US" dirty="0"/>
           </a:p>
         </p:txBody>
       </p:sp>
@@ -1745,7 +1745,7 @@
           <a:bodyPr/>
           <a:lstStyle/>
           <a:p>
-            <a:endParaRPr lang="en-US"/>
+            <a:endParaRPr lang="en-US" dirty="0"/>
           </a:p>
         </p:txBody>
       </p:sp>
@@ -1811,7 +1811,7 @@
           <a:bodyPr/>
           <a:lstStyle/>
           <a:p>
-            <a:endParaRPr lang="en-US"/>
+            <a:endParaRPr lang="en-US" dirty="0"/>
           </a:p>
         </p:txBody>
       </p:sp>
@@ -1877,7 +1877,7 @@
           <a:bodyPr/>
           <a:lstStyle/>
           <a:p>
-            <a:endParaRPr lang="en-US"/>
+            <a:endParaRPr lang="en-US" dirty="0"/>
           </a:p>
         </p:txBody>
       </p:sp>
@@ -1943,7 +1943,7 @@
           <a:bodyPr/>
           <a:lstStyle/>
           <a:p>
-            <a:endParaRPr lang="en-US"/>
+            <a:endParaRPr lang="en-US" dirty="0"/>
           </a:p>
         </p:txBody>
       </p:sp>
@@ -2009,7 +2009,7 @@
           <a:bodyPr/>
           <a:lstStyle/>
           <a:p>
-            <a:endParaRPr lang="en-US"/>
+            <a:endParaRPr lang="en-US" dirty="0"/>
           </a:p>
         </p:txBody>
       </p:sp>
@@ -2075,7 +2075,7 @@
           <a:bodyPr/>
           <a:lstStyle/>
           <a:p>
-            <a:endParaRPr lang="en-US"/>
+            <a:endParaRPr lang="en-US" dirty="0"/>
           </a:p>
         </p:txBody>
       </p:sp>
@@ -2141,7 +2141,7 @@
           <a:bodyPr/>
           <a:lstStyle/>
           <a:p>
-            <a:endParaRPr lang="en-US"/>
+            <a:endParaRPr lang="en-US" dirty="0"/>
           </a:p>
         </p:txBody>
       </p:sp>
@@ -2207,7 +2207,7 @@
           <a:bodyPr/>
           <a:lstStyle/>
           <a:p>
-            <a:endParaRPr lang="en-US"/>
+            <a:endParaRPr lang="en-US" dirty="0"/>
           </a:p>
         </p:txBody>
       </p:sp>
@@ -2273,7 +2273,7 @@
           <a:bodyPr/>
           <a:lstStyle/>
           <a:p>
-            <a:endParaRPr lang="en-US"/>
+            <a:endParaRPr lang="en-US" dirty="0"/>
           </a:p>
         </p:txBody>
       </p:sp>
@@ -2339,7 +2339,7 @@
           <a:bodyPr/>
           <a:lstStyle/>
           <a:p>
-            <a:endParaRPr lang="en-US"/>
+            <a:endParaRPr lang="en-US" dirty="0"/>
           </a:p>
         </p:txBody>
       </p:sp>
@@ -2405,7 +2405,7 @@
           <a:bodyPr/>
           <a:lstStyle/>
           <a:p>
-            <a:endParaRPr lang="en-US"/>
+            <a:endParaRPr lang="en-US" dirty="0"/>
           </a:p>
         </p:txBody>
       </p:sp>
@@ -2471,7 +2471,7 @@
           <a:bodyPr/>
           <a:lstStyle/>
           <a:p>
-            <a:endParaRPr lang="en-US"/>
+            <a:endParaRPr lang="en-US" dirty="0"/>
           </a:p>
         </p:txBody>
       </p:sp>
@@ -2537,7 +2537,7 @@
           <a:bodyPr/>
           <a:lstStyle/>
           <a:p>
-            <a:endParaRPr lang="en-US"/>
+            <a:endParaRPr lang="en-US" dirty="0"/>
           </a:p>
         </p:txBody>
       </p:sp>
@@ -2603,7 +2603,7 @@
           <a:bodyPr/>
           <a:lstStyle/>
           <a:p>
-            <a:endParaRPr lang="en-US"/>
+            <a:endParaRPr lang="en-US" dirty="0"/>
           </a:p>
         </p:txBody>
       </p:sp>
@@ -2669,7 +2669,7 @@
           <a:bodyPr/>
           <a:lstStyle/>
           <a:p>
-            <a:endParaRPr lang="en-US"/>
+            <a:endParaRPr lang="en-US" dirty="0"/>
           </a:p>
         </p:txBody>
       </p:sp>
@@ -2735,7 +2735,7 @@
           <a:bodyPr/>
           <a:lstStyle/>
           <a:p>
-            <a:endParaRPr lang="en-US"/>
+            <a:endParaRPr lang="en-US" dirty="0"/>
           </a:p>
         </p:txBody>
       </p:sp>
@@ -2801,7 +2801,7 @@
           <a:bodyPr/>
           <a:lstStyle/>
           <a:p>
-            <a:endParaRPr lang="en-US"/>
+            <a:endParaRPr lang="en-US" dirty="0"/>
           </a:p>
         </p:txBody>
       </p:sp>
@@ -2867,7 +2867,7 @@
           <a:bodyPr/>
           <a:lstStyle/>
           <a:p>
-            <a:endParaRPr lang="en-US"/>
+            <a:endParaRPr lang="en-US" dirty="0"/>
           </a:p>
         </p:txBody>
       </p:sp>
@@ -2933,7 +2933,7 @@
           <a:bodyPr/>
           <a:lstStyle/>
           <a:p>
-            <a:endParaRPr lang="en-US"/>
+            <a:endParaRPr lang="en-US" dirty="0"/>
           </a:p>
         </p:txBody>
       </p:sp>
@@ -2999,7 +2999,7 @@
           <a:bodyPr/>
           <a:lstStyle/>
           <a:p>
-            <a:endParaRPr lang="en-US"/>
+            <a:endParaRPr lang="en-US" dirty="0"/>
           </a:p>
         </p:txBody>
       </p:sp>
@@ -3065,7 +3065,7 @@
           <a:bodyPr/>
           <a:lstStyle/>
           <a:p>
-            <a:endParaRPr lang="en-US"/>
+            <a:endParaRPr lang="en-US" dirty="0"/>
           </a:p>
         </p:txBody>
       </p:sp>
@@ -3131,7 +3131,7 @@
           <a:bodyPr/>
           <a:lstStyle/>
           <a:p>
-            <a:endParaRPr lang="en-US"/>
+            <a:endParaRPr lang="en-US" dirty="0"/>
           </a:p>
         </p:txBody>
       </p:sp>
@@ -6886,7 +6886,7 @@
                 <a:ea typeface="Tahoma" panose="020B0604030504040204" pitchFamily="34" charset="0"/>
                 <a:cs typeface="Tahoma" panose="020B0604030504040204" pitchFamily="34" charset="0"/>
               </a:rPr>
-              <a:t>592: Data Science with Python</a:t>
+              <a:t>811M: Python for Data Scientists</a:t>
             </a:r>
           </a:p>
         </p:txBody>
@@ -7596,7 +7596,7 @@
       </a:lvl9pPr>
     </p:otherStyle>
   </p:txStyles>
-  <p:extLst mod="1">
+  <p:extLst>
     <p:ext uri="{27BBF7A9-308A-43DC-89C8-2F10F3537804}">
       <p15:sldGuideLst xmlns:p15="http://schemas.microsoft.com/office/powerpoint/2012/main"/>
     </p:ext>
@@ -7668,7 +7668,7 @@
           <a:p>
             <a:r>
               <a:rPr lang="en-US" dirty="0"/>
-              <a:t>Data Science with Python</a:t>
+              <a:t>Python for Data Scientists</a:t>
             </a:r>
           </a:p>
         </p:txBody>
@@ -7784,8 +7784,8 @@
         </p:nvSpPr>
         <p:spPr bwMode="auto">
           <a:xfrm>
-            <a:off x="1211825" y="2621643"/>
-            <a:ext cx="6382261" cy="3139321"/>
+            <a:off x="1797976" y="2633366"/>
+            <a:ext cx="5130360" cy="3139321"/>
           </a:xfrm>
           <a:prstGeom prst="rect">
             <a:avLst/>
@@ -8067,7 +8067,7 @@
         </p:nvSpPr>
         <p:spPr bwMode="auto">
           <a:xfrm>
-            <a:off x="4755299" y="4184947"/>
+            <a:off x="5341449" y="4196670"/>
             <a:ext cx="2043077" cy="584776"/>
           </a:xfrm>
           <a:prstGeom prst="wedgeRectCallout">
@@ -8663,8 +8663,8 @@
         </p:nvSpPr>
         <p:spPr bwMode="auto">
           <a:xfrm>
-            <a:off x="530400" y="2230795"/>
-            <a:ext cx="8106602" cy="3293209"/>
+            <a:off x="905536" y="2230795"/>
+            <a:ext cx="7312338" cy="3293209"/>
           </a:xfrm>
           <a:prstGeom prst="rect">
             <a:avLst/>
@@ -9003,7 +9003,7 @@
         </p:nvSpPr>
         <p:spPr bwMode="auto">
           <a:xfrm>
-            <a:off x="4774432" y="3841383"/>
+            <a:off x="3977265" y="3841383"/>
             <a:ext cx="1336658" cy="338554"/>
           </a:xfrm>
           <a:prstGeom prst="wedgeRectCallout">
@@ -9059,7 +9059,7 @@
         </p:nvSpPr>
         <p:spPr bwMode="auto">
           <a:xfrm>
-            <a:off x="5542214" y="4420621"/>
+            <a:off x="4745047" y="4420621"/>
             <a:ext cx="1854467" cy="584776"/>
           </a:xfrm>
           <a:prstGeom prst="wedgeRectCallout">
@@ -9208,8 +9208,8 @@
         </p:nvSpPr>
         <p:spPr bwMode="auto">
           <a:xfrm>
-            <a:off x="1088549" y="2324857"/>
-            <a:ext cx="6815125" cy="2585323"/>
+            <a:off x="1557470" y="2324857"/>
+            <a:ext cx="5647746" cy="2585323"/>
           </a:xfrm>
           <a:prstGeom prst="rect">
             <a:avLst/>
@@ -9483,13 +9483,13 @@
         </p:nvSpPr>
         <p:spPr bwMode="auto">
           <a:xfrm>
-            <a:off x="4235677" y="3258934"/>
+            <a:off x="4429867" y="3258934"/>
             <a:ext cx="2681564" cy="338554"/>
           </a:xfrm>
           <a:prstGeom prst="wedgeRectCallout">
             <a:avLst>
-              <a:gd name="adj1" fmla="val -91674"/>
-              <a:gd name="adj2" fmla="val 44728"/>
+              <a:gd name="adj1" fmla="val -85991"/>
+              <a:gd name="adj2" fmla="val 48191"/>
             </a:avLst>
           </a:prstGeom>
           <a:solidFill>
@@ -9539,7 +9539,7 @@
         </p:nvSpPr>
         <p:spPr bwMode="auto">
           <a:xfrm>
-            <a:off x="4054731" y="4193011"/>
+            <a:off x="4429867" y="4193011"/>
             <a:ext cx="2681564" cy="338554"/>
           </a:xfrm>
           <a:prstGeom prst="wedgeRectCallout">
@@ -9957,13 +9957,13 @@
         </p:nvSpPr>
         <p:spPr bwMode="auto">
           <a:xfrm>
-            <a:off x="4973785" y="4213960"/>
+            <a:off x="4973785" y="4284298"/>
             <a:ext cx="2073333" cy="338554"/>
           </a:xfrm>
           <a:prstGeom prst="wedgeRectCallout">
             <a:avLst>
-              <a:gd name="adj1" fmla="val -107433"/>
-              <a:gd name="adj2" fmla="val 63447"/>
+              <a:gd name="adj1" fmla="val -108564"/>
+              <a:gd name="adj2" fmla="val 53059"/>
             </a:avLst>
           </a:prstGeom>
           <a:solidFill>
@@ -10093,8 +10093,8 @@
         </p:nvSpPr>
         <p:spPr bwMode="auto">
           <a:xfrm>
-            <a:off x="970848" y="2229307"/>
-            <a:ext cx="6425826" cy="2031325"/>
+            <a:off x="947402" y="2229307"/>
+            <a:ext cx="5359614" cy="2031325"/>
           </a:xfrm>
           <a:prstGeom prst="rect">
             <a:avLst/>
@@ -10337,13 +10337,13 @@
         </p:nvSpPr>
         <p:spPr bwMode="auto">
           <a:xfrm>
-            <a:off x="6005607" y="3341456"/>
+            <a:off x="5487571" y="3510733"/>
             <a:ext cx="2694770" cy="338554"/>
           </a:xfrm>
           <a:prstGeom prst="wedgeRectCallout">
             <a:avLst>
-              <a:gd name="adj1" fmla="val -65548"/>
-              <a:gd name="adj2" fmla="val -280343"/>
+              <a:gd name="adj1" fmla="val -48147"/>
+              <a:gd name="adj2" fmla="val -332283"/>
             </a:avLst>
           </a:prstGeom>
           <a:solidFill>
@@ -10816,7 +10816,7 @@
           </a:xfrm>
           <a:prstGeom prst="wedgeRectCallout">
             <a:avLst>
-              <a:gd name="adj1" fmla="val -181973"/>
+              <a:gd name="adj1" fmla="val -244181"/>
               <a:gd name="adj2" fmla="val 61105"/>
             </a:avLst>
           </a:prstGeom>
@@ -11260,16 +11260,6 @@
           </a:p>
           <a:p>
             <a:r>
-              <a:rPr lang="en-US" sz="1800" b="1" dirty="0" err="1">
-                <a:solidFill>
-                  <a:schemeClr val="tx1"/>
-                </a:solidFill>
-                <a:latin typeface="Courier New"/>
-                <a:cs typeface="Courier New"/>
-              </a:rPr>
-              <a:t>array.mean</a:t>
-            </a:r>
-            <a:r>
               <a:rPr lang="en-US" sz="1800" b="1" dirty="0">
                 <a:solidFill>
                   <a:schemeClr val="tx1"/>
@@ -11277,7 +11267,7 @@
                 <a:latin typeface="Courier New"/>
                 <a:cs typeface="Courier New"/>
               </a:rPr>
-              <a:t>(axis=0)</a:t>
+              <a:t>array.mean(axis=0)</a:t>
             </a:r>
           </a:p>
           <a:p>
@@ -11314,7 +11304,7 @@
         </p:nvSpPr>
         <p:spPr bwMode="auto">
           <a:xfrm>
-            <a:off x="4552156" y="4880543"/>
+            <a:off x="4177018" y="4950881"/>
             <a:ext cx="1848733" cy="584776"/>
           </a:xfrm>
           <a:prstGeom prst="wedgeRectCallout">
@@ -11407,28 +11397,17 @@
           <a:p>
             <a:r>
               <a:rPr lang="en-US" altLang="en-US" dirty="0"/>
-              <a:t>Please turn to the Exercise Manual and complete </a:t>
-            </a:r>
-            <a:r>
-              <a:rPr lang="en-US" altLang="en-US" b="1" dirty="0"/>
-              <a:t>E</a:t>
-            </a:r>
-            <a:r>
-              <a:rPr altLang="en-US" b="1" dirty="0"/>
+              <a:t>Please turn to the Exercise Manual and complete E</a:t>
+            </a:r>
+            <a:r>
+              <a:rPr altLang="en-US" dirty="0"/>
               <a:t>xercise</a:t>
             </a:r>
             <a:r>
-              <a:rPr lang="en-US" altLang="en-US" b="1" dirty="0"/>
-              <a:t> 2.2: </a:t>
-            </a:r>
-            <a:br>
-              <a:rPr lang="en-US" altLang="en-US" b="1" dirty="0"/>
-            </a:br>
-            <a:r>
-              <a:rPr lang="en-US" altLang="en-US" b="1" dirty="0"/>
-              <a:t>Array Basic Operations</a:t>
-            </a:r>
-            <a:endParaRPr altLang="en-US" b="1" dirty="0">
+              <a:rPr lang="en-US" altLang="en-US" dirty="0"/>
+              <a:t> 2.2</a:t>
+            </a:r>
+            <a:endParaRPr altLang="en-US" dirty="0">
               <a:latin typeface="Courier New" panose="02070309020205020404" pitchFamily="49" charset="0"/>
               <a:cs typeface="Courier New" panose="02070309020205020404" pitchFamily="49" charset="0"/>
             </a:endParaRPr>
@@ -11452,7 +11431,7 @@
           <a:p>
             <a:r>
               <a:rPr lang="en-US" altLang="en-US" dirty="0"/>
-              <a:t>Exercise 2.2</a:t>
+              <a:t>Exercise 2.2: Array Basic Operations</a:t>
             </a:r>
           </a:p>
         </p:txBody>
@@ -11509,436 +11488,384 @@
           </a:p>
         </p:txBody>
       </p:sp>
-      <p:sp>
-        <p:nvSpPr>
-          <p:cNvPr id="10" name="Text Placeholder 2"/>
-          <p:cNvSpPr>
-            <a:spLocks noGrp="1"/>
-          </p:cNvSpPr>
+      <p:graphicFrame>
+        <p:nvGraphicFramePr>
+          <p:cNvPr id="9" name="Table 8">
+            <a:extLst>
+              <a:ext uri="{FF2B5EF4-FFF2-40B4-BE49-F238E27FC236}">
+                <a16:creationId xmlns:a16="http://schemas.microsoft.com/office/drawing/2014/main" id="{86C927CF-CD7B-47CD-B16C-6C6FDEA11D85}"/>
+              </a:ext>
+            </a:extLst>
+          </p:cNvPr>
+          <p:cNvGraphicFramePr>
+            <a:graphicFrameLocks noGrp="1"/>
+          </p:cNvGraphicFramePr>
           <p:nvPr>
-            <p:ph type="body" sz="quarter" idx="11"/>
+            <p:extLst>
+              <p:ext uri="{D42A27DB-BD31-4B8C-83A1-F6EECF244321}">
+                <p14:modId xmlns:p14="http://schemas.microsoft.com/office/powerpoint/2010/main" val="4155177137"/>
+              </p:ext>
+            </p:extLst>
           </p:nvPr>
-        </p:nvSpPr>
-        <p:spPr>
-          <a:xfrm>
-            <a:off x="3511998" y="1540925"/>
-            <a:ext cx="5478094" cy="4101913"/>
-          </a:xfrm>
-        </p:spPr>
-        <p:txBody>
-          <a:bodyPr/>
-          <a:lstStyle/>
-          <a:p>
-            <a:pPr eaLnBrk="1" hangingPunct="1"/>
-            <a:r>
-              <a:rPr lang="en-US" altLang="en-US" b="0" dirty="0"/>
-              <a:t>Array Functions</a:t>
-            </a:r>
-          </a:p>
-          <a:p>
-            <a:pPr lvl="1" eaLnBrk="1" hangingPunct="1"/>
-            <a:r>
-              <a:rPr lang="en-US" altLang="en-US" dirty="0"/>
-              <a:t>Data Processing</a:t>
-            </a:r>
-          </a:p>
-          <a:p>
-            <a:pPr lvl="1" eaLnBrk="1" hangingPunct="1"/>
-            <a:r>
-              <a:rPr lang="en-US" altLang="en-US" b="1" dirty="0"/>
-              <a:t>File Input Output</a:t>
-            </a:r>
-          </a:p>
-          <a:p>
-            <a:pPr lvl="1" eaLnBrk="1" hangingPunct="1"/>
-            <a:r>
-              <a:rPr lang="en-US" altLang="en-US" dirty="0"/>
-              <a:t>Linear Algebra</a:t>
-            </a:r>
-          </a:p>
-          <a:p>
-            <a:pPr lvl="1" eaLnBrk="1" hangingPunct="1"/>
-            <a:r>
-              <a:rPr lang="en-US" altLang="en-US" dirty="0"/>
-              <a:t>Random Numbers</a:t>
-            </a:r>
-          </a:p>
-          <a:p>
-            <a:pPr lvl="1" eaLnBrk="1" hangingPunct="1"/>
-            <a:r>
-              <a:rPr lang="en-US" altLang="en-US" dirty="0"/>
-              <a:t>Chapter Summary</a:t>
-            </a:r>
-          </a:p>
-        </p:txBody>
-      </p:sp>
-      <p:grpSp>
-        <p:nvGrpSpPr>
-          <p:cNvPr id="11" name="Group 10"/>
-          <p:cNvGrpSpPr/>
-          <p:nvPr/>
-        </p:nvGrpSpPr>
-        <p:grpSpPr>
-          <a:xfrm>
-            <a:off x="3101676" y="2866092"/>
-            <a:ext cx="410322" cy="377482"/>
-            <a:chOff x="1766887" y="1515010"/>
-            <a:chExt cx="741316" cy="700622"/>
-          </a:xfrm>
-          <a:solidFill>
-            <a:schemeClr val="accent4"/>
-          </a:solidFill>
-          <a:scene3d>
-            <a:camera prst="orthographicFront">
-              <a:rot lat="0" lon="0" rev="0"/>
-            </a:camera>
-            <a:lightRig rig="balanced" dir="t">
-              <a:rot lat="0" lon="0" rev="8700000"/>
-            </a:lightRig>
-          </a:scene3d>
-        </p:grpSpPr>
-        <p:sp>
-          <p:nvSpPr>
-            <p:cNvPr id="12" name="AutoShape 10"/>
-            <p:cNvSpPr>
-              <a:spLocks noChangeArrowheads="1"/>
-            </p:cNvSpPr>
-            <p:nvPr/>
-          </p:nvSpPr>
-          <p:spPr bwMode="black">
-            <a:xfrm rot="5400000">
-              <a:off x="1787234" y="1494663"/>
-              <a:ext cx="700622" cy="741316"/>
-            </a:xfrm>
-            <a:custGeom>
-              <a:avLst/>
-              <a:gdLst>
-                <a:gd name="connsiteX0" fmla="*/ 0 w 264955"/>
-                <a:gd name="connsiteY0" fmla="*/ 311498 h 311498"/>
-                <a:gd name="connsiteX1" fmla="*/ 132478 w 264955"/>
-                <a:gd name="connsiteY1" fmla="*/ 0 h 311498"/>
-                <a:gd name="connsiteX2" fmla="*/ 264955 w 264955"/>
-                <a:gd name="connsiteY2" fmla="*/ 311498 h 311498"/>
-                <a:gd name="connsiteX3" fmla="*/ 0 w 264955"/>
-                <a:gd name="connsiteY3" fmla="*/ 311498 h 311498"/>
-                <a:gd name="connsiteX0" fmla="*/ 0 w 264955"/>
-                <a:gd name="connsiteY0" fmla="*/ 311498 h 312908"/>
-                <a:gd name="connsiteX1" fmla="*/ 132478 w 264955"/>
-                <a:gd name="connsiteY1" fmla="*/ 0 h 312908"/>
-                <a:gd name="connsiteX2" fmla="*/ 264955 w 264955"/>
-                <a:gd name="connsiteY2" fmla="*/ 311498 h 312908"/>
-                <a:gd name="connsiteX3" fmla="*/ 124553 w 264955"/>
-                <a:gd name="connsiteY3" fmla="*/ 312908 h 312908"/>
-                <a:gd name="connsiteX4" fmla="*/ 0 w 264955"/>
-                <a:gd name="connsiteY4" fmla="*/ 311498 h 312908"/>
-                <a:gd name="connsiteX0" fmla="*/ 0 w 264955"/>
-                <a:gd name="connsiteY0" fmla="*/ 311498 h 311498"/>
-                <a:gd name="connsiteX1" fmla="*/ 132478 w 264955"/>
-                <a:gd name="connsiteY1" fmla="*/ 0 h 311498"/>
-                <a:gd name="connsiteX2" fmla="*/ 264955 w 264955"/>
-                <a:gd name="connsiteY2" fmla="*/ 311498 h 311498"/>
-                <a:gd name="connsiteX3" fmla="*/ 138844 w 264955"/>
-                <a:gd name="connsiteY3" fmla="*/ 253377 h 311498"/>
-                <a:gd name="connsiteX4" fmla="*/ 0 w 264955"/>
-                <a:gd name="connsiteY4" fmla="*/ 311498 h 311498"/>
-              </a:gdLst>
-              <a:ahLst/>
-              <a:cxnLst>
-                <a:cxn ang="0">
-                  <a:pos x="connsiteX0" y="connsiteY0"/>
-                </a:cxn>
-                <a:cxn ang="0">
-                  <a:pos x="connsiteX1" y="connsiteY1"/>
-                </a:cxn>
-                <a:cxn ang="0">
-                  <a:pos x="connsiteX2" y="connsiteY2"/>
-                </a:cxn>
-                <a:cxn ang="0">
-                  <a:pos x="connsiteX3" y="connsiteY3"/>
-                </a:cxn>
-                <a:cxn ang="0">
-                  <a:pos x="connsiteX4" y="connsiteY4"/>
-                </a:cxn>
-              </a:cxnLst>
-              <a:rect l="l" t="t" r="r" b="b"/>
-              <a:pathLst>
-                <a:path w="264955" h="311498">
-                  <a:moveTo>
-                    <a:pt x="0" y="311498"/>
-                  </a:moveTo>
-                  <a:lnTo>
-                    <a:pt x="132478" y="0"/>
-                  </a:lnTo>
-                  <a:lnTo>
-                    <a:pt x="264955" y="311498"/>
-                  </a:lnTo>
-                  <a:lnTo>
-                    <a:pt x="138844" y="253377"/>
-                  </a:lnTo>
-                  <a:lnTo>
-                    <a:pt x="0" y="311498"/>
-                  </a:lnTo>
-                  <a:close/>
-                </a:path>
-              </a:pathLst>
-            </a:custGeom>
-            <a:grpFill/>
-            <a:ln w="19050">
-              <a:noFill/>
-              <a:miter lim="800000"/>
-              <a:headEnd/>
-              <a:tailEnd/>
-            </a:ln>
-            <a:effectLst>
-              <a:outerShdw blurRad="44450" dist="27940" dir="5400000" algn="ctr">
-                <a:srgbClr val="000000">
-                  <a:alpha val="32000"/>
-                </a:srgbClr>
-              </a:outerShdw>
-            </a:effectLst>
-            <a:sp3d>
-              <a:bevelT w="190500" h="38100"/>
-            </a:sp3d>
-          </p:spPr>
-          <p:txBody>
-            <a:bodyPr rot="10800000" vert="eaVert" wrap="none" anchor="ctr"/>
-            <a:lstStyle/>
-            <a:p>
-              <a:pPr>
-                <a:defRPr/>
-              </a:pPr>
-              <a:endParaRPr lang="en-GB" dirty="0">
-                <a:solidFill>
-                  <a:schemeClr val="accent6"/>
-                </a:solidFill>
-                <a:ea typeface="+mn-ea"/>
-              </a:endParaRPr>
-            </a:p>
-          </p:txBody>
-        </p:sp>
-        <p:sp>
-          <p:nvSpPr>
-            <p:cNvPr id="14" name="Freeform 11"/>
-            <p:cNvSpPr>
-              <a:spLocks/>
-            </p:cNvSpPr>
-            <p:nvPr/>
-          </p:nvSpPr>
-          <p:spPr bwMode="hidden">
-            <a:xfrm>
-              <a:off x="1802606" y="1545430"/>
-              <a:ext cx="701117" cy="344477"/>
-            </a:xfrm>
-            <a:custGeom>
-              <a:avLst/>
-              <a:gdLst>
-                <a:gd name="T0" fmla="*/ 0 w 245"/>
-                <a:gd name="T1" fmla="*/ 0 h 158"/>
-                <a:gd name="T2" fmla="*/ 245 w 245"/>
-                <a:gd name="T3" fmla="*/ 146 h 158"/>
-                <a:gd name="T4" fmla="*/ 226 w 245"/>
-                <a:gd name="T5" fmla="*/ 158 h 158"/>
-                <a:gd name="T6" fmla="*/ 0 w 245"/>
-                <a:gd name="T7" fmla="*/ 23 h 158"/>
-                <a:gd name="T8" fmla="*/ 0 w 245"/>
-                <a:gd name="T9" fmla="*/ 0 h 158"/>
-                <a:gd name="T10" fmla="*/ 0 60000 65536"/>
-                <a:gd name="T11" fmla="*/ 0 60000 65536"/>
-                <a:gd name="T12" fmla="*/ 0 60000 65536"/>
-                <a:gd name="T13" fmla="*/ 0 60000 65536"/>
-                <a:gd name="T14" fmla="*/ 0 60000 65536"/>
-                <a:gd name="T15" fmla="*/ 0 w 245"/>
-                <a:gd name="T16" fmla="*/ 0 h 158"/>
-                <a:gd name="T17" fmla="*/ 245 w 245"/>
-                <a:gd name="T18" fmla="*/ 158 h 158"/>
-              </a:gdLst>
-              <a:ahLst/>
-              <a:cxnLst>
-                <a:cxn ang="T10">
-                  <a:pos x="T0" y="T1"/>
-                </a:cxn>
-                <a:cxn ang="T11">
-                  <a:pos x="T2" y="T3"/>
-                </a:cxn>
-                <a:cxn ang="T12">
-                  <a:pos x="T4" y="T5"/>
-                </a:cxn>
-                <a:cxn ang="T13">
-                  <a:pos x="T6" y="T7"/>
-                </a:cxn>
-                <a:cxn ang="T14">
-                  <a:pos x="T8" y="T9"/>
-                </a:cxn>
-              </a:cxnLst>
-              <a:rect l="T15" t="T16" r="T17" b="T18"/>
-              <a:pathLst>
-                <a:path w="245" h="158">
-                  <a:moveTo>
-                    <a:pt x="0" y="0"/>
-                  </a:moveTo>
-                  <a:lnTo>
-                    <a:pt x="245" y="146"/>
-                  </a:lnTo>
-                  <a:lnTo>
-                    <a:pt x="226" y="158"/>
-                  </a:lnTo>
-                  <a:lnTo>
-                    <a:pt x="0" y="23"/>
-                  </a:lnTo>
-                  <a:lnTo>
-                    <a:pt x="0" y="0"/>
-                  </a:lnTo>
-                  <a:close/>
-                </a:path>
-              </a:pathLst>
-            </a:custGeom>
-            <a:grpFill/>
-            <a:ln w="28575" cap="flat" cmpd="sng">
-              <a:noFill/>
-              <a:prstDash val="solid"/>
-              <a:round/>
-              <a:headEnd type="none" w="med" len="med"/>
-              <a:tailEnd type="none" w="med" len="med"/>
-            </a:ln>
-            <a:effectLst>
-              <a:outerShdw blurRad="44450" dist="27940" dir="5400000" algn="ctr">
-                <a:srgbClr val="000000">
-                  <a:alpha val="32000"/>
-                </a:srgbClr>
-              </a:outerShdw>
-            </a:effectLst>
-            <a:sp3d>
-              <a:bevelT w="190500" h="38100"/>
-            </a:sp3d>
-          </p:spPr>
-          <p:txBody>
-            <a:bodyPr/>
-            <a:lstStyle/>
-            <a:p>
-              <a:pPr>
-                <a:defRPr/>
-              </a:pPr>
-              <a:endParaRPr lang="en-US" dirty="0">
-                <a:solidFill>
-                  <a:schemeClr val="accent6"/>
-                </a:solidFill>
-                <a:ea typeface="+mn-ea"/>
-              </a:endParaRPr>
-            </a:p>
-          </p:txBody>
-        </p:sp>
-        <p:sp>
-          <p:nvSpPr>
-            <p:cNvPr id="15" name="Freeform 12"/>
-            <p:cNvSpPr>
-              <a:spLocks/>
-            </p:cNvSpPr>
-            <p:nvPr/>
-          </p:nvSpPr>
-          <p:spPr bwMode="hidden">
-            <a:xfrm>
-              <a:off x="1797843" y="1840589"/>
-              <a:ext cx="710079" cy="357304"/>
-            </a:xfrm>
-            <a:custGeom>
-              <a:avLst/>
-              <a:gdLst>
-                <a:gd name="T0" fmla="*/ 248 w 248"/>
-                <a:gd name="T1" fmla="*/ 12 h 156"/>
-                <a:gd name="T2" fmla="*/ 0 w 248"/>
-                <a:gd name="T3" fmla="*/ 156 h 156"/>
-                <a:gd name="T4" fmla="*/ 3 w 248"/>
-                <a:gd name="T5" fmla="*/ 131 h 156"/>
-                <a:gd name="T6" fmla="*/ 229 w 248"/>
-                <a:gd name="T7" fmla="*/ 0 h 156"/>
-                <a:gd name="T8" fmla="*/ 248 w 248"/>
-                <a:gd name="T9" fmla="*/ 12 h 156"/>
-                <a:gd name="T10" fmla="*/ 0 60000 65536"/>
-                <a:gd name="T11" fmla="*/ 0 60000 65536"/>
-                <a:gd name="T12" fmla="*/ 0 60000 65536"/>
-                <a:gd name="T13" fmla="*/ 0 60000 65536"/>
-                <a:gd name="T14" fmla="*/ 0 60000 65536"/>
-                <a:gd name="T15" fmla="*/ 0 w 248"/>
-                <a:gd name="T16" fmla="*/ 0 h 156"/>
-                <a:gd name="T17" fmla="*/ 248 w 248"/>
-                <a:gd name="T18" fmla="*/ 156 h 156"/>
-              </a:gdLst>
-              <a:ahLst/>
-              <a:cxnLst>
-                <a:cxn ang="T10">
-                  <a:pos x="T0" y="T1"/>
-                </a:cxn>
-                <a:cxn ang="T11">
-                  <a:pos x="T2" y="T3"/>
-                </a:cxn>
-                <a:cxn ang="T12">
-                  <a:pos x="T4" y="T5"/>
-                </a:cxn>
-                <a:cxn ang="T13">
-                  <a:pos x="T6" y="T7"/>
-                </a:cxn>
-                <a:cxn ang="T14">
-                  <a:pos x="T8" y="T9"/>
-                </a:cxn>
-              </a:cxnLst>
-              <a:rect l="T15" t="T16" r="T17" b="T18"/>
-              <a:pathLst>
-                <a:path w="248" h="156">
-                  <a:moveTo>
-                    <a:pt x="248" y="12"/>
-                  </a:moveTo>
-                  <a:lnTo>
-                    <a:pt x="0" y="156"/>
-                  </a:lnTo>
-                  <a:lnTo>
-                    <a:pt x="3" y="131"/>
-                  </a:lnTo>
-                  <a:lnTo>
-                    <a:pt x="229" y="0"/>
-                  </a:lnTo>
-                  <a:lnTo>
-                    <a:pt x="248" y="12"/>
-                  </a:lnTo>
-                  <a:close/>
-                </a:path>
-              </a:pathLst>
-            </a:custGeom>
-            <a:grpFill/>
-            <a:ln w="28575" cap="flat" cmpd="sng">
-              <a:noFill/>
-              <a:prstDash val="solid"/>
-              <a:round/>
-              <a:headEnd type="none" w="med" len="med"/>
-              <a:tailEnd type="none" w="med" len="med"/>
-            </a:ln>
-            <a:effectLst>
-              <a:outerShdw blurRad="44450" dist="27940" dir="5400000" algn="ctr">
-                <a:srgbClr val="000000">
-                  <a:alpha val="32000"/>
-                </a:srgbClr>
-              </a:outerShdw>
-            </a:effectLst>
-            <a:sp3d>
-              <a:bevelT w="190500" h="38100"/>
-            </a:sp3d>
-          </p:spPr>
-          <p:txBody>
-            <a:bodyPr/>
-            <a:lstStyle/>
-            <a:p>
-              <a:pPr>
-                <a:defRPr/>
-              </a:pPr>
-              <a:endParaRPr lang="en-US" dirty="0">
-                <a:solidFill>
-                  <a:schemeClr val="accent6"/>
-                </a:solidFill>
-                <a:ea typeface="+mn-ea"/>
-              </a:endParaRPr>
-            </a:p>
-          </p:txBody>
-        </p:sp>
-      </p:grpSp>
+        </p:nvGraphicFramePr>
+        <p:xfrm>
+          <a:off x="2880360" y="1447543"/>
+          <a:ext cx="3383280" cy="3291840"/>
+        </p:xfrm>
+        <a:graphic>
+          <a:graphicData uri="http://schemas.openxmlformats.org/drawingml/2006/table">
+            <a:tbl>
+              <a:tblPr>
+                <a:tableStyleId>{00A15C55-8517-42AA-B614-E9B94910E393}</a:tableStyleId>
+              </a:tblPr>
+              <a:tblGrid>
+                <a:gridCol w="3383280">
+                  <a:extLst>
+                    <a:ext uri="{9D8B030D-6E8A-4147-A177-3AD203B41FA5}">
+                      <a16:colId xmlns:a16="http://schemas.microsoft.com/office/drawing/2014/main" val="1695728431"/>
+                    </a:ext>
+                  </a:extLst>
+                </a:gridCol>
+              </a:tblGrid>
+              <a:tr h="548640">
+                <a:tc>
+                  <a:txBody>
+                    <a:bodyPr/>
+                    <a:lstStyle/>
+                    <a:p>
+                      <a:pPr>
+                        <a:lnSpc>
+                          <a:spcPct val="100000"/>
+                        </a:lnSpc>
+                        <a:spcAft>
+                          <a:spcPts val="0"/>
+                        </a:spcAft>
+                      </a:pPr>
+                      <a:r>
+                        <a:rPr lang="en-US" sz="2000" b="0" dirty="0">
+                          <a:solidFill>
+                            <a:schemeClr val="bg1">
+                              <a:lumMod val="65000"/>
+                            </a:schemeClr>
+                          </a:solidFill>
+                        </a:rPr>
+                        <a:t>Array Functions</a:t>
+                      </a:r>
+                    </a:p>
+                  </a:txBody>
+                  <a:tcPr anchor="ctr">
+                    <a:lnB w="12700" cap="flat" cmpd="sng" algn="ctr">
+                      <a:solidFill>
+                        <a:schemeClr val="bg1">
+                          <a:lumMod val="65000"/>
+                        </a:schemeClr>
+                      </a:solidFill>
+                      <a:prstDash val="solid"/>
+                      <a:round/>
+                      <a:headEnd type="none" w="med" len="med"/>
+                      <a:tailEnd type="none" w="med" len="med"/>
+                    </a:lnB>
+                    <a:noFill/>
+                  </a:tcPr>
+                </a:tc>
+                <a:extLst>
+                  <a:ext uri="{0D108BD9-81ED-4DB2-BD59-A6C34878D82A}">
+                    <a16:rowId xmlns:a16="http://schemas.microsoft.com/office/drawing/2014/main" val="2307098774"/>
+                  </a:ext>
+                </a:extLst>
+              </a:tr>
+              <a:tr h="548640">
+                <a:tc>
+                  <a:txBody>
+                    <a:bodyPr/>
+                    <a:lstStyle/>
+                    <a:p>
+                      <a:pPr>
+                        <a:lnSpc>
+                          <a:spcPct val="100000"/>
+                        </a:lnSpc>
+                        <a:spcAft>
+                          <a:spcPts val="0"/>
+                        </a:spcAft>
+                      </a:pPr>
+                      <a:r>
+                        <a:rPr lang="en-US" sz="2000" dirty="0">
+                          <a:solidFill>
+                            <a:schemeClr val="bg1">
+                              <a:lumMod val="65000"/>
+                            </a:schemeClr>
+                          </a:solidFill>
+                        </a:rPr>
+                        <a:t>Data Processing</a:t>
+                      </a:r>
+                    </a:p>
+                  </a:txBody>
+                  <a:tcPr anchor="ctr">
+                    <a:lnT w="12700" cap="flat" cmpd="sng" algn="ctr">
+                      <a:solidFill>
+                        <a:schemeClr val="bg1">
+                          <a:lumMod val="65000"/>
+                        </a:schemeClr>
+                      </a:solidFill>
+                      <a:prstDash val="solid"/>
+                      <a:round/>
+                      <a:headEnd type="none" w="med" len="med"/>
+                      <a:tailEnd type="none" w="med" len="med"/>
+                    </a:lnT>
+                    <a:lnB w="12700" cap="flat" cmpd="sng" algn="ctr">
+                      <a:solidFill>
+                        <a:schemeClr val="bg1">
+                          <a:lumMod val="65000"/>
+                        </a:schemeClr>
+                      </a:solidFill>
+                      <a:prstDash val="solid"/>
+                      <a:round/>
+                      <a:headEnd type="none" w="med" len="med"/>
+                      <a:tailEnd type="none" w="med" len="med"/>
+                    </a:lnB>
+                    <a:noFill/>
+                  </a:tcPr>
+                </a:tc>
+                <a:extLst>
+                  <a:ext uri="{0D108BD9-81ED-4DB2-BD59-A6C34878D82A}">
+                    <a16:rowId xmlns:a16="http://schemas.microsoft.com/office/drawing/2014/main" val="1466711860"/>
+                  </a:ext>
+                </a:extLst>
+              </a:tr>
+              <a:tr h="548640">
+                <a:tc>
+                  <a:txBody>
+                    <a:bodyPr/>
+                    <a:lstStyle/>
+                    <a:p>
+                      <a:pPr>
+                        <a:lnSpc>
+                          <a:spcPct val="100000"/>
+                        </a:lnSpc>
+                        <a:spcAft>
+                          <a:spcPts val="0"/>
+                        </a:spcAft>
+                      </a:pPr>
+                      <a:r>
+                        <a:rPr lang="en-US" sz="2000" b="1" dirty="0">
+                          <a:solidFill>
+                            <a:schemeClr val="tx1"/>
+                          </a:solidFill>
+                        </a:rPr>
+                        <a:t>File Input Output</a:t>
+                      </a:r>
+                    </a:p>
+                  </a:txBody>
+                  <a:tcPr anchor="ctr">
+                    <a:lnT w="12700" cap="flat" cmpd="sng" algn="ctr">
+                      <a:solidFill>
+                        <a:schemeClr val="bg1">
+                          <a:lumMod val="65000"/>
+                        </a:schemeClr>
+                      </a:solidFill>
+                      <a:prstDash val="solid"/>
+                      <a:round/>
+                      <a:headEnd type="none" w="med" len="med"/>
+                      <a:tailEnd type="none" w="med" len="med"/>
+                    </a:lnT>
+                    <a:lnB w="12700" cap="flat" cmpd="sng" algn="ctr">
+                      <a:solidFill>
+                        <a:schemeClr val="bg1">
+                          <a:lumMod val="65000"/>
+                        </a:schemeClr>
+                      </a:solidFill>
+                      <a:prstDash val="solid"/>
+                      <a:round/>
+                      <a:headEnd type="none" w="med" len="med"/>
+                      <a:tailEnd type="none" w="med" len="med"/>
+                    </a:lnB>
+                    <a:noFill/>
+                  </a:tcPr>
+                </a:tc>
+                <a:extLst>
+                  <a:ext uri="{0D108BD9-81ED-4DB2-BD59-A6C34878D82A}">
+                    <a16:rowId xmlns:a16="http://schemas.microsoft.com/office/drawing/2014/main" val="1924402624"/>
+                  </a:ext>
+                </a:extLst>
+              </a:tr>
+              <a:tr h="548640">
+                <a:tc>
+                  <a:txBody>
+                    <a:bodyPr/>
+                    <a:lstStyle/>
+                    <a:p>
+                      <a:pPr>
+                        <a:lnSpc>
+                          <a:spcPct val="100000"/>
+                        </a:lnSpc>
+                        <a:spcAft>
+                          <a:spcPts val="0"/>
+                        </a:spcAft>
+                      </a:pPr>
+                      <a:r>
+                        <a:rPr lang="en-US" sz="2000" dirty="0">
+                          <a:solidFill>
+                            <a:schemeClr val="bg1">
+                              <a:lumMod val="65000"/>
+                            </a:schemeClr>
+                          </a:solidFill>
+                        </a:rPr>
+                        <a:t>Linear Algebra</a:t>
+                      </a:r>
+                    </a:p>
+                  </a:txBody>
+                  <a:tcPr anchor="ctr">
+                    <a:lnT w="12700" cap="flat" cmpd="sng" algn="ctr">
+                      <a:solidFill>
+                        <a:schemeClr val="bg1">
+                          <a:lumMod val="65000"/>
+                        </a:schemeClr>
+                      </a:solidFill>
+                      <a:prstDash val="solid"/>
+                      <a:round/>
+                      <a:headEnd type="none" w="med" len="med"/>
+                      <a:tailEnd type="none" w="med" len="med"/>
+                    </a:lnT>
+                    <a:lnB w="12700" cap="flat" cmpd="sng" algn="ctr">
+                      <a:solidFill>
+                        <a:schemeClr val="bg1">
+                          <a:lumMod val="65000"/>
+                        </a:schemeClr>
+                      </a:solidFill>
+                      <a:prstDash val="solid"/>
+                      <a:round/>
+                      <a:headEnd type="none" w="med" len="med"/>
+                      <a:tailEnd type="none" w="med" len="med"/>
+                    </a:lnB>
+                    <a:noFill/>
+                  </a:tcPr>
+                </a:tc>
+                <a:extLst>
+                  <a:ext uri="{0D108BD9-81ED-4DB2-BD59-A6C34878D82A}">
+                    <a16:rowId xmlns:a16="http://schemas.microsoft.com/office/drawing/2014/main" val="2634114360"/>
+                  </a:ext>
+                </a:extLst>
+              </a:tr>
+              <a:tr h="548640">
+                <a:tc>
+                  <a:txBody>
+                    <a:bodyPr/>
+                    <a:lstStyle/>
+                    <a:p>
+                      <a:pPr>
+                        <a:lnSpc>
+                          <a:spcPct val="100000"/>
+                        </a:lnSpc>
+                        <a:spcAft>
+                          <a:spcPts val="0"/>
+                        </a:spcAft>
+                      </a:pPr>
+                      <a:r>
+                        <a:rPr lang="en-US" sz="2000" dirty="0">
+                          <a:solidFill>
+                            <a:schemeClr val="bg1">
+                              <a:lumMod val="65000"/>
+                            </a:schemeClr>
+                          </a:solidFill>
+                        </a:rPr>
+                        <a:t>Random Numbers</a:t>
+                      </a:r>
+                    </a:p>
+                  </a:txBody>
+                  <a:tcPr anchor="ctr">
+                    <a:lnT w="12700" cap="flat" cmpd="sng" algn="ctr">
+                      <a:solidFill>
+                        <a:schemeClr val="bg1">
+                          <a:lumMod val="65000"/>
+                        </a:schemeClr>
+                      </a:solidFill>
+                      <a:prstDash val="solid"/>
+                      <a:round/>
+                      <a:headEnd type="none" w="med" len="med"/>
+                      <a:tailEnd type="none" w="med" len="med"/>
+                    </a:lnT>
+                    <a:lnB w="12700" cap="flat" cmpd="sng" algn="ctr">
+                      <a:solidFill>
+                        <a:schemeClr val="bg1">
+                          <a:lumMod val="65000"/>
+                        </a:schemeClr>
+                      </a:solidFill>
+                      <a:prstDash val="solid"/>
+                      <a:round/>
+                      <a:headEnd type="none" w="med" len="med"/>
+                      <a:tailEnd type="none" w="med" len="med"/>
+                    </a:lnB>
+                    <a:noFill/>
+                  </a:tcPr>
+                </a:tc>
+                <a:extLst>
+                  <a:ext uri="{0D108BD9-81ED-4DB2-BD59-A6C34878D82A}">
+                    <a16:rowId xmlns:a16="http://schemas.microsoft.com/office/drawing/2014/main" val="3018257731"/>
+                  </a:ext>
+                </a:extLst>
+              </a:tr>
+              <a:tr h="548640">
+                <a:tc>
+                  <a:txBody>
+                    <a:bodyPr/>
+                    <a:lstStyle/>
+                    <a:p>
+                      <a:pPr>
+                        <a:lnSpc>
+                          <a:spcPct val="100000"/>
+                        </a:lnSpc>
+                        <a:spcAft>
+                          <a:spcPts val="0"/>
+                        </a:spcAft>
+                      </a:pPr>
+                      <a:r>
+                        <a:rPr lang="en-US" sz="2000" dirty="0">
+                          <a:solidFill>
+                            <a:schemeClr val="bg1">
+                              <a:lumMod val="65000"/>
+                            </a:schemeClr>
+                          </a:solidFill>
+                        </a:rPr>
+                        <a:t>Chapter Summary</a:t>
+                      </a:r>
+                    </a:p>
+                  </a:txBody>
+                  <a:tcPr anchor="ctr">
+                    <a:lnT w="12700" cap="flat" cmpd="sng" algn="ctr">
+                      <a:solidFill>
+                        <a:schemeClr val="bg1">
+                          <a:lumMod val="65000"/>
+                        </a:schemeClr>
+                      </a:solidFill>
+                      <a:prstDash val="solid"/>
+                      <a:round/>
+                      <a:headEnd type="none" w="med" len="med"/>
+                      <a:tailEnd type="none" w="med" len="med"/>
+                    </a:lnT>
+                    <a:lnB w="12700" cap="flat" cmpd="sng" algn="ctr">
+                      <a:solidFill>
+                        <a:schemeClr val="bg1">
+                          <a:lumMod val="65000"/>
+                        </a:schemeClr>
+                      </a:solidFill>
+                      <a:prstDash val="solid"/>
+                      <a:round/>
+                      <a:headEnd type="none" w="med" len="med"/>
+                      <a:tailEnd type="none" w="med" len="med"/>
+                    </a:lnB>
+                    <a:noFill/>
+                  </a:tcPr>
+                </a:tc>
+                <a:extLst>
+                  <a:ext uri="{0D108BD9-81ED-4DB2-BD59-A6C34878D82A}">
+                    <a16:rowId xmlns:a16="http://schemas.microsoft.com/office/drawing/2014/main" val="376303497"/>
+                  </a:ext>
+                </a:extLst>
+              </a:tr>
+            </a:tbl>
+          </a:graphicData>
+        </a:graphic>
+      </p:graphicFrame>
     </p:spTree>
     <p:extLst>
       <p:ext uri="{BB962C8B-B14F-4D97-AF65-F5344CB8AC3E}">
@@ -12174,8 +12101,8 @@
         </p:nvSpPr>
         <p:spPr bwMode="auto">
           <a:xfrm>
-            <a:off x="1090492" y="2424747"/>
-            <a:ext cx="6387664" cy="2308324"/>
+            <a:off x="1758703" y="2506808"/>
+            <a:ext cx="5322031" cy="2308324"/>
           </a:xfrm>
           <a:prstGeom prst="rect">
             <a:avLst/>
@@ -12464,7 +12391,7 @@
         </p:nvSpPr>
         <p:spPr bwMode="auto">
           <a:xfrm>
-            <a:off x="5251724" y="2132359"/>
+            <a:off x="5919935" y="2214420"/>
             <a:ext cx="2393996" cy="584776"/>
           </a:xfrm>
           <a:prstGeom prst="wedgeRectCallout">
@@ -12622,8 +12549,8 @@
         </p:nvSpPr>
         <p:spPr bwMode="auto">
           <a:xfrm>
-            <a:off x="642834" y="2215756"/>
-            <a:ext cx="7985113" cy="3970318"/>
+            <a:off x="994524" y="2215756"/>
+            <a:ext cx="6918551" cy="3970318"/>
           </a:xfrm>
           <a:prstGeom prst="rect">
             <a:avLst/>
@@ -12817,16 +12744,6 @@
           </a:p>
           <a:p>
             <a:r>
-              <a:rPr lang="en-US" sz="1800" b="1" dirty="0" err="1">
-                <a:solidFill>
-                  <a:schemeClr val="tx1"/>
-                </a:solidFill>
-                <a:latin typeface="Courier New"/>
-                <a:cs typeface="Courier New"/>
-              </a:rPr>
-              <a:t>np.savez</a:t>
-            </a:r>
-            <a:r>
               <a:rPr lang="en-US" sz="1800" b="1" dirty="0">
                 <a:solidFill>
                   <a:schemeClr val="tx1"/>
@@ -12834,7 +12751,7 @@
                 <a:latin typeface="Courier New"/>
                 <a:cs typeface="Courier New"/>
               </a:rPr>
-              <a:t>('array_archive.npz', data_set_1=array1, data_set_2=array2)</a:t>
+              <a:t>np.savez('array_archive.npz', data_set_1=array1, data_set_2=array2)</a:t>
             </a:r>
           </a:p>
           <a:p>
@@ -12973,13 +12890,13 @@
         </p:nvSpPr>
         <p:spPr bwMode="auto">
           <a:xfrm>
-            <a:off x="5844887" y="4494293"/>
+            <a:off x="6196577" y="4564631"/>
             <a:ext cx="2035821" cy="338554"/>
           </a:xfrm>
           <a:prstGeom prst="wedgeRectCallout">
             <a:avLst>
-              <a:gd name="adj1" fmla="val -139708"/>
-              <a:gd name="adj2" fmla="val 53297"/>
+              <a:gd name="adj1" fmla="val -156983"/>
+              <a:gd name="adj2" fmla="val 42909"/>
             </a:avLst>
           </a:prstGeom>
           <a:solidFill>
@@ -13125,8 +13042,8 @@
         </p:nvSpPr>
         <p:spPr bwMode="auto">
           <a:xfrm>
-            <a:off x="353128" y="1817405"/>
-            <a:ext cx="8476526" cy="3139321"/>
+            <a:off x="833770" y="1793959"/>
+            <a:ext cx="7454441" cy="3139321"/>
           </a:xfrm>
           <a:prstGeom prst="rect">
             <a:avLst/>
@@ -13279,16 +13196,6 @@
           </a:p>
           <a:p>
             <a:r>
-              <a:rPr lang="en-US" sz="1800" b="1" dirty="0" err="1">
-                <a:solidFill>
-                  <a:schemeClr val="tx1"/>
-                </a:solidFill>
-                <a:latin typeface="Courier New"/>
-                <a:cs typeface="Courier New"/>
-              </a:rPr>
-              <a:t>np.savetxt</a:t>
-            </a:r>
-            <a:r>
               <a:rPr lang="en-US" sz="1800" b="1" dirty="0">
                 <a:solidFill>
                   <a:schemeClr val="tx1"/>
@@ -13296,7 +13203,7 @@
                 <a:latin typeface="Courier New"/>
                 <a:cs typeface="Courier New"/>
               </a:rPr>
-              <a:t>('array_data.txt',array2d, delimiter=',')</a:t>
+              <a:t>np.savetxt('array_data.txt',array2d, delimiter=',')</a:t>
             </a:r>
           </a:p>
           <a:p>
@@ -13403,7 +13310,7 @@
         </p:nvSpPr>
         <p:spPr bwMode="auto">
           <a:xfrm>
-            <a:off x="5539869" y="4174351"/>
+            <a:off x="5926728" y="4092289"/>
             <a:ext cx="2035821" cy="338554"/>
           </a:xfrm>
           <a:prstGeom prst="wedgeRectCallout">
@@ -13501,436 +13408,384 @@
           </a:p>
         </p:txBody>
       </p:sp>
-      <p:sp>
-        <p:nvSpPr>
-          <p:cNvPr id="10" name="Text Placeholder 2"/>
-          <p:cNvSpPr>
-            <a:spLocks noGrp="1"/>
-          </p:cNvSpPr>
+      <p:graphicFrame>
+        <p:nvGraphicFramePr>
+          <p:cNvPr id="9" name="Table 8">
+            <a:extLst>
+              <a:ext uri="{FF2B5EF4-FFF2-40B4-BE49-F238E27FC236}">
+                <a16:creationId xmlns:a16="http://schemas.microsoft.com/office/drawing/2014/main" id="{B43182C5-3490-4788-A381-301CFD9A1E33}"/>
+              </a:ext>
+            </a:extLst>
+          </p:cNvPr>
+          <p:cNvGraphicFramePr>
+            <a:graphicFrameLocks noGrp="1"/>
+          </p:cNvGraphicFramePr>
           <p:nvPr>
-            <p:ph type="body" sz="quarter" idx="11"/>
+            <p:extLst>
+              <p:ext uri="{D42A27DB-BD31-4B8C-83A1-F6EECF244321}">
+                <p14:modId xmlns:p14="http://schemas.microsoft.com/office/powerpoint/2010/main" val="2715593595"/>
+              </p:ext>
+            </p:extLst>
           </p:nvPr>
-        </p:nvSpPr>
-        <p:spPr>
-          <a:xfrm>
-            <a:off x="3511998" y="1540925"/>
-            <a:ext cx="5478094" cy="4101913"/>
-          </a:xfrm>
-        </p:spPr>
-        <p:txBody>
-          <a:bodyPr/>
-          <a:lstStyle/>
-          <a:p>
-            <a:pPr eaLnBrk="1" hangingPunct="1"/>
-            <a:r>
-              <a:rPr lang="en-US" altLang="en-US" b="0" dirty="0"/>
-              <a:t>Array Functions</a:t>
-            </a:r>
-          </a:p>
-          <a:p>
-            <a:pPr lvl="1" eaLnBrk="1" hangingPunct="1"/>
-            <a:r>
-              <a:rPr lang="en-US" altLang="en-US" dirty="0"/>
-              <a:t>Data Processing</a:t>
-            </a:r>
-          </a:p>
-          <a:p>
-            <a:pPr lvl="1" eaLnBrk="1" hangingPunct="1"/>
-            <a:r>
-              <a:rPr lang="en-US" altLang="en-US" dirty="0"/>
-              <a:t>File Input Output</a:t>
-            </a:r>
-          </a:p>
-          <a:p>
-            <a:pPr lvl="1" eaLnBrk="1" hangingPunct="1"/>
-            <a:r>
-              <a:rPr lang="en-US" altLang="en-US" b="1" dirty="0"/>
-              <a:t>Linear Algebra</a:t>
-            </a:r>
-          </a:p>
-          <a:p>
-            <a:pPr lvl="1" eaLnBrk="1" hangingPunct="1"/>
-            <a:r>
-              <a:rPr lang="en-US" altLang="en-US" dirty="0"/>
-              <a:t>Random Numbers</a:t>
-            </a:r>
-          </a:p>
-          <a:p>
-            <a:pPr lvl="1" eaLnBrk="1" hangingPunct="1"/>
-            <a:r>
-              <a:rPr lang="en-US" altLang="en-US" dirty="0"/>
-              <a:t>Chapter Summary</a:t>
-            </a:r>
-          </a:p>
-        </p:txBody>
-      </p:sp>
-      <p:grpSp>
-        <p:nvGrpSpPr>
-          <p:cNvPr id="11" name="Group 10"/>
-          <p:cNvGrpSpPr/>
-          <p:nvPr/>
-        </p:nvGrpSpPr>
-        <p:grpSpPr>
-          <a:xfrm>
-            <a:off x="3101676" y="3481726"/>
-            <a:ext cx="410322" cy="377482"/>
-            <a:chOff x="1766887" y="1515010"/>
-            <a:chExt cx="741316" cy="700622"/>
-          </a:xfrm>
-          <a:solidFill>
-            <a:schemeClr val="accent4"/>
-          </a:solidFill>
-          <a:scene3d>
-            <a:camera prst="orthographicFront">
-              <a:rot lat="0" lon="0" rev="0"/>
-            </a:camera>
-            <a:lightRig rig="balanced" dir="t">
-              <a:rot lat="0" lon="0" rev="8700000"/>
-            </a:lightRig>
-          </a:scene3d>
-        </p:grpSpPr>
-        <p:sp>
-          <p:nvSpPr>
-            <p:cNvPr id="12" name="AutoShape 10"/>
-            <p:cNvSpPr>
-              <a:spLocks noChangeArrowheads="1"/>
-            </p:cNvSpPr>
-            <p:nvPr/>
-          </p:nvSpPr>
-          <p:spPr bwMode="black">
-            <a:xfrm rot="5400000">
-              <a:off x="1787234" y="1494663"/>
-              <a:ext cx="700622" cy="741316"/>
-            </a:xfrm>
-            <a:custGeom>
-              <a:avLst/>
-              <a:gdLst>
-                <a:gd name="connsiteX0" fmla="*/ 0 w 264955"/>
-                <a:gd name="connsiteY0" fmla="*/ 311498 h 311498"/>
-                <a:gd name="connsiteX1" fmla="*/ 132478 w 264955"/>
-                <a:gd name="connsiteY1" fmla="*/ 0 h 311498"/>
-                <a:gd name="connsiteX2" fmla="*/ 264955 w 264955"/>
-                <a:gd name="connsiteY2" fmla="*/ 311498 h 311498"/>
-                <a:gd name="connsiteX3" fmla="*/ 0 w 264955"/>
-                <a:gd name="connsiteY3" fmla="*/ 311498 h 311498"/>
-                <a:gd name="connsiteX0" fmla="*/ 0 w 264955"/>
-                <a:gd name="connsiteY0" fmla="*/ 311498 h 312908"/>
-                <a:gd name="connsiteX1" fmla="*/ 132478 w 264955"/>
-                <a:gd name="connsiteY1" fmla="*/ 0 h 312908"/>
-                <a:gd name="connsiteX2" fmla="*/ 264955 w 264955"/>
-                <a:gd name="connsiteY2" fmla="*/ 311498 h 312908"/>
-                <a:gd name="connsiteX3" fmla="*/ 124553 w 264955"/>
-                <a:gd name="connsiteY3" fmla="*/ 312908 h 312908"/>
-                <a:gd name="connsiteX4" fmla="*/ 0 w 264955"/>
-                <a:gd name="connsiteY4" fmla="*/ 311498 h 312908"/>
-                <a:gd name="connsiteX0" fmla="*/ 0 w 264955"/>
-                <a:gd name="connsiteY0" fmla="*/ 311498 h 311498"/>
-                <a:gd name="connsiteX1" fmla="*/ 132478 w 264955"/>
-                <a:gd name="connsiteY1" fmla="*/ 0 h 311498"/>
-                <a:gd name="connsiteX2" fmla="*/ 264955 w 264955"/>
-                <a:gd name="connsiteY2" fmla="*/ 311498 h 311498"/>
-                <a:gd name="connsiteX3" fmla="*/ 138844 w 264955"/>
-                <a:gd name="connsiteY3" fmla="*/ 253377 h 311498"/>
-                <a:gd name="connsiteX4" fmla="*/ 0 w 264955"/>
-                <a:gd name="connsiteY4" fmla="*/ 311498 h 311498"/>
-              </a:gdLst>
-              <a:ahLst/>
-              <a:cxnLst>
-                <a:cxn ang="0">
-                  <a:pos x="connsiteX0" y="connsiteY0"/>
-                </a:cxn>
-                <a:cxn ang="0">
-                  <a:pos x="connsiteX1" y="connsiteY1"/>
-                </a:cxn>
-                <a:cxn ang="0">
-                  <a:pos x="connsiteX2" y="connsiteY2"/>
-                </a:cxn>
-                <a:cxn ang="0">
-                  <a:pos x="connsiteX3" y="connsiteY3"/>
-                </a:cxn>
-                <a:cxn ang="0">
-                  <a:pos x="connsiteX4" y="connsiteY4"/>
-                </a:cxn>
-              </a:cxnLst>
-              <a:rect l="l" t="t" r="r" b="b"/>
-              <a:pathLst>
-                <a:path w="264955" h="311498">
-                  <a:moveTo>
-                    <a:pt x="0" y="311498"/>
-                  </a:moveTo>
-                  <a:lnTo>
-                    <a:pt x="132478" y="0"/>
-                  </a:lnTo>
-                  <a:lnTo>
-                    <a:pt x="264955" y="311498"/>
-                  </a:lnTo>
-                  <a:lnTo>
-                    <a:pt x="138844" y="253377"/>
-                  </a:lnTo>
-                  <a:lnTo>
-                    <a:pt x="0" y="311498"/>
-                  </a:lnTo>
-                  <a:close/>
-                </a:path>
-              </a:pathLst>
-            </a:custGeom>
-            <a:grpFill/>
-            <a:ln w="19050">
-              <a:noFill/>
-              <a:miter lim="800000"/>
-              <a:headEnd/>
-              <a:tailEnd/>
-            </a:ln>
-            <a:effectLst>
-              <a:outerShdw blurRad="44450" dist="27940" dir="5400000" algn="ctr">
-                <a:srgbClr val="000000">
-                  <a:alpha val="32000"/>
-                </a:srgbClr>
-              </a:outerShdw>
-            </a:effectLst>
-            <a:sp3d>
-              <a:bevelT w="190500" h="38100"/>
-            </a:sp3d>
-          </p:spPr>
-          <p:txBody>
-            <a:bodyPr rot="10800000" vert="eaVert" wrap="none" anchor="ctr"/>
-            <a:lstStyle/>
-            <a:p>
-              <a:pPr>
-                <a:defRPr/>
-              </a:pPr>
-              <a:endParaRPr lang="en-GB" dirty="0">
-                <a:solidFill>
-                  <a:schemeClr val="accent6"/>
-                </a:solidFill>
-                <a:ea typeface="+mn-ea"/>
-              </a:endParaRPr>
-            </a:p>
-          </p:txBody>
-        </p:sp>
-        <p:sp>
-          <p:nvSpPr>
-            <p:cNvPr id="14" name="Freeform 11"/>
-            <p:cNvSpPr>
-              <a:spLocks/>
-            </p:cNvSpPr>
-            <p:nvPr/>
-          </p:nvSpPr>
-          <p:spPr bwMode="hidden">
-            <a:xfrm>
-              <a:off x="1802606" y="1545430"/>
-              <a:ext cx="701117" cy="344477"/>
-            </a:xfrm>
-            <a:custGeom>
-              <a:avLst/>
-              <a:gdLst>
-                <a:gd name="T0" fmla="*/ 0 w 245"/>
-                <a:gd name="T1" fmla="*/ 0 h 158"/>
-                <a:gd name="T2" fmla="*/ 245 w 245"/>
-                <a:gd name="T3" fmla="*/ 146 h 158"/>
-                <a:gd name="T4" fmla="*/ 226 w 245"/>
-                <a:gd name="T5" fmla="*/ 158 h 158"/>
-                <a:gd name="T6" fmla="*/ 0 w 245"/>
-                <a:gd name="T7" fmla="*/ 23 h 158"/>
-                <a:gd name="T8" fmla="*/ 0 w 245"/>
-                <a:gd name="T9" fmla="*/ 0 h 158"/>
-                <a:gd name="T10" fmla="*/ 0 60000 65536"/>
-                <a:gd name="T11" fmla="*/ 0 60000 65536"/>
-                <a:gd name="T12" fmla="*/ 0 60000 65536"/>
-                <a:gd name="T13" fmla="*/ 0 60000 65536"/>
-                <a:gd name="T14" fmla="*/ 0 60000 65536"/>
-                <a:gd name="T15" fmla="*/ 0 w 245"/>
-                <a:gd name="T16" fmla="*/ 0 h 158"/>
-                <a:gd name="T17" fmla="*/ 245 w 245"/>
-                <a:gd name="T18" fmla="*/ 158 h 158"/>
-              </a:gdLst>
-              <a:ahLst/>
-              <a:cxnLst>
-                <a:cxn ang="T10">
-                  <a:pos x="T0" y="T1"/>
-                </a:cxn>
-                <a:cxn ang="T11">
-                  <a:pos x="T2" y="T3"/>
-                </a:cxn>
-                <a:cxn ang="T12">
-                  <a:pos x="T4" y="T5"/>
-                </a:cxn>
-                <a:cxn ang="T13">
-                  <a:pos x="T6" y="T7"/>
-                </a:cxn>
-                <a:cxn ang="T14">
-                  <a:pos x="T8" y="T9"/>
-                </a:cxn>
-              </a:cxnLst>
-              <a:rect l="T15" t="T16" r="T17" b="T18"/>
-              <a:pathLst>
-                <a:path w="245" h="158">
-                  <a:moveTo>
-                    <a:pt x="0" y="0"/>
-                  </a:moveTo>
-                  <a:lnTo>
-                    <a:pt x="245" y="146"/>
-                  </a:lnTo>
-                  <a:lnTo>
-                    <a:pt x="226" y="158"/>
-                  </a:lnTo>
-                  <a:lnTo>
-                    <a:pt x="0" y="23"/>
-                  </a:lnTo>
-                  <a:lnTo>
-                    <a:pt x="0" y="0"/>
-                  </a:lnTo>
-                  <a:close/>
-                </a:path>
-              </a:pathLst>
-            </a:custGeom>
-            <a:grpFill/>
-            <a:ln w="28575" cap="flat" cmpd="sng">
-              <a:noFill/>
-              <a:prstDash val="solid"/>
-              <a:round/>
-              <a:headEnd type="none" w="med" len="med"/>
-              <a:tailEnd type="none" w="med" len="med"/>
-            </a:ln>
-            <a:effectLst>
-              <a:outerShdw blurRad="44450" dist="27940" dir="5400000" algn="ctr">
-                <a:srgbClr val="000000">
-                  <a:alpha val="32000"/>
-                </a:srgbClr>
-              </a:outerShdw>
-            </a:effectLst>
-            <a:sp3d>
-              <a:bevelT w="190500" h="38100"/>
-            </a:sp3d>
-          </p:spPr>
-          <p:txBody>
-            <a:bodyPr/>
-            <a:lstStyle/>
-            <a:p>
-              <a:pPr>
-                <a:defRPr/>
-              </a:pPr>
-              <a:endParaRPr lang="en-US" dirty="0">
-                <a:solidFill>
-                  <a:schemeClr val="accent6"/>
-                </a:solidFill>
-                <a:ea typeface="+mn-ea"/>
-              </a:endParaRPr>
-            </a:p>
-          </p:txBody>
-        </p:sp>
-        <p:sp>
-          <p:nvSpPr>
-            <p:cNvPr id="15" name="Freeform 12"/>
-            <p:cNvSpPr>
-              <a:spLocks/>
-            </p:cNvSpPr>
-            <p:nvPr/>
-          </p:nvSpPr>
-          <p:spPr bwMode="hidden">
-            <a:xfrm>
-              <a:off x="1797843" y="1840589"/>
-              <a:ext cx="710079" cy="357304"/>
-            </a:xfrm>
-            <a:custGeom>
-              <a:avLst/>
-              <a:gdLst>
-                <a:gd name="T0" fmla="*/ 248 w 248"/>
-                <a:gd name="T1" fmla="*/ 12 h 156"/>
-                <a:gd name="T2" fmla="*/ 0 w 248"/>
-                <a:gd name="T3" fmla="*/ 156 h 156"/>
-                <a:gd name="T4" fmla="*/ 3 w 248"/>
-                <a:gd name="T5" fmla="*/ 131 h 156"/>
-                <a:gd name="T6" fmla="*/ 229 w 248"/>
-                <a:gd name="T7" fmla="*/ 0 h 156"/>
-                <a:gd name="T8" fmla="*/ 248 w 248"/>
-                <a:gd name="T9" fmla="*/ 12 h 156"/>
-                <a:gd name="T10" fmla="*/ 0 60000 65536"/>
-                <a:gd name="T11" fmla="*/ 0 60000 65536"/>
-                <a:gd name="T12" fmla="*/ 0 60000 65536"/>
-                <a:gd name="T13" fmla="*/ 0 60000 65536"/>
-                <a:gd name="T14" fmla="*/ 0 60000 65536"/>
-                <a:gd name="T15" fmla="*/ 0 w 248"/>
-                <a:gd name="T16" fmla="*/ 0 h 156"/>
-                <a:gd name="T17" fmla="*/ 248 w 248"/>
-                <a:gd name="T18" fmla="*/ 156 h 156"/>
-              </a:gdLst>
-              <a:ahLst/>
-              <a:cxnLst>
-                <a:cxn ang="T10">
-                  <a:pos x="T0" y="T1"/>
-                </a:cxn>
-                <a:cxn ang="T11">
-                  <a:pos x="T2" y="T3"/>
-                </a:cxn>
-                <a:cxn ang="T12">
-                  <a:pos x="T4" y="T5"/>
-                </a:cxn>
-                <a:cxn ang="T13">
-                  <a:pos x="T6" y="T7"/>
-                </a:cxn>
-                <a:cxn ang="T14">
-                  <a:pos x="T8" y="T9"/>
-                </a:cxn>
-              </a:cxnLst>
-              <a:rect l="T15" t="T16" r="T17" b="T18"/>
-              <a:pathLst>
-                <a:path w="248" h="156">
-                  <a:moveTo>
-                    <a:pt x="248" y="12"/>
-                  </a:moveTo>
-                  <a:lnTo>
-                    <a:pt x="0" y="156"/>
-                  </a:lnTo>
-                  <a:lnTo>
-                    <a:pt x="3" y="131"/>
-                  </a:lnTo>
-                  <a:lnTo>
-                    <a:pt x="229" y="0"/>
-                  </a:lnTo>
-                  <a:lnTo>
-                    <a:pt x="248" y="12"/>
-                  </a:lnTo>
-                  <a:close/>
-                </a:path>
-              </a:pathLst>
-            </a:custGeom>
-            <a:grpFill/>
-            <a:ln w="28575" cap="flat" cmpd="sng">
-              <a:noFill/>
-              <a:prstDash val="solid"/>
-              <a:round/>
-              <a:headEnd type="none" w="med" len="med"/>
-              <a:tailEnd type="none" w="med" len="med"/>
-            </a:ln>
-            <a:effectLst>
-              <a:outerShdw blurRad="44450" dist="27940" dir="5400000" algn="ctr">
-                <a:srgbClr val="000000">
-                  <a:alpha val="32000"/>
-                </a:srgbClr>
-              </a:outerShdw>
-            </a:effectLst>
-            <a:sp3d>
-              <a:bevelT w="190500" h="38100"/>
-            </a:sp3d>
-          </p:spPr>
-          <p:txBody>
-            <a:bodyPr/>
-            <a:lstStyle/>
-            <a:p>
-              <a:pPr>
-                <a:defRPr/>
-              </a:pPr>
-              <a:endParaRPr lang="en-US" dirty="0">
-                <a:solidFill>
-                  <a:schemeClr val="accent6"/>
-                </a:solidFill>
-                <a:ea typeface="+mn-ea"/>
-              </a:endParaRPr>
-            </a:p>
-          </p:txBody>
-        </p:sp>
-      </p:grpSp>
+        </p:nvGraphicFramePr>
+        <p:xfrm>
+          <a:off x="2880360" y="1447543"/>
+          <a:ext cx="3383280" cy="3291840"/>
+        </p:xfrm>
+        <a:graphic>
+          <a:graphicData uri="http://schemas.openxmlformats.org/drawingml/2006/table">
+            <a:tbl>
+              <a:tblPr>
+                <a:tableStyleId>{00A15C55-8517-42AA-B614-E9B94910E393}</a:tableStyleId>
+              </a:tblPr>
+              <a:tblGrid>
+                <a:gridCol w="3383280">
+                  <a:extLst>
+                    <a:ext uri="{9D8B030D-6E8A-4147-A177-3AD203B41FA5}">
+                      <a16:colId xmlns:a16="http://schemas.microsoft.com/office/drawing/2014/main" val="1695728431"/>
+                    </a:ext>
+                  </a:extLst>
+                </a:gridCol>
+              </a:tblGrid>
+              <a:tr h="548640">
+                <a:tc>
+                  <a:txBody>
+                    <a:bodyPr/>
+                    <a:lstStyle/>
+                    <a:p>
+                      <a:pPr>
+                        <a:lnSpc>
+                          <a:spcPct val="100000"/>
+                        </a:lnSpc>
+                        <a:spcAft>
+                          <a:spcPts val="0"/>
+                        </a:spcAft>
+                      </a:pPr>
+                      <a:r>
+                        <a:rPr lang="en-US" sz="2000" b="0" dirty="0">
+                          <a:solidFill>
+                            <a:schemeClr val="bg1">
+                              <a:lumMod val="65000"/>
+                            </a:schemeClr>
+                          </a:solidFill>
+                        </a:rPr>
+                        <a:t>Array Functions</a:t>
+                      </a:r>
+                    </a:p>
+                  </a:txBody>
+                  <a:tcPr anchor="ctr">
+                    <a:lnB w="12700" cap="flat" cmpd="sng" algn="ctr">
+                      <a:solidFill>
+                        <a:schemeClr val="bg1">
+                          <a:lumMod val="65000"/>
+                        </a:schemeClr>
+                      </a:solidFill>
+                      <a:prstDash val="solid"/>
+                      <a:round/>
+                      <a:headEnd type="none" w="med" len="med"/>
+                      <a:tailEnd type="none" w="med" len="med"/>
+                    </a:lnB>
+                    <a:noFill/>
+                  </a:tcPr>
+                </a:tc>
+                <a:extLst>
+                  <a:ext uri="{0D108BD9-81ED-4DB2-BD59-A6C34878D82A}">
+                    <a16:rowId xmlns:a16="http://schemas.microsoft.com/office/drawing/2014/main" val="2307098774"/>
+                  </a:ext>
+                </a:extLst>
+              </a:tr>
+              <a:tr h="548640">
+                <a:tc>
+                  <a:txBody>
+                    <a:bodyPr/>
+                    <a:lstStyle/>
+                    <a:p>
+                      <a:pPr>
+                        <a:lnSpc>
+                          <a:spcPct val="100000"/>
+                        </a:lnSpc>
+                        <a:spcAft>
+                          <a:spcPts val="0"/>
+                        </a:spcAft>
+                      </a:pPr>
+                      <a:r>
+                        <a:rPr lang="en-US" sz="2000" dirty="0">
+                          <a:solidFill>
+                            <a:schemeClr val="bg1">
+                              <a:lumMod val="65000"/>
+                            </a:schemeClr>
+                          </a:solidFill>
+                        </a:rPr>
+                        <a:t>Data Processing</a:t>
+                      </a:r>
+                    </a:p>
+                  </a:txBody>
+                  <a:tcPr anchor="ctr">
+                    <a:lnT w="12700" cap="flat" cmpd="sng" algn="ctr">
+                      <a:solidFill>
+                        <a:schemeClr val="bg1">
+                          <a:lumMod val="65000"/>
+                        </a:schemeClr>
+                      </a:solidFill>
+                      <a:prstDash val="solid"/>
+                      <a:round/>
+                      <a:headEnd type="none" w="med" len="med"/>
+                      <a:tailEnd type="none" w="med" len="med"/>
+                    </a:lnT>
+                    <a:lnB w="12700" cap="flat" cmpd="sng" algn="ctr">
+                      <a:solidFill>
+                        <a:schemeClr val="bg1">
+                          <a:lumMod val="65000"/>
+                        </a:schemeClr>
+                      </a:solidFill>
+                      <a:prstDash val="solid"/>
+                      <a:round/>
+                      <a:headEnd type="none" w="med" len="med"/>
+                      <a:tailEnd type="none" w="med" len="med"/>
+                    </a:lnB>
+                    <a:noFill/>
+                  </a:tcPr>
+                </a:tc>
+                <a:extLst>
+                  <a:ext uri="{0D108BD9-81ED-4DB2-BD59-A6C34878D82A}">
+                    <a16:rowId xmlns:a16="http://schemas.microsoft.com/office/drawing/2014/main" val="1466711860"/>
+                  </a:ext>
+                </a:extLst>
+              </a:tr>
+              <a:tr h="548640">
+                <a:tc>
+                  <a:txBody>
+                    <a:bodyPr/>
+                    <a:lstStyle/>
+                    <a:p>
+                      <a:pPr>
+                        <a:lnSpc>
+                          <a:spcPct val="100000"/>
+                        </a:lnSpc>
+                        <a:spcAft>
+                          <a:spcPts val="0"/>
+                        </a:spcAft>
+                      </a:pPr>
+                      <a:r>
+                        <a:rPr lang="en-US" sz="2000" dirty="0">
+                          <a:solidFill>
+                            <a:schemeClr val="bg1">
+                              <a:lumMod val="65000"/>
+                            </a:schemeClr>
+                          </a:solidFill>
+                        </a:rPr>
+                        <a:t>File Input Output</a:t>
+                      </a:r>
+                    </a:p>
+                  </a:txBody>
+                  <a:tcPr anchor="ctr">
+                    <a:lnT w="12700" cap="flat" cmpd="sng" algn="ctr">
+                      <a:solidFill>
+                        <a:schemeClr val="bg1">
+                          <a:lumMod val="65000"/>
+                        </a:schemeClr>
+                      </a:solidFill>
+                      <a:prstDash val="solid"/>
+                      <a:round/>
+                      <a:headEnd type="none" w="med" len="med"/>
+                      <a:tailEnd type="none" w="med" len="med"/>
+                    </a:lnT>
+                    <a:lnB w="12700" cap="flat" cmpd="sng" algn="ctr">
+                      <a:solidFill>
+                        <a:schemeClr val="bg1">
+                          <a:lumMod val="65000"/>
+                        </a:schemeClr>
+                      </a:solidFill>
+                      <a:prstDash val="solid"/>
+                      <a:round/>
+                      <a:headEnd type="none" w="med" len="med"/>
+                      <a:tailEnd type="none" w="med" len="med"/>
+                    </a:lnB>
+                    <a:noFill/>
+                  </a:tcPr>
+                </a:tc>
+                <a:extLst>
+                  <a:ext uri="{0D108BD9-81ED-4DB2-BD59-A6C34878D82A}">
+                    <a16:rowId xmlns:a16="http://schemas.microsoft.com/office/drawing/2014/main" val="1924402624"/>
+                  </a:ext>
+                </a:extLst>
+              </a:tr>
+              <a:tr h="548640">
+                <a:tc>
+                  <a:txBody>
+                    <a:bodyPr/>
+                    <a:lstStyle/>
+                    <a:p>
+                      <a:pPr>
+                        <a:lnSpc>
+                          <a:spcPct val="100000"/>
+                        </a:lnSpc>
+                        <a:spcAft>
+                          <a:spcPts val="0"/>
+                        </a:spcAft>
+                      </a:pPr>
+                      <a:r>
+                        <a:rPr lang="en-US" sz="2000" b="1" dirty="0">
+                          <a:solidFill>
+                            <a:schemeClr val="tx1"/>
+                          </a:solidFill>
+                        </a:rPr>
+                        <a:t>Linear Algebra</a:t>
+                      </a:r>
+                    </a:p>
+                  </a:txBody>
+                  <a:tcPr anchor="ctr">
+                    <a:lnT w="12700" cap="flat" cmpd="sng" algn="ctr">
+                      <a:solidFill>
+                        <a:schemeClr val="bg1">
+                          <a:lumMod val="65000"/>
+                        </a:schemeClr>
+                      </a:solidFill>
+                      <a:prstDash val="solid"/>
+                      <a:round/>
+                      <a:headEnd type="none" w="med" len="med"/>
+                      <a:tailEnd type="none" w="med" len="med"/>
+                    </a:lnT>
+                    <a:lnB w="12700" cap="flat" cmpd="sng" algn="ctr">
+                      <a:solidFill>
+                        <a:schemeClr val="bg1">
+                          <a:lumMod val="65000"/>
+                        </a:schemeClr>
+                      </a:solidFill>
+                      <a:prstDash val="solid"/>
+                      <a:round/>
+                      <a:headEnd type="none" w="med" len="med"/>
+                      <a:tailEnd type="none" w="med" len="med"/>
+                    </a:lnB>
+                    <a:noFill/>
+                  </a:tcPr>
+                </a:tc>
+                <a:extLst>
+                  <a:ext uri="{0D108BD9-81ED-4DB2-BD59-A6C34878D82A}">
+                    <a16:rowId xmlns:a16="http://schemas.microsoft.com/office/drawing/2014/main" val="2634114360"/>
+                  </a:ext>
+                </a:extLst>
+              </a:tr>
+              <a:tr h="548640">
+                <a:tc>
+                  <a:txBody>
+                    <a:bodyPr/>
+                    <a:lstStyle/>
+                    <a:p>
+                      <a:pPr>
+                        <a:lnSpc>
+                          <a:spcPct val="100000"/>
+                        </a:lnSpc>
+                        <a:spcAft>
+                          <a:spcPts val="0"/>
+                        </a:spcAft>
+                      </a:pPr>
+                      <a:r>
+                        <a:rPr lang="en-US" sz="2000" dirty="0">
+                          <a:solidFill>
+                            <a:schemeClr val="bg1">
+                              <a:lumMod val="65000"/>
+                            </a:schemeClr>
+                          </a:solidFill>
+                        </a:rPr>
+                        <a:t>Random Numbers</a:t>
+                      </a:r>
+                    </a:p>
+                  </a:txBody>
+                  <a:tcPr anchor="ctr">
+                    <a:lnT w="12700" cap="flat" cmpd="sng" algn="ctr">
+                      <a:solidFill>
+                        <a:schemeClr val="bg1">
+                          <a:lumMod val="65000"/>
+                        </a:schemeClr>
+                      </a:solidFill>
+                      <a:prstDash val="solid"/>
+                      <a:round/>
+                      <a:headEnd type="none" w="med" len="med"/>
+                      <a:tailEnd type="none" w="med" len="med"/>
+                    </a:lnT>
+                    <a:lnB w="12700" cap="flat" cmpd="sng" algn="ctr">
+                      <a:solidFill>
+                        <a:schemeClr val="bg1">
+                          <a:lumMod val="65000"/>
+                        </a:schemeClr>
+                      </a:solidFill>
+                      <a:prstDash val="solid"/>
+                      <a:round/>
+                      <a:headEnd type="none" w="med" len="med"/>
+                      <a:tailEnd type="none" w="med" len="med"/>
+                    </a:lnB>
+                    <a:noFill/>
+                  </a:tcPr>
+                </a:tc>
+                <a:extLst>
+                  <a:ext uri="{0D108BD9-81ED-4DB2-BD59-A6C34878D82A}">
+                    <a16:rowId xmlns:a16="http://schemas.microsoft.com/office/drawing/2014/main" val="3018257731"/>
+                  </a:ext>
+                </a:extLst>
+              </a:tr>
+              <a:tr h="548640">
+                <a:tc>
+                  <a:txBody>
+                    <a:bodyPr/>
+                    <a:lstStyle/>
+                    <a:p>
+                      <a:pPr>
+                        <a:lnSpc>
+                          <a:spcPct val="100000"/>
+                        </a:lnSpc>
+                        <a:spcAft>
+                          <a:spcPts val="0"/>
+                        </a:spcAft>
+                      </a:pPr>
+                      <a:r>
+                        <a:rPr lang="en-US" sz="2000" dirty="0">
+                          <a:solidFill>
+                            <a:schemeClr val="bg1">
+                              <a:lumMod val="65000"/>
+                            </a:schemeClr>
+                          </a:solidFill>
+                        </a:rPr>
+                        <a:t>Chapter Summary</a:t>
+                      </a:r>
+                    </a:p>
+                  </a:txBody>
+                  <a:tcPr anchor="ctr">
+                    <a:lnT w="12700" cap="flat" cmpd="sng" algn="ctr">
+                      <a:solidFill>
+                        <a:schemeClr val="bg1">
+                          <a:lumMod val="65000"/>
+                        </a:schemeClr>
+                      </a:solidFill>
+                      <a:prstDash val="solid"/>
+                      <a:round/>
+                      <a:headEnd type="none" w="med" len="med"/>
+                      <a:tailEnd type="none" w="med" len="med"/>
+                    </a:lnT>
+                    <a:lnB w="12700" cap="flat" cmpd="sng" algn="ctr">
+                      <a:solidFill>
+                        <a:schemeClr val="bg1">
+                          <a:lumMod val="65000"/>
+                        </a:schemeClr>
+                      </a:solidFill>
+                      <a:prstDash val="solid"/>
+                      <a:round/>
+                      <a:headEnd type="none" w="med" len="med"/>
+                      <a:tailEnd type="none" w="med" len="med"/>
+                    </a:lnB>
+                    <a:noFill/>
+                  </a:tcPr>
+                </a:tc>
+                <a:extLst>
+                  <a:ext uri="{0D108BD9-81ED-4DB2-BD59-A6C34878D82A}">
+                    <a16:rowId xmlns:a16="http://schemas.microsoft.com/office/drawing/2014/main" val="376303497"/>
+                  </a:ext>
+                </a:extLst>
+              </a:tr>
+            </a:tbl>
+          </a:graphicData>
+        </a:graphic>
+      </p:graphicFrame>
     </p:spTree>
     <p:extLst>
       <p:ext uri="{BB962C8B-B14F-4D97-AF65-F5344CB8AC3E}">
@@ -14001,19 +13856,7 @@
           <a:p>
             <a:r>
               <a:rPr lang="en-US" dirty="0"/>
-              <a:t>With </a:t>
-            </a:r>
-            <a:r>
-              <a:rPr lang="en-US" dirty="0" err="1"/>
-              <a:t>NumPy</a:t>
-            </a:r>
-            <a:r>
-              <a:rPr lang="en-US"/>
-              <a:t>, </a:t>
-            </a:r>
-            <a:r>
-              <a:rPr lang="en-US" dirty="0"/>
-              <a:t>multiplying two two-dimensional arrays with </a:t>
+              <a:t>With NumPy, multiplying two two-dimensional arrays with </a:t>
             </a:r>
             <a:r>
               <a:rPr lang="en-US" dirty="0">
@@ -14045,8 +13888,8 @@
         </p:nvSpPr>
         <p:spPr bwMode="auto">
           <a:xfrm>
-            <a:off x="1301888" y="2491858"/>
-            <a:ext cx="6420711" cy="2862323"/>
+            <a:off x="1383950" y="2491858"/>
+            <a:ext cx="5427158" cy="2862323"/>
           </a:xfrm>
           <a:prstGeom prst="rect">
             <a:avLst/>
@@ -14220,16 +14063,6 @@
           </a:p>
           <a:p>
             <a:r>
-              <a:rPr lang="en-US" sz="1800" b="1" dirty="0" err="1">
-                <a:solidFill>
-                  <a:schemeClr val="tx1"/>
-                </a:solidFill>
-                <a:latin typeface="Courier New"/>
-                <a:cs typeface="Courier New"/>
-              </a:rPr>
-              <a:t>array_multiply</a:t>
-            </a:r>
-            <a:r>
               <a:rPr lang="en-US" sz="1800" b="1" dirty="0">
                 <a:solidFill>
                   <a:schemeClr val="tx1"/>
@@ -14237,7 +14070,7 @@
                 <a:latin typeface="Courier New"/>
                 <a:cs typeface="Courier New"/>
               </a:rPr>
-              <a:t> = array1 * array2</a:t>
+              <a:t>array_multiply = array1 * array2</a:t>
             </a:r>
           </a:p>
           <a:p>
@@ -14251,7 +14084,7 @@
           </a:p>
           <a:p>
             <a:r>
-              <a:rPr lang="en-US" sz="1800" b="1" dirty="0" err="1">
+              <a:rPr lang="en-US" sz="1800" b="1" dirty="0">
                 <a:solidFill>
                   <a:schemeClr val="tx1"/>
                 </a:solidFill>
@@ -14260,13 +14093,6 @@
               </a:rPr>
               <a:t>array_multiply</a:t>
             </a:r>
-            <a:endParaRPr lang="en-US" sz="1800" b="1" dirty="0">
-              <a:solidFill>
-                <a:schemeClr val="tx1"/>
-              </a:solidFill>
-              <a:latin typeface="Courier New"/>
-              <a:cs typeface="Courier New"/>
-            </a:endParaRPr>
           </a:p>
           <a:p>
             <a:endParaRPr lang="en-US" sz="1800" dirty="0">
@@ -14330,7 +14156,7 @@
         </p:nvSpPr>
         <p:spPr bwMode="auto">
           <a:xfrm>
-            <a:off x="6113837" y="4411436"/>
+            <a:off x="6099628" y="4364543"/>
             <a:ext cx="2035821" cy="584776"/>
           </a:xfrm>
           <a:prstGeom prst="wedgeRectCallout">
@@ -14424,7 +14250,7 @@
             <a:pPr lvl="0"/>
             <a:r>
               <a:rPr lang="en-US" dirty="0"/>
-              <a:t>Linear Algebra(continued)</a:t>
+              <a:t>Linear Algebra (continued)</a:t>
             </a:r>
           </a:p>
         </p:txBody>
@@ -14439,8 +14265,8 @@
         </p:nvSpPr>
         <p:spPr bwMode="auto">
           <a:xfrm>
-            <a:off x="934736" y="1337484"/>
-            <a:ext cx="6751649" cy="2862323"/>
+            <a:off x="934737" y="1337484"/>
+            <a:ext cx="5618464" cy="2862323"/>
           </a:xfrm>
           <a:prstGeom prst="rect">
             <a:avLst/>
@@ -14614,16 +14440,6 @@
           </a:p>
           <a:p>
             <a:r>
-              <a:rPr lang="en-US" sz="1800" b="1" dirty="0" err="1">
-                <a:solidFill>
-                  <a:schemeClr val="tx1"/>
-                </a:solidFill>
-                <a:latin typeface="Courier New"/>
-                <a:cs typeface="Courier New"/>
-              </a:rPr>
-              <a:t>array_dot_product</a:t>
-            </a:r>
-            <a:r>
               <a:rPr lang="en-US" sz="1800" b="1" dirty="0">
                 <a:solidFill>
                   <a:schemeClr val="tx1"/>
@@ -14631,7 +14447,7 @@
                 <a:latin typeface="Courier New"/>
                 <a:cs typeface="Courier New"/>
               </a:rPr>
-              <a:t> = array1.dot(array2)</a:t>
+              <a:t>array_dot_product = array1.dot(array2)</a:t>
             </a:r>
           </a:p>
           <a:p>
@@ -14645,7 +14461,7 @@
           </a:p>
           <a:p>
             <a:r>
-              <a:rPr lang="en-US" sz="1800" b="1" dirty="0" err="1">
+              <a:rPr lang="en-US" sz="1800" b="1" dirty="0">
                 <a:solidFill>
                   <a:schemeClr val="tx1"/>
                 </a:solidFill>
@@ -14654,13 +14470,6 @@
               </a:rPr>
               <a:t>array_dot_product</a:t>
             </a:r>
-            <a:endParaRPr lang="en-US" sz="1800" b="1" dirty="0">
-              <a:solidFill>
-                <a:schemeClr val="tx1"/>
-              </a:solidFill>
-              <a:latin typeface="Courier New"/>
-              <a:cs typeface="Courier New"/>
-            </a:endParaRPr>
           </a:p>
           <a:p>
             <a:endParaRPr lang="pt-BR" sz="1800" dirty="0">
@@ -15208,436 +15017,384 @@
           </a:p>
         </p:txBody>
       </p:sp>
-      <p:sp>
-        <p:nvSpPr>
-          <p:cNvPr id="10" name="Text Placeholder 2"/>
-          <p:cNvSpPr>
-            <a:spLocks noGrp="1"/>
-          </p:cNvSpPr>
+      <p:graphicFrame>
+        <p:nvGraphicFramePr>
+          <p:cNvPr id="9" name="Table 8">
+            <a:extLst>
+              <a:ext uri="{FF2B5EF4-FFF2-40B4-BE49-F238E27FC236}">
+                <a16:creationId xmlns:a16="http://schemas.microsoft.com/office/drawing/2014/main" id="{97385F19-3491-4EA7-AB39-3EA167395A34}"/>
+              </a:ext>
+            </a:extLst>
+          </p:cNvPr>
+          <p:cNvGraphicFramePr>
+            <a:graphicFrameLocks noGrp="1"/>
+          </p:cNvGraphicFramePr>
           <p:nvPr>
-            <p:ph type="body" sz="quarter" idx="11"/>
+            <p:extLst>
+              <p:ext uri="{D42A27DB-BD31-4B8C-83A1-F6EECF244321}">
+                <p14:modId xmlns:p14="http://schemas.microsoft.com/office/powerpoint/2010/main" val="2576739356"/>
+              </p:ext>
+            </p:extLst>
           </p:nvPr>
-        </p:nvSpPr>
-        <p:spPr>
-          <a:xfrm>
-            <a:off x="3511998" y="1540925"/>
-            <a:ext cx="5478094" cy="4101913"/>
-          </a:xfrm>
-        </p:spPr>
-        <p:txBody>
-          <a:bodyPr/>
-          <a:lstStyle/>
-          <a:p>
-            <a:pPr eaLnBrk="1" hangingPunct="1"/>
-            <a:r>
-              <a:rPr lang="en-US" altLang="en-US" b="0" dirty="0"/>
-              <a:t>Array Functions</a:t>
-            </a:r>
-          </a:p>
-          <a:p>
-            <a:pPr lvl="1" eaLnBrk="1" hangingPunct="1"/>
-            <a:r>
-              <a:rPr lang="en-US" altLang="en-US" dirty="0"/>
-              <a:t>Data Processing</a:t>
-            </a:r>
-          </a:p>
-          <a:p>
-            <a:pPr lvl="1" eaLnBrk="1" hangingPunct="1"/>
-            <a:r>
-              <a:rPr lang="en-US" altLang="en-US" dirty="0"/>
-              <a:t>File Input Output</a:t>
-            </a:r>
-          </a:p>
-          <a:p>
-            <a:pPr lvl="1" eaLnBrk="1" hangingPunct="1"/>
-            <a:r>
-              <a:rPr lang="en-US" altLang="en-US" dirty="0"/>
-              <a:t>Linear Algebra</a:t>
-            </a:r>
-          </a:p>
-          <a:p>
-            <a:pPr lvl="1" eaLnBrk="1" hangingPunct="1"/>
-            <a:r>
-              <a:rPr lang="en-US" altLang="en-US" b="1" dirty="0"/>
-              <a:t>Random Numbers</a:t>
-            </a:r>
-          </a:p>
-          <a:p>
-            <a:pPr lvl="1" eaLnBrk="1" hangingPunct="1"/>
-            <a:r>
-              <a:rPr lang="en-US" altLang="en-US" dirty="0"/>
-              <a:t>Chapter Summary</a:t>
-            </a:r>
-          </a:p>
-        </p:txBody>
-      </p:sp>
-      <p:grpSp>
-        <p:nvGrpSpPr>
-          <p:cNvPr id="11" name="Group 10"/>
-          <p:cNvGrpSpPr/>
-          <p:nvPr/>
-        </p:nvGrpSpPr>
-        <p:grpSpPr>
-          <a:xfrm>
-            <a:off x="3101676" y="4079259"/>
-            <a:ext cx="410322" cy="377482"/>
-            <a:chOff x="1766887" y="1515010"/>
-            <a:chExt cx="741316" cy="700622"/>
-          </a:xfrm>
-          <a:solidFill>
-            <a:schemeClr val="accent4"/>
-          </a:solidFill>
-          <a:scene3d>
-            <a:camera prst="orthographicFront">
-              <a:rot lat="0" lon="0" rev="0"/>
-            </a:camera>
-            <a:lightRig rig="balanced" dir="t">
-              <a:rot lat="0" lon="0" rev="8700000"/>
-            </a:lightRig>
-          </a:scene3d>
-        </p:grpSpPr>
-        <p:sp>
-          <p:nvSpPr>
-            <p:cNvPr id="12" name="AutoShape 10"/>
-            <p:cNvSpPr>
-              <a:spLocks noChangeArrowheads="1"/>
-            </p:cNvSpPr>
-            <p:nvPr/>
-          </p:nvSpPr>
-          <p:spPr bwMode="black">
-            <a:xfrm rot="5400000">
-              <a:off x="1787234" y="1494663"/>
-              <a:ext cx="700622" cy="741316"/>
-            </a:xfrm>
-            <a:custGeom>
-              <a:avLst/>
-              <a:gdLst>
-                <a:gd name="connsiteX0" fmla="*/ 0 w 264955"/>
-                <a:gd name="connsiteY0" fmla="*/ 311498 h 311498"/>
-                <a:gd name="connsiteX1" fmla="*/ 132478 w 264955"/>
-                <a:gd name="connsiteY1" fmla="*/ 0 h 311498"/>
-                <a:gd name="connsiteX2" fmla="*/ 264955 w 264955"/>
-                <a:gd name="connsiteY2" fmla="*/ 311498 h 311498"/>
-                <a:gd name="connsiteX3" fmla="*/ 0 w 264955"/>
-                <a:gd name="connsiteY3" fmla="*/ 311498 h 311498"/>
-                <a:gd name="connsiteX0" fmla="*/ 0 w 264955"/>
-                <a:gd name="connsiteY0" fmla="*/ 311498 h 312908"/>
-                <a:gd name="connsiteX1" fmla="*/ 132478 w 264955"/>
-                <a:gd name="connsiteY1" fmla="*/ 0 h 312908"/>
-                <a:gd name="connsiteX2" fmla="*/ 264955 w 264955"/>
-                <a:gd name="connsiteY2" fmla="*/ 311498 h 312908"/>
-                <a:gd name="connsiteX3" fmla="*/ 124553 w 264955"/>
-                <a:gd name="connsiteY3" fmla="*/ 312908 h 312908"/>
-                <a:gd name="connsiteX4" fmla="*/ 0 w 264955"/>
-                <a:gd name="connsiteY4" fmla="*/ 311498 h 312908"/>
-                <a:gd name="connsiteX0" fmla="*/ 0 w 264955"/>
-                <a:gd name="connsiteY0" fmla="*/ 311498 h 311498"/>
-                <a:gd name="connsiteX1" fmla="*/ 132478 w 264955"/>
-                <a:gd name="connsiteY1" fmla="*/ 0 h 311498"/>
-                <a:gd name="connsiteX2" fmla="*/ 264955 w 264955"/>
-                <a:gd name="connsiteY2" fmla="*/ 311498 h 311498"/>
-                <a:gd name="connsiteX3" fmla="*/ 138844 w 264955"/>
-                <a:gd name="connsiteY3" fmla="*/ 253377 h 311498"/>
-                <a:gd name="connsiteX4" fmla="*/ 0 w 264955"/>
-                <a:gd name="connsiteY4" fmla="*/ 311498 h 311498"/>
-              </a:gdLst>
-              <a:ahLst/>
-              <a:cxnLst>
-                <a:cxn ang="0">
-                  <a:pos x="connsiteX0" y="connsiteY0"/>
-                </a:cxn>
-                <a:cxn ang="0">
-                  <a:pos x="connsiteX1" y="connsiteY1"/>
-                </a:cxn>
-                <a:cxn ang="0">
-                  <a:pos x="connsiteX2" y="connsiteY2"/>
-                </a:cxn>
-                <a:cxn ang="0">
-                  <a:pos x="connsiteX3" y="connsiteY3"/>
-                </a:cxn>
-                <a:cxn ang="0">
-                  <a:pos x="connsiteX4" y="connsiteY4"/>
-                </a:cxn>
-              </a:cxnLst>
-              <a:rect l="l" t="t" r="r" b="b"/>
-              <a:pathLst>
-                <a:path w="264955" h="311498">
-                  <a:moveTo>
-                    <a:pt x="0" y="311498"/>
-                  </a:moveTo>
-                  <a:lnTo>
-                    <a:pt x="132478" y="0"/>
-                  </a:lnTo>
-                  <a:lnTo>
-                    <a:pt x="264955" y="311498"/>
-                  </a:lnTo>
-                  <a:lnTo>
-                    <a:pt x="138844" y="253377"/>
-                  </a:lnTo>
-                  <a:lnTo>
-                    <a:pt x="0" y="311498"/>
-                  </a:lnTo>
-                  <a:close/>
-                </a:path>
-              </a:pathLst>
-            </a:custGeom>
-            <a:grpFill/>
-            <a:ln w="19050">
-              <a:noFill/>
-              <a:miter lim="800000"/>
-              <a:headEnd/>
-              <a:tailEnd/>
-            </a:ln>
-            <a:effectLst>
-              <a:outerShdw blurRad="44450" dist="27940" dir="5400000" algn="ctr">
-                <a:srgbClr val="000000">
-                  <a:alpha val="32000"/>
-                </a:srgbClr>
-              </a:outerShdw>
-            </a:effectLst>
-            <a:sp3d>
-              <a:bevelT w="190500" h="38100"/>
-            </a:sp3d>
-          </p:spPr>
-          <p:txBody>
-            <a:bodyPr rot="10800000" vert="eaVert" wrap="none" anchor="ctr"/>
-            <a:lstStyle/>
-            <a:p>
-              <a:pPr>
-                <a:defRPr/>
-              </a:pPr>
-              <a:endParaRPr lang="en-GB" dirty="0">
-                <a:solidFill>
-                  <a:schemeClr val="accent6"/>
-                </a:solidFill>
-                <a:ea typeface="+mn-ea"/>
-              </a:endParaRPr>
-            </a:p>
-          </p:txBody>
-        </p:sp>
-        <p:sp>
-          <p:nvSpPr>
-            <p:cNvPr id="14" name="Freeform 11"/>
-            <p:cNvSpPr>
-              <a:spLocks/>
-            </p:cNvSpPr>
-            <p:nvPr/>
-          </p:nvSpPr>
-          <p:spPr bwMode="hidden">
-            <a:xfrm>
-              <a:off x="1802606" y="1545430"/>
-              <a:ext cx="701117" cy="344477"/>
-            </a:xfrm>
-            <a:custGeom>
-              <a:avLst/>
-              <a:gdLst>
-                <a:gd name="T0" fmla="*/ 0 w 245"/>
-                <a:gd name="T1" fmla="*/ 0 h 158"/>
-                <a:gd name="T2" fmla="*/ 245 w 245"/>
-                <a:gd name="T3" fmla="*/ 146 h 158"/>
-                <a:gd name="T4" fmla="*/ 226 w 245"/>
-                <a:gd name="T5" fmla="*/ 158 h 158"/>
-                <a:gd name="T6" fmla="*/ 0 w 245"/>
-                <a:gd name="T7" fmla="*/ 23 h 158"/>
-                <a:gd name="T8" fmla="*/ 0 w 245"/>
-                <a:gd name="T9" fmla="*/ 0 h 158"/>
-                <a:gd name="T10" fmla="*/ 0 60000 65536"/>
-                <a:gd name="T11" fmla="*/ 0 60000 65536"/>
-                <a:gd name="T12" fmla="*/ 0 60000 65536"/>
-                <a:gd name="T13" fmla="*/ 0 60000 65536"/>
-                <a:gd name="T14" fmla="*/ 0 60000 65536"/>
-                <a:gd name="T15" fmla="*/ 0 w 245"/>
-                <a:gd name="T16" fmla="*/ 0 h 158"/>
-                <a:gd name="T17" fmla="*/ 245 w 245"/>
-                <a:gd name="T18" fmla="*/ 158 h 158"/>
-              </a:gdLst>
-              <a:ahLst/>
-              <a:cxnLst>
-                <a:cxn ang="T10">
-                  <a:pos x="T0" y="T1"/>
-                </a:cxn>
-                <a:cxn ang="T11">
-                  <a:pos x="T2" y="T3"/>
-                </a:cxn>
-                <a:cxn ang="T12">
-                  <a:pos x="T4" y="T5"/>
-                </a:cxn>
-                <a:cxn ang="T13">
-                  <a:pos x="T6" y="T7"/>
-                </a:cxn>
-                <a:cxn ang="T14">
-                  <a:pos x="T8" y="T9"/>
-                </a:cxn>
-              </a:cxnLst>
-              <a:rect l="T15" t="T16" r="T17" b="T18"/>
-              <a:pathLst>
-                <a:path w="245" h="158">
-                  <a:moveTo>
-                    <a:pt x="0" y="0"/>
-                  </a:moveTo>
-                  <a:lnTo>
-                    <a:pt x="245" y="146"/>
-                  </a:lnTo>
-                  <a:lnTo>
-                    <a:pt x="226" y="158"/>
-                  </a:lnTo>
-                  <a:lnTo>
-                    <a:pt x="0" y="23"/>
-                  </a:lnTo>
-                  <a:lnTo>
-                    <a:pt x="0" y="0"/>
-                  </a:lnTo>
-                  <a:close/>
-                </a:path>
-              </a:pathLst>
-            </a:custGeom>
-            <a:grpFill/>
-            <a:ln w="28575" cap="flat" cmpd="sng">
-              <a:noFill/>
-              <a:prstDash val="solid"/>
-              <a:round/>
-              <a:headEnd type="none" w="med" len="med"/>
-              <a:tailEnd type="none" w="med" len="med"/>
-            </a:ln>
-            <a:effectLst>
-              <a:outerShdw blurRad="44450" dist="27940" dir="5400000" algn="ctr">
-                <a:srgbClr val="000000">
-                  <a:alpha val="32000"/>
-                </a:srgbClr>
-              </a:outerShdw>
-            </a:effectLst>
-            <a:sp3d>
-              <a:bevelT w="190500" h="38100"/>
-            </a:sp3d>
-          </p:spPr>
-          <p:txBody>
-            <a:bodyPr/>
-            <a:lstStyle/>
-            <a:p>
-              <a:pPr>
-                <a:defRPr/>
-              </a:pPr>
-              <a:endParaRPr lang="en-US" dirty="0">
-                <a:solidFill>
-                  <a:schemeClr val="accent6"/>
-                </a:solidFill>
-                <a:ea typeface="+mn-ea"/>
-              </a:endParaRPr>
-            </a:p>
-          </p:txBody>
-        </p:sp>
-        <p:sp>
-          <p:nvSpPr>
-            <p:cNvPr id="15" name="Freeform 12"/>
-            <p:cNvSpPr>
-              <a:spLocks/>
-            </p:cNvSpPr>
-            <p:nvPr/>
-          </p:nvSpPr>
-          <p:spPr bwMode="hidden">
-            <a:xfrm>
-              <a:off x="1797843" y="1840589"/>
-              <a:ext cx="710079" cy="357304"/>
-            </a:xfrm>
-            <a:custGeom>
-              <a:avLst/>
-              <a:gdLst>
-                <a:gd name="T0" fmla="*/ 248 w 248"/>
-                <a:gd name="T1" fmla="*/ 12 h 156"/>
-                <a:gd name="T2" fmla="*/ 0 w 248"/>
-                <a:gd name="T3" fmla="*/ 156 h 156"/>
-                <a:gd name="T4" fmla="*/ 3 w 248"/>
-                <a:gd name="T5" fmla="*/ 131 h 156"/>
-                <a:gd name="T6" fmla="*/ 229 w 248"/>
-                <a:gd name="T7" fmla="*/ 0 h 156"/>
-                <a:gd name="T8" fmla="*/ 248 w 248"/>
-                <a:gd name="T9" fmla="*/ 12 h 156"/>
-                <a:gd name="T10" fmla="*/ 0 60000 65536"/>
-                <a:gd name="T11" fmla="*/ 0 60000 65536"/>
-                <a:gd name="T12" fmla="*/ 0 60000 65536"/>
-                <a:gd name="T13" fmla="*/ 0 60000 65536"/>
-                <a:gd name="T14" fmla="*/ 0 60000 65536"/>
-                <a:gd name="T15" fmla="*/ 0 w 248"/>
-                <a:gd name="T16" fmla="*/ 0 h 156"/>
-                <a:gd name="T17" fmla="*/ 248 w 248"/>
-                <a:gd name="T18" fmla="*/ 156 h 156"/>
-              </a:gdLst>
-              <a:ahLst/>
-              <a:cxnLst>
-                <a:cxn ang="T10">
-                  <a:pos x="T0" y="T1"/>
-                </a:cxn>
-                <a:cxn ang="T11">
-                  <a:pos x="T2" y="T3"/>
-                </a:cxn>
-                <a:cxn ang="T12">
-                  <a:pos x="T4" y="T5"/>
-                </a:cxn>
-                <a:cxn ang="T13">
-                  <a:pos x="T6" y="T7"/>
-                </a:cxn>
-                <a:cxn ang="T14">
-                  <a:pos x="T8" y="T9"/>
-                </a:cxn>
-              </a:cxnLst>
-              <a:rect l="T15" t="T16" r="T17" b="T18"/>
-              <a:pathLst>
-                <a:path w="248" h="156">
-                  <a:moveTo>
-                    <a:pt x="248" y="12"/>
-                  </a:moveTo>
-                  <a:lnTo>
-                    <a:pt x="0" y="156"/>
-                  </a:lnTo>
-                  <a:lnTo>
-                    <a:pt x="3" y="131"/>
-                  </a:lnTo>
-                  <a:lnTo>
-                    <a:pt x="229" y="0"/>
-                  </a:lnTo>
-                  <a:lnTo>
-                    <a:pt x="248" y="12"/>
-                  </a:lnTo>
-                  <a:close/>
-                </a:path>
-              </a:pathLst>
-            </a:custGeom>
-            <a:grpFill/>
-            <a:ln w="28575" cap="flat" cmpd="sng">
-              <a:noFill/>
-              <a:prstDash val="solid"/>
-              <a:round/>
-              <a:headEnd type="none" w="med" len="med"/>
-              <a:tailEnd type="none" w="med" len="med"/>
-            </a:ln>
-            <a:effectLst>
-              <a:outerShdw blurRad="44450" dist="27940" dir="5400000" algn="ctr">
-                <a:srgbClr val="000000">
-                  <a:alpha val="32000"/>
-                </a:srgbClr>
-              </a:outerShdw>
-            </a:effectLst>
-            <a:sp3d>
-              <a:bevelT w="190500" h="38100"/>
-            </a:sp3d>
-          </p:spPr>
-          <p:txBody>
-            <a:bodyPr/>
-            <a:lstStyle/>
-            <a:p>
-              <a:pPr>
-                <a:defRPr/>
-              </a:pPr>
-              <a:endParaRPr lang="en-US" dirty="0">
-                <a:solidFill>
-                  <a:schemeClr val="accent6"/>
-                </a:solidFill>
-                <a:ea typeface="+mn-ea"/>
-              </a:endParaRPr>
-            </a:p>
-          </p:txBody>
-        </p:sp>
-      </p:grpSp>
+        </p:nvGraphicFramePr>
+        <p:xfrm>
+          <a:off x="2880360" y="1447543"/>
+          <a:ext cx="3383280" cy="3291840"/>
+        </p:xfrm>
+        <a:graphic>
+          <a:graphicData uri="http://schemas.openxmlformats.org/drawingml/2006/table">
+            <a:tbl>
+              <a:tblPr>
+                <a:tableStyleId>{00A15C55-8517-42AA-B614-E9B94910E393}</a:tableStyleId>
+              </a:tblPr>
+              <a:tblGrid>
+                <a:gridCol w="3383280">
+                  <a:extLst>
+                    <a:ext uri="{9D8B030D-6E8A-4147-A177-3AD203B41FA5}">
+                      <a16:colId xmlns:a16="http://schemas.microsoft.com/office/drawing/2014/main" val="1695728431"/>
+                    </a:ext>
+                  </a:extLst>
+                </a:gridCol>
+              </a:tblGrid>
+              <a:tr h="548640">
+                <a:tc>
+                  <a:txBody>
+                    <a:bodyPr/>
+                    <a:lstStyle/>
+                    <a:p>
+                      <a:pPr>
+                        <a:lnSpc>
+                          <a:spcPct val="100000"/>
+                        </a:lnSpc>
+                        <a:spcAft>
+                          <a:spcPts val="0"/>
+                        </a:spcAft>
+                      </a:pPr>
+                      <a:r>
+                        <a:rPr lang="en-US" sz="2000" b="0" dirty="0">
+                          <a:solidFill>
+                            <a:schemeClr val="bg1">
+                              <a:lumMod val="65000"/>
+                            </a:schemeClr>
+                          </a:solidFill>
+                        </a:rPr>
+                        <a:t>Array Functions</a:t>
+                      </a:r>
+                    </a:p>
+                  </a:txBody>
+                  <a:tcPr anchor="ctr">
+                    <a:lnB w="12700" cap="flat" cmpd="sng" algn="ctr">
+                      <a:solidFill>
+                        <a:schemeClr val="bg1">
+                          <a:lumMod val="65000"/>
+                        </a:schemeClr>
+                      </a:solidFill>
+                      <a:prstDash val="solid"/>
+                      <a:round/>
+                      <a:headEnd type="none" w="med" len="med"/>
+                      <a:tailEnd type="none" w="med" len="med"/>
+                    </a:lnB>
+                    <a:noFill/>
+                  </a:tcPr>
+                </a:tc>
+                <a:extLst>
+                  <a:ext uri="{0D108BD9-81ED-4DB2-BD59-A6C34878D82A}">
+                    <a16:rowId xmlns:a16="http://schemas.microsoft.com/office/drawing/2014/main" val="2307098774"/>
+                  </a:ext>
+                </a:extLst>
+              </a:tr>
+              <a:tr h="548640">
+                <a:tc>
+                  <a:txBody>
+                    <a:bodyPr/>
+                    <a:lstStyle/>
+                    <a:p>
+                      <a:pPr>
+                        <a:lnSpc>
+                          <a:spcPct val="100000"/>
+                        </a:lnSpc>
+                        <a:spcAft>
+                          <a:spcPts val="0"/>
+                        </a:spcAft>
+                      </a:pPr>
+                      <a:r>
+                        <a:rPr lang="en-US" sz="2000" dirty="0">
+                          <a:solidFill>
+                            <a:schemeClr val="bg1">
+                              <a:lumMod val="65000"/>
+                            </a:schemeClr>
+                          </a:solidFill>
+                        </a:rPr>
+                        <a:t>Data Processing</a:t>
+                      </a:r>
+                    </a:p>
+                  </a:txBody>
+                  <a:tcPr anchor="ctr">
+                    <a:lnT w="12700" cap="flat" cmpd="sng" algn="ctr">
+                      <a:solidFill>
+                        <a:schemeClr val="bg1">
+                          <a:lumMod val="65000"/>
+                        </a:schemeClr>
+                      </a:solidFill>
+                      <a:prstDash val="solid"/>
+                      <a:round/>
+                      <a:headEnd type="none" w="med" len="med"/>
+                      <a:tailEnd type="none" w="med" len="med"/>
+                    </a:lnT>
+                    <a:lnB w="12700" cap="flat" cmpd="sng" algn="ctr">
+                      <a:solidFill>
+                        <a:schemeClr val="bg1">
+                          <a:lumMod val="65000"/>
+                        </a:schemeClr>
+                      </a:solidFill>
+                      <a:prstDash val="solid"/>
+                      <a:round/>
+                      <a:headEnd type="none" w="med" len="med"/>
+                      <a:tailEnd type="none" w="med" len="med"/>
+                    </a:lnB>
+                    <a:noFill/>
+                  </a:tcPr>
+                </a:tc>
+                <a:extLst>
+                  <a:ext uri="{0D108BD9-81ED-4DB2-BD59-A6C34878D82A}">
+                    <a16:rowId xmlns:a16="http://schemas.microsoft.com/office/drawing/2014/main" val="1466711860"/>
+                  </a:ext>
+                </a:extLst>
+              </a:tr>
+              <a:tr h="548640">
+                <a:tc>
+                  <a:txBody>
+                    <a:bodyPr/>
+                    <a:lstStyle/>
+                    <a:p>
+                      <a:pPr>
+                        <a:lnSpc>
+                          <a:spcPct val="100000"/>
+                        </a:lnSpc>
+                        <a:spcAft>
+                          <a:spcPts val="0"/>
+                        </a:spcAft>
+                      </a:pPr>
+                      <a:r>
+                        <a:rPr lang="en-US" sz="2000" dirty="0">
+                          <a:solidFill>
+                            <a:schemeClr val="bg1">
+                              <a:lumMod val="65000"/>
+                            </a:schemeClr>
+                          </a:solidFill>
+                        </a:rPr>
+                        <a:t>File Input Output</a:t>
+                      </a:r>
+                    </a:p>
+                  </a:txBody>
+                  <a:tcPr anchor="ctr">
+                    <a:lnT w="12700" cap="flat" cmpd="sng" algn="ctr">
+                      <a:solidFill>
+                        <a:schemeClr val="bg1">
+                          <a:lumMod val="65000"/>
+                        </a:schemeClr>
+                      </a:solidFill>
+                      <a:prstDash val="solid"/>
+                      <a:round/>
+                      <a:headEnd type="none" w="med" len="med"/>
+                      <a:tailEnd type="none" w="med" len="med"/>
+                    </a:lnT>
+                    <a:lnB w="12700" cap="flat" cmpd="sng" algn="ctr">
+                      <a:solidFill>
+                        <a:schemeClr val="bg1">
+                          <a:lumMod val="65000"/>
+                        </a:schemeClr>
+                      </a:solidFill>
+                      <a:prstDash val="solid"/>
+                      <a:round/>
+                      <a:headEnd type="none" w="med" len="med"/>
+                      <a:tailEnd type="none" w="med" len="med"/>
+                    </a:lnB>
+                    <a:noFill/>
+                  </a:tcPr>
+                </a:tc>
+                <a:extLst>
+                  <a:ext uri="{0D108BD9-81ED-4DB2-BD59-A6C34878D82A}">
+                    <a16:rowId xmlns:a16="http://schemas.microsoft.com/office/drawing/2014/main" val="1924402624"/>
+                  </a:ext>
+                </a:extLst>
+              </a:tr>
+              <a:tr h="548640">
+                <a:tc>
+                  <a:txBody>
+                    <a:bodyPr/>
+                    <a:lstStyle/>
+                    <a:p>
+                      <a:pPr>
+                        <a:lnSpc>
+                          <a:spcPct val="100000"/>
+                        </a:lnSpc>
+                        <a:spcAft>
+                          <a:spcPts val="0"/>
+                        </a:spcAft>
+                      </a:pPr>
+                      <a:r>
+                        <a:rPr lang="en-US" sz="2000" dirty="0">
+                          <a:solidFill>
+                            <a:schemeClr val="bg1">
+                              <a:lumMod val="65000"/>
+                            </a:schemeClr>
+                          </a:solidFill>
+                        </a:rPr>
+                        <a:t>Linear Algebra</a:t>
+                      </a:r>
+                    </a:p>
+                  </a:txBody>
+                  <a:tcPr anchor="ctr">
+                    <a:lnT w="12700" cap="flat" cmpd="sng" algn="ctr">
+                      <a:solidFill>
+                        <a:schemeClr val="bg1">
+                          <a:lumMod val="65000"/>
+                        </a:schemeClr>
+                      </a:solidFill>
+                      <a:prstDash val="solid"/>
+                      <a:round/>
+                      <a:headEnd type="none" w="med" len="med"/>
+                      <a:tailEnd type="none" w="med" len="med"/>
+                    </a:lnT>
+                    <a:lnB w="12700" cap="flat" cmpd="sng" algn="ctr">
+                      <a:solidFill>
+                        <a:schemeClr val="bg1">
+                          <a:lumMod val="65000"/>
+                        </a:schemeClr>
+                      </a:solidFill>
+                      <a:prstDash val="solid"/>
+                      <a:round/>
+                      <a:headEnd type="none" w="med" len="med"/>
+                      <a:tailEnd type="none" w="med" len="med"/>
+                    </a:lnB>
+                    <a:noFill/>
+                  </a:tcPr>
+                </a:tc>
+                <a:extLst>
+                  <a:ext uri="{0D108BD9-81ED-4DB2-BD59-A6C34878D82A}">
+                    <a16:rowId xmlns:a16="http://schemas.microsoft.com/office/drawing/2014/main" val="2634114360"/>
+                  </a:ext>
+                </a:extLst>
+              </a:tr>
+              <a:tr h="548640">
+                <a:tc>
+                  <a:txBody>
+                    <a:bodyPr/>
+                    <a:lstStyle/>
+                    <a:p>
+                      <a:pPr>
+                        <a:lnSpc>
+                          <a:spcPct val="100000"/>
+                        </a:lnSpc>
+                        <a:spcAft>
+                          <a:spcPts val="0"/>
+                        </a:spcAft>
+                      </a:pPr>
+                      <a:r>
+                        <a:rPr lang="en-US" sz="2000" b="1" dirty="0">
+                          <a:solidFill>
+                            <a:schemeClr val="tx1"/>
+                          </a:solidFill>
+                        </a:rPr>
+                        <a:t>Random Numbers</a:t>
+                      </a:r>
+                    </a:p>
+                  </a:txBody>
+                  <a:tcPr anchor="ctr">
+                    <a:lnT w="12700" cap="flat" cmpd="sng" algn="ctr">
+                      <a:solidFill>
+                        <a:schemeClr val="bg1">
+                          <a:lumMod val="65000"/>
+                        </a:schemeClr>
+                      </a:solidFill>
+                      <a:prstDash val="solid"/>
+                      <a:round/>
+                      <a:headEnd type="none" w="med" len="med"/>
+                      <a:tailEnd type="none" w="med" len="med"/>
+                    </a:lnT>
+                    <a:lnB w="12700" cap="flat" cmpd="sng" algn="ctr">
+                      <a:solidFill>
+                        <a:schemeClr val="bg1">
+                          <a:lumMod val="65000"/>
+                        </a:schemeClr>
+                      </a:solidFill>
+                      <a:prstDash val="solid"/>
+                      <a:round/>
+                      <a:headEnd type="none" w="med" len="med"/>
+                      <a:tailEnd type="none" w="med" len="med"/>
+                    </a:lnB>
+                    <a:noFill/>
+                  </a:tcPr>
+                </a:tc>
+                <a:extLst>
+                  <a:ext uri="{0D108BD9-81ED-4DB2-BD59-A6C34878D82A}">
+                    <a16:rowId xmlns:a16="http://schemas.microsoft.com/office/drawing/2014/main" val="3018257731"/>
+                  </a:ext>
+                </a:extLst>
+              </a:tr>
+              <a:tr h="548640">
+                <a:tc>
+                  <a:txBody>
+                    <a:bodyPr/>
+                    <a:lstStyle/>
+                    <a:p>
+                      <a:pPr>
+                        <a:lnSpc>
+                          <a:spcPct val="100000"/>
+                        </a:lnSpc>
+                        <a:spcAft>
+                          <a:spcPts val="0"/>
+                        </a:spcAft>
+                      </a:pPr>
+                      <a:r>
+                        <a:rPr lang="en-US" sz="2000" dirty="0">
+                          <a:solidFill>
+                            <a:schemeClr val="bg1">
+                              <a:lumMod val="65000"/>
+                            </a:schemeClr>
+                          </a:solidFill>
+                        </a:rPr>
+                        <a:t>Chapter Summary</a:t>
+                      </a:r>
+                    </a:p>
+                  </a:txBody>
+                  <a:tcPr anchor="ctr">
+                    <a:lnT w="12700" cap="flat" cmpd="sng" algn="ctr">
+                      <a:solidFill>
+                        <a:schemeClr val="bg1">
+                          <a:lumMod val="65000"/>
+                        </a:schemeClr>
+                      </a:solidFill>
+                      <a:prstDash val="solid"/>
+                      <a:round/>
+                      <a:headEnd type="none" w="med" len="med"/>
+                      <a:tailEnd type="none" w="med" len="med"/>
+                    </a:lnT>
+                    <a:lnB w="12700" cap="flat" cmpd="sng" algn="ctr">
+                      <a:solidFill>
+                        <a:schemeClr val="bg1">
+                          <a:lumMod val="65000"/>
+                        </a:schemeClr>
+                      </a:solidFill>
+                      <a:prstDash val="solid"/>
+                      <a:round/>
+                      <a:headEnd type="none" w="med" len="med"/>
+                      <a:tailEnd type="none" w="med" len="med"/>
+                    </a:lnB>
+                    <a:noFill/>
+                  </a:tcPr>
+                </a:tc>
+                <a:extLst>
+                  <a:ext uri="{0D108BD9-81ED-4DB2-BD59-A6C34878D82A}">
+                    <a16:rowId xmlns:a16="http://schemas.microsoft.com/office/drawing/2014/main" val="376303497"/>
+                  </a:ext>
+                </a:extLst>
+              </a:tr>
+            </a:tbl>
+          </a:graphicData>
+        </a:graphic>
+      </p:graphicFrame>
     </p:spTree>
     <p:extLst>
       <p:ext uri="{BB962C8B-B14F-4D97-AF65-F5344CB8AC3E}">
@@ -15729,29 +15486,28 @@
             <a:pPr lvl="2"/>
             <a:r>
               <a:rPr lang="en-US" dirty="0"/>
-              <a:t>normal</a:t>
+              <a:t>Normal</a:t>
             </a:r>
           </a:p>
           <a:p>
             <a:pPr lvl="2"/>
             <a:r>
               <a:rPr lang="en-US" dirty="0"/>
-              <a:t>uniform</a:t>
+              <a:t>Uniform</a:t>
             </a:r>
           </a:p>
           <a:p>
             <a:pPr lvl="2"/>
             <a:r>
-              <a:rPr lang="en-US" dirty="0" err="1"/>
-              <a:t>poisson</a:t>
-            </a:r>
-            <a:endParaRPr lang="en-US" dirty="0"/>
+              <a:rPr lang="en-US" dirty="0"/>
+              <a:t>Poisson</a:t>
+            </a:r>
           </a:p>
           <a:p>
             <a:pPr lvl="2"/>
             <a:r>
               <a:rPr lang="en-US" dirty="0"/>
-              <a:t>many more</a:t>
+              <a:t>Many more</a:t>
             </a:r>
           </a:p>
         </p:txBody>
@@ -15766,8 +15522,8 @@
         </p:nvSpPr>
         <p:spPr bwMode="auto">
           <a:xfrm>
-            <a:off x="237715" y="2932206"/>
-            <a:ext cx="8628881" cy="3139321"/>
+            <a:off x="218504" y="3025990"/>
+            <a:ext cx="8706993" cy="3139321"/>
           </a:xfrm>
           <a:prstGeom prst="rect">
             <a:avLst/>
@@ -15906,47 +15662,7 @@
                 <a:latin typeface="Courier New"/>
                 <a:cs typeface="Courier New"/>
               </a:rPr>
-              <a:t>print(</a:t>
-            </a:r>
-            <a:r>
-              <a:rPr lang="en-US" sz="1800" b="1" dirty="0" err="1">
-                <a:solidFill>
-                  <a:schemeClr val="tx1"/>
-                </a:solidFill>
-                <a:latin typeface="Courier New"/>
-                <a:cs typeface="Courier New"/>
-              </a:rPr>
-              <a:t>np.random.normal</a:t>
-            </a:r>
-            <a:r>
-              <a:rPr lang="en-US" sz="1800" b="1" dirty="0">
-                <a:solidFill>
-                  <a:schemeClr val="tx1"/>
-                </a:solidFill>
-                <a:latin typeface="Courier New"/>
-                <a:cs typeface="Courier New"/>
-              </a:rPr>
-              <a:t>(5, 2, 9)) # mean = 5, </a:t>
-            </a:r>
-            <a:r>
-              <a:rPr lang="en-US" sz="1800" b="1" dirty="0" err="1">
-                <a:solidFill>
-                  <a:schemeClr val="tx1"/>
-                </a:solidFill>
-                <a:latin typeface="Courier New"/>
-                <a:cs typeface="Courier New"/>
-              </a:rPr>
-              <a:t>std</a:t>
-            </a:r>
-            <a:r>
-              <a:rPr lang="en-US" sz="1800" b="1" dirty="0">
-                <a:solidFill>
-                  <a:schemeClr val="tx1"/>
-                </a:solidFill>
-                <a:latin typeface="Courier New"/>
-                <a:cs typeface="Courier New"/>
-              </a:rPr>
-              <a:t> = 2</a:t>
+              <a:t>print (np.random.normal(5, 2, 9)) # mean = 5, std = 2</a:t>
             </a:r>
           </a:p>
           <a:p>
@@ -15979,27 +15695,7 @@
                 <a:latin typeface="Courier New"/>
                 <a:cs typeface="Courier New"/>
               </a:rPr>
-              <a:t>print(</a:t>
-            </a:r>
-            <a:r>
-              <a:rPr lang="en-US" sz="1800" b="1" dirty="0" err="1">
-                <a:solidFill>
-                  <a:schemeClr val="tx1"/>
-                </a:solidFill>
-                <a:latin typeface="Courier New"/>
-                <a:cs typeface="Courier New"/>
-              </a:rPr>
-              <a:t>np.random.uniform</a:t>
-            </a:r>
-            <a:r>
-              <a:rPr lang="en-US" sz="1800" b="1" dirty="0">
-                <a:solidFill>
-                  <a:schemeClr val="tx1"/>
-                </a:solidFill>
-                <a:latin typeface="Courier New"/>
-                <a:cs typeface="Courier New"/>
-              </a:rPr>
-              <a:t>(1, 100, 8) # low = 1, high = 100</a:t>
+              <a:t>print (np.random.uniform(1, 100, 8)) # low = 1, high = 100</a:t>
             </a:r>
           </a:p>
           <a:p>
@@ -16032,27 +15728,7 @@
                 <a:latin typeface="Courier New"/>
                 <a:cs typeface="Courier New"/>
               </a:rPr>
-              <a:t>print(</a:t>
-            </a:r>
-            <a:r>
-              <a:rPr lang="en-US" sz="1800" b="1" dirty="0" err="1">
-                <a:solidFill>
-                  <a:schemeClr val="tx1"/>
-                </a:solidFill>
-                <a:latin typeface="Courier New"/>
-                <a:cs typeface="Courier New"/>
-              </a:rPr>
-              <a:t>np.random.poisson</a:t>
-            </a:r>
-            <a:r>
-              <a:rPr lang="en-US" sz="1800" b="1" dirty="0">
-                <a:solidFill>
-                  <a:schemeClr val="tx1"/>
-                </a:solidFill>
-                <a:latin typeface="Courier New"/>
-                <a:cs typeface="Courier New"/>
-              </a:rPr>
-              <a:t>(10, 10)) # 10 numbers averaging to 10</a:t>
+              <a:t>print (np.random.poisson(10, 10)) # 10 numbers averaging to 10</a:t>
             </a:r>
           </a:p>
           <a:p>
@@ -16130,436 +15806,384 @@
           </a:p>
         </p:txBody>
       </p:sp>
-      <p:sp>
-        <p:nvSpPr>
-          <p:cNvPr id="10" name="Text Placeholder 2"/>
-          <p:cNvSpPr>
-            <a:spLocks noGrp="1"/>
-          </p:cNvSpPr>
+      <p:graphicFrame>
+        <p:nvGraphicFramePr>
+          <p:cNvPr id="9" name="Table 8">
+            <a:extLst>
+              <a:ext uri="{FF2B5EF4-FFF2-40B4-BE49-F238E27FC236}">
+                <a16:creationId xmlns:a16="http://schemas.microsoft.com/office/drawing/2014/main" id="{45CE381D-103D-4DB7-BF4D-6ABDD3CAF22E}"/>
+              </a:ext>
+            </a:extLst>
+          </p:cNvPr>
+          <p:cNvGraphicFramePr>
+            <a:graphicFrameLocks noGrp="1"/>
+          </p:cNvGraphicFramePr>
           <p:nvPr>
-            <p:ph type="body" sz="quarter" idx="11"/>
+            <p:extLst>
+              <p:ext uri="{D42A27DB-BD31-4B8C-83A1-F6EECF244321}">
+                <p14:modId xmlns:p14="http://schemas.microsoft.com/office/powerpoint/2010/main" val="1194897846"/>
+              </p:ext>
+            </p:extLst>
           </p:nvPr>
-        </p:nvSpPr>
-        <p:spPr>
-          <a:xfrm>
-            <a:off x="3511998" y="1540925"/>
-            <a:ext cx="5478094" cy="4101913"/>
-          </a:xfrm>
-        </p:spPr>
-        <p:txBody>
-          <a:bodyPr/>
-          <a:lstStyle/>
-          <a:p>
-            <a:pPr eaLnBrk="1" hangingPunct="1"/>
-            <a:r>
-              <a:rPr lang="en-US" altLang="en-US" b="0" dirty="0"/>
-              <a:t>Array Functions</a:t>
-            </a:r>
-          </a:p>
-          <a:p>
-            <a:pPr lvl="1" eaLnBrk="1" hangingPunct="1"/>
-            <a:r>
-              <a:rPr lang="en-US" altLang="en-US" dirty="0"/>
-              <a:t>Data Processing</a:t>
-            </a:r>
-          </a:p>
-          <a:p>
-            <a:pPr lvl="1" eaLnBrk="1" hangingPunct="1"/>
-            <a:r>
-              <a:rPr lang="en-US" altLang="en-US" dirty="0"/>
-              <a:t>File Input Output</a:t>
-            </a:r>
-          </a:p>
-          <a:p>
-            <a:pPr lvl="1" eaLnBrk="1" hangingPunct="1"/>
-            <a:r>
-              <a:rPr lang="en-US" altLang="en-US" dirty="0"/>
-              <a:t>Linear Algebra</a:t>
-            </a:r>
-          </a:p>
-          <a:p>
-            <a:pPr lvl="1" eaLnBrk="1" hangingPunct="1"/>
-            <a:r>
-              <a:rPr lang="en-US" altLang="en-US" dirty="0"/>
-              <a:t>Random Numbers</a:t>
-            </a:r>
-          </a:p>
-          <a:p>
-            <a:pPr lvl="1" eaLnBrk="1" hangingPunct="1"/>
-            <a:r>
-              <a:rPr lang="en-US" altLang="en-US" b="1" dirty="0"/>
-              <a:t>Chapter Summary</a:t>
-            </a:r>
-          </a:p>
-        </p:txBody>
-      </p:sp>
-      <p:grpSp>
-        <p:nvGrpSpPr>
-          <p:cNvPr id="11" name="Group 10"/>
-          <p:cNvGrpSpPr/>
-          <p:nvPr/>
-        </p:nvGrpSpPr>
-        <p:grpSpPr>
-          <a:xfrm>
-            <a:off x="3101676" y="4694895"/>
-            <a:ext cx="410322" cy="377482"/>
-            <a:chOff x="1766887" y="1515010"/>
-            <a:chExt cx="741316" cy="700622"/>
-          </a:xfrm>
-          <a:solidFill>
-            <a:schemeClr val="accent4"/>
-          </a:solidFill>
-          <a:scene3d>
-            <a:camera prst="orthographicFront">
-              <a:rot lat="0" lon="0" rev="0"/>
-            </a:camera>
-            <a:lightRig rig="balanced" dir="t">
-              <a:rot lat="0" lon="0" rev="8700000"/>
-            </a:lightRig>
-          </a:scene3d>
-        </p:grpSpPr>
-        <p:sp>
-          <p:nvSpPr>
-            <p:cNvPr id="12" name="AutoShape 10"/>
-            <p:cNvSpPr>
-              <a:spLocks noChangeArrowheads="1"/>
-            </p:cNvSpPr>
-            <p:nvPr/>
-          </p:nvSpPr>
-          <p:spPr bwMode="black">
-            <a:xfrm rot="5400000">
-              <a:off x="1787234" y="1494663"/>
-              <a:ext cx="700622" cy="741316"/>
-            </a:xfrm>
-            <a:custGeom>
-              <a:avLst/>
-              <a:gdLst>
-                <a:gd name="connsiteX0" fmla="*/ 0 w 264955"/>
-                <a:gd name="connsiteY0" fmla="*/ 311498 h 311498"/>
-                <a:gd name="connsiteX1" fmla="*/ 132478 w 264955"/>
-                <a:gd name="connsiteY1" fmla="*/ 0 h 311498"/>
-                <a:gd name="connsiteX2" fmla="*/ 264955 w 264955"/>
-                <a:gd name="connsiteY2" fmla="*/ 311498 h 311498"/>
-                <a:gd name="connsiteX3" fmla="*/ 0 w 264955"/>
-                <a:gd name="connsiteY3" fmla="*/ 311498 h 311498"/>
-                <a:gd name="connsiteX0" fmla="*/ 0 w 264955"/>
-                <a:gd name="connsiteY0" fmla="*/ 311498 h 312908"/>
-                <a:gd name="connsiteX1" fmla="*/ 132478 w 264955"/>
-                <a:gd name="connsiteY1" fmla="*/ 0 h 312908"/>
-                <a:gd name="connsiteX2" fmla="*/ 264955 w 264955"/>
-                <a:gd name="connsiteY2" fmla="*/ 311498 h 312908"/>
-                <a:gd name="connsiteX3" fmla="*/ 124553 w 264955"/>
-                <a:gd name="connsiteY3" fmla="*/ 312908 h 312908"/>
-                <a:gd name="connsiteX4" fmla="*/ 0 w 264955"/>
-                <a:gd name="connsiteY4" fmla="*/ 311498 h 312908"/>
-                <a:gd name="connsiteX0" fmla="*/ 0 w 264955"/>
-                <a:gd name="connsiteY0" fmla="*/ 311498 h 311498"/>
-                <a:gd name="connsiteX1" fmla="*/ 132478 w 264955"/>
-                <a:gd name="connsiteY1" fmla="*/ 0 h 311498"/>
-                <a:gd name="connsiteX2" fmla="*/ 264955 w 264955"/>
-                <a:gd name="connsiteY2" fmla="*/ 311498 h 311498"/>
-                <a:gd name="connsiteX3" fmla="*/ 138844 w 264955"/>
-                <a:gd name="connsiteY3" fmla="*/ 253377 h 311498"/>
-                <a:gd name="connsiteX4" fmla="*/ 0 w 264955"/>
-                <a:gd name="connsiteY4" fmla="*/ 311498 h 311498"/>
-              </a:gdLst>
-              <a:ahLst/>
-              <a:cxnLst>
-                <a:cxn ang="0">
-                  <a:pos x="connsiteX0" y="connsiteY0"/>
-                </a:cxn>
-                <a:cxn ang="0">
-                  <a:pos x="connsiteX1" y="connsiteY1"/>
-                </a:cxn>
-                <a:cxn ang="0">
-                  <a:pos x="connsiteX2" y="connsiteY2"/>
-                </a:cxn>
-                <a:cxn ang="0">
-                  <a:pos x="connsiteX3" y="connsiteY3"/>
-                </a:cxn>
-                <a:cxn ang="0">
-                  <a:pos x="connsiteX4" y="connsiteY4"/>
-                </a:cxn>
-              </a:cxnLst>
-              <a:rect l="l" t="t" r="r" b="b"/>
-              <a:pathLst>
-                <a:path w="264955" h="311498">
-                  <a:moveTo>
-                    <a:pt x="0" y="311498"/>
-                  </a:moveTo>
-                  <a:lnTo>
-                    <a:pt x="132478" y="0"/>
-                  </a:lnTo>
-                  <a:lnTo>
-                    <a:pt x="264955" y="311498"/>
-                  </a:lnTo>
-                  <a:lnTo>
-                    <a:pt x="138844" y="253377"/>
-                  </a:lnTo>
-                  <a:lnTo>
-                    <a:pt x="0" y="311498"/>
-                  </a:lnTo>
-                  <a:close/>
-                </a:path>
-              </a:pathLst>
-            </a:custGeom>
-            <a:grpFill/>
-            <a:ln w="19050">
-              <a:noFill/>
-              <a:miter lim="800000"/>
-              <a:headEnd/>
-              <a:tailEnd/>
-            </a:ln>
-            <a:effectLst>
-              <a:outerShdw blurRad="44450" dist="27940" dir="5400000" algn="ctr">
-                <a:srgbClr val="000000">
-                  <a:alpha val="32000"/>
-                </a:srgbClr>
-              </a:outerShdw>
-            </a:effectLst>
-            <a:sp3d>
-              <a:bevelT w="190500" h="38100"/>
-            </a:sp3d>
-          </p:spPr>
-          <p:txBody>
-            <a:bodyPr rot="10800000" vert="eaVert" wrap="none" anchor="ctr"/>
-            <a:lstStyle/>
-            <a:p>
-              <a:pPr>
-                <a:defRPr/>
-              </a:pPr>
-              <a:endParaRPr lang="en-GB" dirty="0">
-                <a:solidFill>
-                  <a:schemeClr val="accent6"/>
-                </a:solidFill>
-                <a:ea typeface="+mn-ea"/>
-              </a:endParaRPr>
-            </a:p>
-          </p:txBody>
-        </p:sp>
-        <p:sp>
-          <p:nvSpPr>
-            <p:cNvPr id="14" name="Freeform 11"/>
-            <p:cNvSpPr>
-              <a:spLocks/>
-            </p:cNvSpPr>
-            <p:nvPr/>
-          </p:nvSpPr>
-          <p:spPr bwMode="hidden">
-            <a:xfrm>
-              <a:off x="1802606" y="1545430"/>
-              <a:ext cx="701117" cy="344477"/>
-            </a:xfrm>
-            <a:custGeom>
-              <a:avLst/>
-              <a:gdLst>
-                <a:gd name="T0" fmla="*/ 0 w 245"/>
-                <a:gd name="T1" fmla="*/ 0 h 158"/>
-                <a:gd name="T2" fmla="*/ 245 w 245"/>
-                <a:gd name="T3" fmla="*/ 146 h 158"/>
-                <a:gd name="T4" fmla="*/ 226 w 245"/>
-                <a:gd name="T5" fmla="*/ 158 h 158"/>
-                <a:gd name="T6" fmla="*/ 0 w 245"/>
-                <a:gd name="T7" fmla="*/ 23 h 158"/>
-                <a:gd name="T8" fmla="*/ 0 w 245"/>
-                <a:gd name="T9" fmla="*/ 0 h 158"/>
-                <a:gd name="T10" fmla="*/ 0 60000 65536"/>
-                <a:gd name="T11" fmla="*/ 0 60000 65536"/>
-                <a:gd name="T12" fmla="*/ 0 60000 65536"/>
-                <a:gd name="T13" fmla="*/ 0 60000 65536"/>
-                <a:gd name="T14" fmla="*/ 0 60000 65536"/>
-                <a:gd name="T15" fmla="*/ 0 w 245"/>
-                <a:gd name="T16" fmla="*/ 0 h 158"/>
-                <a:gd name="T17" fmla="*/ 245 w 245"/>
-                <a:gd name="T18" fmla="*/ 158 h 158"/>
-              </a:gdLst>
-              <a:ahLst/>
-              <a:cxnLst>
-                <a:cxn ang="T10">
-                  <a:pos x="T0" y="T1"/>
-                </a:cxn>
-                <a:cxn ang="T11">
-                  <a:pos x="T2" y="T3"/>
-                </a:cxn>
-                <a:cxn ang="T12">
-                  <a:pos x="T4" y="T5"/>
-                </a:cxn>
-                <a:cxn ang="T13">
-                  <a:pos x="T6" y="T7"/>
-                </a:cxn>
-                <a:cxn ang="T14">
-                  <a:pos x="T8" y="T9"/>
-                </a:cxn>
-              </a:cxnLst>
-              <a:rect l="T15" t="T16" r="T17" b="T18"/>
-              <a:pathLst>
-                <a:path w="245" h="158">
-                  <a:moveTo>
-                    <a:pt x="0" y="0"/>
-                  </a:moveTo>
-                  <a:lnTo>
-                    <a:pt x="245" y="146"/>
-                  </a:lnTo>
-                  <a:lnTo>
-                    <a:pt x="226" y="158"/>
-                  </a:lnTo>
-                  <a:lnTo>
-                    <a:pt x="0" y="23"/>
-                  </a:lnTo>
-                  <a:lnTo>
-                    <a:pt x="0" y="0"/>
-                  </a:lnTo>
-                  <a:close/>
-                </a:path>
-              </a:pathLst>
-            </a:custGeom>
-            <a:grpFill/>
-            <a:ln w="28575" cap="flat" cmpd="sng">
-              <a:noFill/>
-              <a:prstDash val="solid"/>
-              <a:round/>
-              <a:headEnd type="none" w="med" len="med"/>
-              <a:tailEnd type="none" w="med" len="med"/>
-            </a:ln>
-            <a:effectLst>
-              <a:outerShdw blurRad="44450" dist="27940" dir="5400000" algn="ctr">
-                <a:srgbClr val="000000">
-                  <a:alpha val="32000"/>
-                </a:srgbClr>
-              </a:outerShdw>
-            </a:effectLst>
-            <a:sp3d>
-              <a:bevelT w="190500" h="38100"/>
-            </a:sp3d>
-          </p:spPr>
-          <p:txBody>
-            <a:bodyPr/>
-            <a:lstStyle/>
-            <a:p>
-              <a:pPr>
-                <a:defRPr/>
-              </a:pPr>
-              <a:endParaRPr lang="en-US" dirty="0">
-                <a:solidFill>
-                  <a:schemeClr val="accent6"/>
-                </a:solidFill>
-                <a:ea typeface="+mn-ea"/>
-              </a:endParaRPr>
-            </a:p>
-          </p:txBody>
-        </p:sp>
-        <p:sp>
-          <p:nvSpPr>
-            <p:cNvPr id="15" name="Freeform 12"/>
-            <p:cNvSpPr>
-              <a:spLocks/>
-            </p:cNvSpPr>
-            <p:nvPr/>
-          </p:nvSpPr>
-          <p:spPr bwMode="hidden">
-            <a:xfrm>
-              <a:off x="1797843" y="1840589"/>
-              <a:ext cx="710079" cy="357304"/>
-            </a:xfrm>
-            <a:custGeom>
-              <a:avLst/>
-              <a:gdLst>
-                <a:gd name="T0" fmla="*/ 248 w 248"/>
-                <a:gd name="T1" fmla="*/ 12 h 156"/>
-                <a:gd name="T2" fmla="*/ 0 w 248"/>
-                <a:gd name="T3" fmla="*/ 156 h 156"/>
-                <a:gd name="T4" fmla="*/ 3 w 248"/>
-                <a:gd name="T5" fmla="*/ 131 h 156"/>
-                <a:gd name="T6" fmla="*/ 229 w 248"/>
-                <a:gd name="T7" fmla="*/ 0 h 156"/>
-                <a:gd name="T8" fmla="*/ 248 w 248"/>
-                <a:gd name="T9" fmla="*/ 12 h 156"/>
-                <a:gd name="T10" fmla="*/ 0 60000 65536"/>
-                <a:gd name="T11" fmla="*/ 0 60000 65536"/>
-                <a:gd name="T12" fmla="*/ 0 60000 65536"/>
-                <a:gd name="T13" fmla="*/ 0 60000 65536"/>
-                <a:gd name="T14" fmla="*/ 0 60000 65536"/>
-                <a:gd name="T15" fmla="*/ 0 w 248"/>
-                <a:gd name="T16" fmla="*/ 0 h 156"/>
-                <a:gd name="T17" fmla="*/ 248 w 248"/>
-                <a:gd name="T18" fmla="*/ 156 h 156"/>
-              </a:gdLst>
-              <a:ahLst/>
-              <a:cxnLst>
-                <a:cxn ang="T10">
-                  <a:pos x="T0" y="T1"/>
-                </a:cxn>
-                <a:cxn ang="T11">
-                  <a:pos x="T2" y="T3"/>
-                </a:cxn>
-                <a:cxn ang="T12">
-                  <a:pos x="T4" y="T5"/>
-                </a:cxn>
-                <a:cxn ang="T13">
-                  <a:pos x="T6" y="T7"/>
-                </a:cxn>
-                <a:cxn ang="T14">
-                  <a:pos x="T8" y="T9"/>
-                </a:cxn>
-              </a:cxnLst>
-              <a:rect l="T15" t="T16" r="T17" b="T18"/>
-              <a:pathLst>
-                <a:path w="248" h="156">
-                  <a:moveTo>
-                    <a:pt x="248" y="12"/>
-                  </a:moveTo>
-                  <a:lnTo>
-                    <a:pt x="0" y="156"/>
-                  </a:lnTo>
-                  <a:lnTo>
-                    <a:pt x="3" y="131"/>
-                  </a:lnTo>
-                  <a:lnTo>
-                    <a:pt x="229" y="0"/>
-                  </a:lnTo>
-                  <a:lnTo>
-                    <a:pt x="248" y="12"/>
-                  </a:lnTo>
-                  <a:close/>
-                </a:path>
-              </a:pathLst>
-            </a:custGeom>
-            <a:grpFill/>
-            <a:ln w="28575" cap="flat" cmpd="sng">
-              <a:noFill/>
-              <a:prstDash val="solid"/>
-              <a:round/>
-              <a:headEnd type="none" w="med" len="med"/>
-              <a:tailEnd type="none" w="med" len="med"/>
-            </a:ln>
-            <a:effectLst>
-              <a:outerShdw blurRad="44450" dist="27940" dir="5400000" algn="ctr">
-                <a:srgbClr val="000000">
-                  <a:alpha val="32000"/>
-                </a:srgbClr>
-              </a:outerShdw>
-            </a:effectLst>
-            <a:sp3d>
-              <a:bevelT w="190500" h="38100"/>
-            </a:sp3d>
-          </p:spPr>
-          <p:txBody>
-            <a:bodyPr/>
-            <a:lstStyle/>
-            <a:p>
-              <a:pPr>
-                <a:defRPr/>
-              </a:pPr>
-              <a:endParaRPr lang="en-US" dirty="0">
-                <a:solidFill>
-                  <a:schemeClr val="accent6"/>
-                </a:solidFill>
-                <a:ea typeface="+mn-ea"/>
-              </a:endParaRPr>
-            </a:p>
-          </p:txBody>
-        </p:sp>
-      </p:grpSp>
+        </p:nvGraphicFramePr>
+        <p:xfrm>
+          <a:off x="2880360" y="1447543"/>
+          <a:ext cx="3383280" cy="3291840"/>
+        </p:xfrm>
+        <a:graphic>
+          <a:graphicData uri="http://schemas.openxmlformats.org/drawingml/2006/table">
+            <a:tbl>
+              <a:tblPr>
+                <a:tableStyleId>{00A15C55-8517-42AA-B614-E9B94910E393}</a:tableStyleId>
+              </a:tblPr>
+              <a:tblGrid>
+                <a:gridCol w="3383280">
+                  <a:extLst>
+                    <a:ext uri="{9D8B030D-6E8A-4147-A177-3AD203B41FA5}">
+                      <a16:colId xmlns:a16="http://schemas.microsoft.com/office/drawing/2014/main" val="1695728431"/>
+                    </a:ext>
+                  </a:extLst>
+                </a:gridCol>
+              </a:tblGrid>
+              <a:tr h="548640">
+                <a:tc>
+                  <a:txBody>
+                    <a:bodyPr/>
+                    <a:lstStyle/>
+                    <a:p>
+                      <a:pPr>
+                        <a:lnSpc>
+                          <a:spcPct val="100000"/>
+                        </a:lnSpc>
+                        <a:spcAft>
+                          <a:spcPts val="0"/>
+                        </a:spcAft>
+                      </a:pPr>
+                      <a:r>
+                        <a:rPr lang="en-US" sz="2000" b="0" dirty="0">
+                          <a:solidFill>
+                            <a:schemeClr val="bg1">
+                              <a:lumMod val="65000"/>
+                            </a:schemeClr>
+                          </a:solidFill>
+                        </a:rPr>
+                        <a:t>Array Functions</a:t>
+                      </a:r>
+                    </a:p>
+                  </a:txBody>
+                  <a:tcPr anchor="ctr">
+                    <a:lnB w="12700" cap="flat" cmpd="sng" algn="ctr">
+                      <a:solidFill>
+                        <a:schemeClr val="bg1">
+                          <a:lumMod val="65000"/>
+                        </a:schemeClr>
+                      </a:solidFill>
+                      <a:prstDash val="solid"/>
+                      <a:round/>
+                      <a:headEnd type="none" w="med" len="med"/>
+                      <a:tailEnd type="none" w="med" len="med"/>
+                    </a:lnB>
+                    <a:noFill/>
+                  </a:tcPr>
+                </a:tc>
+                <a:extLst>
+                  <a:ext uri="{0D108BD9-81ED-4DB2-BD59-A6C34878D82A}">
+                    <a16:rowId xmlns:a16="http://schemas.microsoft.com/office/drawing/2014/main" val="2307098774"/>
+                  </a:ext>
+                </a:extLst>
+              </a:tr>
+              <a:tr h="548640">
+                <a:tc>
+                  <a:txBody>
+                    <a:bodyPr/>
+                    <a:lstStyle/>
+                    <a:p>
+                      <a:pPr>
+                        <a:lnSpc>
+                          <a:spcPct val="100000"/>
+                        </a:lnSpc>
+                        <a:spcAft>
+                          <a:spcPts val="0"/>
+                        </a:spcAft>
+                      </a:pPr>
+                      <a:r>
+                        <a:rPr lang="en-US" sz="2000" dirty="0">
+                          <a:solidFill>
+                            <a:schemeClr val="bg1">
+                              <a:lumMod val="65000"/>
+                            </a:schemeClr>
+                          </a:solidFill>
+                        </a:rPr>
+                        <a:t>Data Processing</a:t>
+                      </a:r>
+                    </a:p>
+                  </a:txBody>
+                  <a:tcPr anchor="ctr">
+                    <a:lnT w="12700" cap="flat" cmpd="sng" algn="ctr">
+                      <a:solidFill>
+                        <a:schemeClr val="bg1">
+                          <a:lumMod val="65000"/>
+                        </a:schemeClr>
+                      </a:solidFill>
+                      <a:prstDash val="solid"/>
+                      <a:round/>
+                      <a:headEnd type="none" w="med" len="med"/>
+                      <a:tailEnd type="none" w="med" len="med"/>
+                    </a:lnT>
+                    <a:lnB w="12700" cap="flat" cmpd="sng" algn="ctr">
+                      <a:solidFill>
+                        <a:schemeClr val="bg1">
+                          <a:lumMod val="65000"/>
+                        </a:schemeClr>
+                      </a:solidFill>
+                      <a:prstDash val="solid"/>
+                      <a:round/>
+                      <a:headEnd type="none" w="med" len="med"/>
+                      <a:tailEnd type="none" w="med" len="med"/>
+                    </a:lnB>
+                    <a:noFill/>
+                  </a:tcPr>
+                </a:tc>
+                <a:extLst>
+                  <a:ext uri="{0D108BD9-81ED-4DB2-BD59-A6C34878D82A}">
+                    <a16:rowId xmlns:a16="http://schemas.microsoft.com/office/drawing/2014/main" val="1466711860"/>
+                  </a:ext>
+                </a:extLst>
+              </a:tr>
+              <a:tr h="548640">
+                <a:tc>
+                  <a:txBody>
+                    <a:bodyPr/>
+                    <a:lstStyle/>
+                    <a:p>
+                      <a:pPr>
+                        <a:lnSpc>
+                          <a:spcPct val="100000"/>
+                        </a:lnSpc>
+                        <a:spcAft>
+                          <a:spcPts val="0"/>
+                        </a:spcAft>
+                      </a:pPr>
+                      <a:r>
+                        <a:rPr lang="en-US" sz="2000" dirty="0">
+                          <a:solidFill>
+                            <a:schemeClr val="bg1">
+                              <a:lumMod val="65000"/>
+                            </a:schemeClr>
+                          </a:solidFill>
+                        </a:rPr>
+                        <a:t>File Input Output</a:t>
+                      </a:r>
+                    </a:p>
+                  </a:txBody>
+                  <a:tcPr anchor="ctr">
+                    <a:lnT w="12700" cap="flat" cmpd="sng" algn="ctr">
+                      <a:solidFill>
+                        <a:schemeClr val="bg1">
+                          <a:lumMod val="65000"/>
+                        </a:schemeClr>
+                      </a:solidFill>
+                      <a:prstDash val="solid"/>
+                      <a:round/>
+                      <a:headEnd type="none" w="med" len="med"/>
+                      <a:tailEnd type="none" w="med" len="med"/>
+                    </a:lnT>
+                    <a:lnB w="12700" cap="flat" cmpd="sng" algn="ctr">
+                      <a:solidFill>
+                        <a:schemeClr val="bg1">
+                          <a:lumMod val="65000"/>
+                        </a:schemeClr>
+                      </a:solidFill>
+                      <a:prstDash val="solid"/>
+                      <a:round/>
+                      <a:headEnd type="none" w="med" len="med"/>
+                      <a:tailEnd type="none" w="med" len="med"/>
+                    </a:lnB>
+                    <a:noFill/>
+                  </a:tcPr>
+                </a:tc>
+                <a:extLst>
+                  <a:ext uri="{0D108BD9-81ED-4DB2-BD59-A6C34878D82A}">
+                    <a16:rowId xmlns:a16="http://schemas.microsoft.com/office/drawing/2014/main" val="1924402624"/>
+                  </a:ext>
+                </a:extLst>
+              </a:tr>
+              <a:tr h="548640">
+                <a:tc>
+                  <a:txBody>
+                    <a:bodyPr/>
+                    <a:lstStyle/>
+                    <a:p>
+                      <a:pPr>
+                        <a:lnSpc>
+                          <a:spcPct val="100000"/>
+                        </a:lnSpc>
+                        <a:spcAft>
+                          <a:spcPts val="0"/>
+                        </a:spcAft>
+                      </a:pPr>
+                      <a:r>
+                        <a:rPr lang="en-US" sz="2000" dirty="0">
+                          <a:solidFill>
+                            <a:schemeClr val="bg1">
+                              <a:lumMod val="65000"/>
+                            </a:schemeClr>
+                          </a:solidFill>
+                        </a:rPr>
+                        <a:t>Linear Algebra</a:t>
+                      </a:r>
+                    </a:p>
+                  </a:txBody>
+                  <a:tcPr anchor="ctr">
+                    <a:lnT w="12700" cap="flat" cmpd="sng" algn="ctr">
+                      <a:solidFill>
+                        <a:schemeClr val="bg1">
+                          <a:lumMod val="65000"/>
+                        </a:schemeClr>
+                      </a:solidFill>
+                      <a:prstDash val="solid"/>
+                      <a:round/>
+                      <a:headEnd type="none" w="med" len="med"/>
+                      <a:tailEnd type="none" w="med" len="med"/>
+                    </a:lnT>
+                    <a:lnB w="12700" cap="flat" cmpd="sng" algn="ctr">
+                      <a:solidFill>
+                        <a:schemeClr val="bg1">
+                          <a:lumMod val="65000"/>
+                        </a:schemeClr>
+                      </a:solidFill>
+                      <a:prstDash val="solid"/>
+                      <a:round/>
+                      <a:headEnd type="none" w="med" len="med"/>
+                      <a:tailEnd type="none" w="med" len="med"/>
+                    </a:lnB>
+                    <a:noFill/>
+                  </a:tcPr>
+                </a:tc>
+                <a:extLst>
+                  <a:ext uri="{0D108BD9-81ED-4DB2-BD59-A6C34878D82A}">
+                    <a16:rowId xmlns:a16="http://schemas.microsoft.com/office/drawing/2014/main" val="2634114360"/>
+                  </a:ext>
+                </a:extLst>
+              </a:tr>
+              <a:tr h="548640">
+                <a:tc>
+                  <a:txBody>
+                    <a:bodyPr/>
+                    <a:lstStyle/>
+                    <a:p>
+                      <a:pPr>
+                        <a:lnSpc>
+                          <a:spcPct val="100000"/>
+                        </a:lnSpc>
+                        <a:spcAft>
+                          <a:spcPts val="0"/>
+                        </a:spcAft>
+                      </a:pPr>
+                      <a:r>
+                        <a:rPr lang="en-US" sz="2000" dirty="0">
+                          <a:solidFill>
+                            <a:schemeClr val="bg1">
+                              <a:lumMod val="65000"/>
+                            </a:schemeClr>
+                          </a:solidFill>
+                        </a:rPr>
+                        <a:t>Random Numbers</a:t>
+                      </a:r>
+                    </a:p>
+                  </a:txBody>
+                  <a:tcPr anchor="ctr">
+                    <a:lnT w="12700" cap="flat" cmpd="sng" algn="ctr">
+                      <a:solidFill>
+                        <a:schemeClr val="bg1">
+                          <a:lumMod val="65000"/>
+                        </a:schemeClr>
+                      </a:solidFill>
+                      <a:prstDash val="solid"/>
+                      <a:round/>
+                      <a:headEnd type="none" w="med" len="med"/>
+                      <a:tailEnd type="none" w="med" len="med"/>
+                    </a:lnT>
+                    <a:lnB w="12700" cap="flat" cmpd="sng" algn="ctr">
+                      <a:solidFill>
+                        <a:schemeClr val="bg1">
+                          <a:lumMod val="65000"/>
+                        </a:schemeClr>
+                      </a:solidFill>
+                      <a:prstDash val="solid"/>
+                      <a:round/>
+                      <a:headEnd type="none" w="med" len="med"/>
+                      <a:tailEnd type="none" w="med" len="med"/>
+                    </a:lnB>
+                    <a:noFill/>
+                  </a:tcPr>
+                </a:tc>
+                <a:extLst>
+                  <a:ext uri="{0D108BD9-81ED-4DB2-BD59-A6C34878D82A}">
+                    <a16:rowId xmlns:a16="http://schemas.microsoft.com/office/drawing/2014/main" val="3018257731"/>
+                  </a:ext>
+                </a:extLst>
+              </a:tr>
+              <a:tr h="548640">
+                <a:tc>
+                  <a:txBody>
+                    <a:bodyPr/>
+                    <a:lstStyle/>
+                    <a:p>
+                      <a:pPr>
+                        <a:lnSpc>
+                          <a:spcPct val="100000"/>
+                        </a:lnSpc>
+                        <a:spcAft>
+                          <a:spcPts val="0"/>
+                        </a:spcAft>
+                      </a:pPr>
+                      <a:r>
+                        <a:rPr lang="en-US" sz="2000" b="1" dirty="0">
+                          <a:solidFill>
+                            <a:schemeClr val="tx1"/>
+                          </a:solidFill>
+                        </a:rPr>
+                        <a:t>Chapter Summary</a:t>
+                      </a:r>
+                    </a:p>
+                  </a:txBody>
+                  <a:tcPr anchor="ctr">
+                    <a:lnT w="12700" cap="flat" cmpd="sng" algn="ctr">
+                      <a:solidFill>
+                        <a:schemeClr val="bg1">
+                          <a:lumMod val="65000"/>
+                        </a:schemeClr>
+                      </a:solidFill>
+                      <a:prstDash val="solid"/>
+                      <a:round/>
+                      <a:headEnd type="none" w="med" len="med"/>
+                      <a:tailEnd type="none" w="med" len="med"/>
+                    </a:lnT>
+                    <a:lnB w="12700" cap="flat" cmpd="sng" algn="ctr">
+                      <a:solidFill>
+                        <a:schemeClr val="bg1">
+                          <a:lumMod val="65000"/>
+                        </a:schemeClr>
+                      </a:solidFill>
+                      <a:prstDash val="solid"/>
+                      <a:round/>
+                      <a:headEnd type="none" w="med" len="med"/>
+                      <a:tailEnd type="none" w="med" len="med"/>
+                    </a:lnB>
+                    <a:noFill/>
+                  </a:tcPr>
+                </a:tc>
+                <a:extLst>
+                  <a:ext uri="{0D108BD9-81ED-4DB2-BD59-A6C34878D82A}">
+                    <a16:rowId xmlns:a16="http://schemas.microsoft.com/office/drawing/2014/main" val="376303497"/>
+                  </a:ext>
+                </a:extLst>
+              </a:tr>
+            </a:tbl>
+          </a:graphicData>
+        </a:graphic>
+      </p:graphicFrame>
     </p:spTree>
     <p:extLst>
       <p:ext uri="{BB962C8B-B14F-4D97-AF65-F5344CB8AC3E}">
@@ -16592,69 +16216,6 @@
       </p:grpSpPr>
       <p:sp>
         <p:nvSpPr>
-          <p:cNvPr id="14339" name="Text Placeholder 2"/>
-          <p:cNvSpPr>
-            <a:spLocks noGrp="1"/>
-          </p:cNvSpPr>
-          <p:nvPr>
-            <p:ph type="body" sz="quarter" idx="11"/>
-          </p:nvPr>
-        </p:nvSpPr>
-        <p:spPr>
-          <a:xfrm>
-            <a:off x="3511998" y="1540925"/>
-            <a:ext cx="5478094" cy="4101913"/>
-          </a:xfrm>
-        </p:spPr>
-        <p:txBody>
-          <a:bodyPr/>
-          <a:lstStyle/>
-          <a:p>
-            <a:pPr eaLnBrk="1" hangingPunct="1"/>
-            <a:r>
-              <a:rPr lang="en-US" altLang="en-US" dirty="0"/>
-              <a:t>Array Functions</a:t>
-            </a:r>
-          </a:p>
-          <a:p>
-            <a:pPr lvl="1" eaLnBrk="1" hangingPunct="1"/>
-            <a:r>
-              <a:rPr lang="en-US" altLang="en-US" dirty="0"/>
-              <a:t>Data Processing</a:t>
-            </a:r>
-          </a:p>
-          <a:p>
-            <a:pPr lvl="1" eaLnBrk="1" hangingPunct="1"/>
-            <a:r>
-              <a:rPr lang="en-US" altLang="en-US" dirty="0"/>
-              <a:t>File Input Output</a:t>
-            </a:r>
-          </a:p>
-          <a:p>
-            <a:pPr lvl="1" eaLnBrk="1" hangingPunct="1"/>
-            <a:r>
-              <a:rPr lang="en-US" altLang="en-US" dirty="0"/>
-              <a:t>Linear Algebra</a:t>
-            </a:r>
-          </a:p>
-          <a:p>
-            <a:pPr lvl="1" eaLnBrk="1" hangingPunct="1"/>
-            <a:r>
-              <a:rPr lang="en-US" altLang="en-US" dirty="0"/>
-              <a:t>Random Numbers</a:t>
-            </a:r>
-          </a:p>
-          <a:p>
-            <a:pPr lvl="1" eaLnBrk="1" hangingPunct="1"/>
-            <a:r>
-              <a:rPr lang="en-US" altLang="en-US" dirty="0"/>
-              <a:t>Chapter Summary</a:t>
-            </a:r>
-          </a:p>
-        </p:txBody>
-      </p:sp>
-      <p:sp>
-        <p:nvSpPr>
           <p:cNvPr id="14338" name="Title 1"/>
           <p:cNvSpPr>
             <a:spLocks noGrp="1"/>
@@ -16675,373 +16236,384 @@
           </a:p>
         </p:txBody>
       </p:sp>
-      <p:grpSp>
-        <p:nvGrpSpPr>
-          <p:cNvPr id="13" name="Group 12"/>
-          <p:cNvGrpSpPr/>
-          <p:nvPr/>
-        </p:nvGrpSpPr>
-        <p:grpSpPr>
-          <a:xfrm>
-            <a:off x="3101676" y="1652930"/>
-            <a:ext cx="410322" cy="377482"/>
-            <a:chOff x="1766887" y="1515010"/>
-            <a:chExt cx="741316" cy="700622"/>
-          </a:xfrm>
-          <a:solidFill>
-            <a:schemeClr val="accent4"/>
-          </a:solidFill>
-          <a:scene3d>
-            <a:camera prst="orthographicFront">
-              <a:rot lat="0" lon="0" rev="0"/>
-            </a:camera>
-            <a:lightRig rig="balanced" dir="t">
-              <a:rot lat="0" lon="0" rev="8700000"/>
-            </a:lightRig>
-          </a:scene3d>
-        </p:grpSpPr>
-        <p:sp>
-          <p:nvSpPr>
-            <p:cNvPr id="16" name="AutoShape 10"/>
-            <p:cNvSpPr>
-              <a:spLocks noChangeArrowheads="1"/>
-            </p:cNvSpPr>
-            <p:nvPr/>
-          </p:nvSpPr>
-          <p:spPr bwMode="black">
-            <a:xfrm rot="5400000">
-              <a:off x="1787234" y="1494663"/>
-              <a:ext cx="700622" cy="741316"/>
-            </a:xfrm>
-            <a:custGeom>
-              <a:avLst/>
-              <a:gdLst>
-                <a:gd name="connsiteX0" fmla="*/ 0 w 264955"/>
-                <a:gd name="connsiteY0" fmla="*/ 311498 h 311498"/>
-                <a:gd name="connsiteX1" fmla="*/ 132478 w 264955"/>
-                <a:gd name="connsiteY1" fmla="*/ 0 h 311498"/>
-                <a:gd name="connsiteX2" fmla="*/ 264955 w 264955"/>
-                <a:gd name="connsiteY2" fmla="*/ 311498 h 311498"/>
-                <a:gd name="connsiteX3" fmla="*/ 0 w 264955"/>
-                <a:gd name="connsiteY3" fmla="*/ 311498 h 311498"/>
-                <a:gd name="connsiteX0" fmla="*/ 0 w 264955"/>
-                <a:gd name="connsiteY0" fmla="*/ 311498 h 312908"/>
-                <a:gd name="connsiteX1" fmla="*/ 132478 w 264955"/>
-                <a:gd name="connsiteY1" fmla="*/ 0 h 312908"/>
-                <a:gd name="connsiteX2" fmla="*/ 264955 w 264955"/>
-                <a:gd name="connsiteY2" fmla="*/ 311498 h 312908"/>
-                <a:gd name="connsiteX3" fmla="*/ 124553 w 264955"/>
-                <a:gd name="connsiteY3" fmla="*/ 312908 h 312908"/>
-                <a:gd name="connsiteX4" fmla="*/ 0 w 264955"/>
-                <a:gd name="connsiteY4" fmla="*/ 311498 h 312908"/>
-                <a:gd name="connsiteX0" fmla="*/ 0 w 264955"/>
-                <a:gd name="connsiteY0" fmla="*/ 311498 h 311498"/>
-                <a:gd name="connsiteX1" fmla="*/ 132478 w 264955"/>
-                <a:gd name="connsiteY1" fmla="*/ 0 h 311498"/>
-                <a:gd name="connsiteX2" fmla="*/ 264955 w 264955"/>
-                <a:gd name="connsiteY2" fmla="*/ 311498 h 311498"/>
-                <a:gd name="connsiteX3" fmla="*/ 138844 w 264955"/>
-                <a:gd name="connsiteY3" fmla="*/ 253377 h 311498"/>
-                <a:gd name="connsiteX4" fmla="*/ 0 w 264955"/>
-                <a:gd name="connsiteY4" fmla="*/ 311498 h 311498"/>
-              </a:gdLst>
-              <a:ahLst/>
-              <a:cxnLst>
-                <a:cxn ang="0">
-                  <a:pos x="connsiteX0" y="connsiteY0"/>
-                </a:cxn>
-                <a:cxn ang="0">
-                  <a:pos x="connsiteX1" y="connsiteY1"/>
-                </a:cxn>
-                <a:cxn ang="0">
-                  <a:pos x="connsiteX2" y="connsiteY2"/>
-                </a:cxn>
-                <a:cxn ang="0">
-                  <a:pos x="connsiteX3" y="connsiteY3"/>
-                </a:cxn>
-                <a:cxn ang="0">
-                  <a:pos x="connsiteX4" y="connsiteY4"/>
-                </a:cxn>
-              </a:cxnLst>
-              <a:rect l="l" t="t" r="r" b="b"/>
-              <a:pathLst>
-                <a:path w="264955" h="311498">
-                  <a:moveTo>
-                    <a:pt x="0" y="311498"/>
-                  </a:moveTo>
-                  <a:lnTo>
-                    <a:pt x="132478" y="0"/>
-                  </a:lnTo>
-                  <a:lnTo>
-                    <a:pt x="264955" y="311498"/>
-                  </a:lnTo>
-                  <a:lnTo>
-                    <a:pt x="138844" y="253377"/>
-                  </a:lnTo>
-                  <a:lnTo>
-                    <a:pt x="0" y="311498"/>
-                  </a:lnTo>
-                  <a:close/>
-                </a:path>
-              </a:pathLst>
-            </a:custGeom>
-            <a:grpFill/>
-            <a:ln w="19050">
-              <a:noFill/>
-              <a:miter lim="800000"/>
-              <a:headEnd/>
-              <a:tailEnd/>
-            </a:ln>
-            <a:effectLst>
-              <a:outerShdw blurRad="44450" dist="27940" dir="5400000" algn="ctr">
-                <a:srgbClr val="000000">
-                  <a:alpha val="32000"/>
-                </a:srgbClr>
-              </a:outerShdw>
-            </a:effectLst>
-            <a:sp3d>
-              <a:bevelT w="190500" h="38100"/>
-            </a:sp3d>
-          </p:spPr>
-          <p:txBody>
-            <a:bodyPr rot="10800000" vert="eaVert" wrap="none" anchor="ctr"/>
-            <a:lstStyle/>
-            <a:p>
-              <a:pPr>
-                <a:defRPr/>
-              </a:pPr>
-              <a:endParaRPr lang="en-GB" dirty="0">
-                <a:solidFill>
-                  <a:schemeClr val="accent6"/>
-                </a:solidFill>
-                <a:ea typeface="+mn-ea"/>
-              </a:endParaRPr>
-            </a:p>
-          </p:txBody>
-        </p:sp>
-        <p:sp>
-          <p:nvSpPr>
-            <p:cNvPr id="17" name="Freeform 11"/>
-            <p:cNvSpPr>
-              <a:spLocks/>
-            </p:cNvSpPr>
-            <p:nvPr/>
-          </p:nvSpPr>
-          <p:spPr bwMode="hidden">
-            <a:xfrm>
-              <a:off x="1802606" y="1545430"/>
-              <a:ext cx="701117" cy="344477"/>
-            </a:xfrm>
-            <a:custGeom>
-              <a:avLst/>
-              <a:gdLst>
-                <a:gd name="T0" fmla="*/ 0 w 245"/>
-                <a:gd name="T1" fmla="*/ 0 h 158"/>
-                <a:gd name="T2" fmla="*/ 245 w 245"/>
-                <a:gd name="T3" fmla="*/ 146 h 158"/>
-                <a:gd name="T4" fmla="*/ 226 w 245"/>
-                <a:gd name="T5" fmla="*/ 158 h 158"/>
-                <a:gd name="T6" fmla="*/ 0 w 245"/>
-                <a:gd name="T7" fmla="*/ 23 h 158"/>
-                <a:gd name="T8" fmla="*/ 0 w 245"/>
-                <a:gd name="T9" fmla="*/ 0 h 158"/>
-                <a:gd name="T10" fmla="*/ 0 60000 65536"/>
-                <a:gd name="T11" fmla="*/ 0 60000 65536"/>
-                <a:gd name="T12" fmla="*/ 0 60000 65536"/>
-                <a:gd name="T13" fmla="*/ 0 60000 65536"/>
-                <a:gd name="T14" fmla="*/ 0 60000 65536"/>
-                <a:gd name="T15" fmla="*/ 0 w 245"/>
-                <a:gd name="T16" fmla="*/ 0 h 158"/>
-                <a:gd name="T17" fmla="*/ 245 w 245"/>
-                <a:gd name="T18" fmla="*/ 158 h 158"/>
-              </a:gdLst>
-              <a:ahLst/>
-              <a:cxnLst>
-                <a:cxn ang="T10">
-                  <a:pos x="T0" y="T1"/>
-                </a:cxn>
-                <a:cxn ang="T11">
-                  <a:pos x="T2" y="T3"/>
-                </a:cxn>
-                <a:cxn ang="T12">
-                  <a:pos x="T4" y="T5"/>
-                </a:cxn>
-                <a:cxn ang="T13">
-                  <a:pos x="T6" y="T7"/>
-                </a:cxn>
-                <a:cxn ang="T14">
-                  <a:pos x="T8" y="T9"/>
-                </a:cxn>
-              </a:cxnLst>
-              <a:rect l="T15" t="T16" r="T17" b="T18"/>
-              <a:pathLst>
-                <a:path w="245" h="158">
-                  <a:moveTo>
-                    <a:pt x="0" y="0"/>
-                  </a:moveTo>
-                  <a:lnTo>
-                    <a:pt x="245" y="146"/>
-                  </a:lnTo>
-                  <a:lnTo>
-                    <a:pt x="226" y="158"/>
-                  </a:lnTo>
-                  <a:lnTo>
-                    <a:pt x="0" y="23"/>
-                  </a:lnTo>
-                  <a:lnTo>
-                    <a:pt x="0" y="0"/>
-                  </a:lnTo>
-                  <a:close/>
-                </a:path>
-              </a:pathLst>
-            </a:custGeom>
-            <a:grpFill/>
-            <a:ln w="28575" cap="flat" cmpd="sng">
-              <a:noFill/>
-              <a:prstDash val="solid"/>
-              <a:round/>
-              <a:headEnd type="none" w="med" len="med"/>
-              <a:tailEnd type="none" w="med" len="med"/>
-            </a:ln>
-            <a:effectLst>
-              <a:outerShdw blurRad="44450" dist="27940" dir="5400000" algn="ctr">
-                <a:srgbClr val="000000">
-                  <a:alpha val="32000"/>
-                </a:srgbClr>
-              </a:outerShdw>
-            </a:effectLst>
-            <a:sp3d>
-              <a:bevelT w="190500" h="38100"/>
-            </a:sp3d>
-          </p:spPr>
-          <p:txBody>
-            <a:bodyPr/>
-            <a:lstStyle/>
-            <a:p>
-              <a:pPr>
-                <a:defRPr/>
-              </a:pPr>
-              <a:endParaRPr lang="en-US" dirty="0">
-                <a:solidFill>
-                  <a:schemeClr val="accent6"/>
-                </a:solidFill>
-                <a:ea typeface="+mn-ea"/>
-              </a:endParaRPr>
-            </a:p>
-          </p:txBody>
-        </p:sp>
-        <p:sp>
-          <p:nvSpPr>
-            <p:cNvPr id="18" name="Freeform 12"/>
-            <p:cNvSpPr>
-              <a:spLocks/>
-            </p:cNvSpPr>
-            <p:nvPr/>
-          </p:nvSpPr>
-          <p:spPr bwMode="hidden">
-            <a:xfrm>
-              <a:off x="1797843" y="1840589"/>
-              <a:ext cx="710079" cy="357304"/>
-            </a:xfrm>
-            <a:custGeom>
-              <a:avLst/>
-              <a:gdLst>
-                <a:gd name="T0" fmla="*/ 248 w 248"/>
-                <a:gd name="T1" fmla="*/ 12 h 156"/>
-                <a:gd name="T2" fmla="*/ 0 w 248"/>
-                <a:gd name="T3" fmla="*/ 156 h 156"/>
-                <a:gd name="T4" fmla="*/ 3 w 248"/>
-                <a:gd name="T5" fmla="*/ 131 h 156"/>
-                <a:gd name="T6" fmla="*/ 229 w 248"/>
-                <a:gd name="T7" fmla="*/ 0 h 156"/>
-                <a:gd name="T8" fmla="*/ 248 w 248"/>
-                <a:gd name="T9" fmla="*/ 12 h 156"/>
-                <a:gd name="T10" fmla="*/ 0 60000 65536"/>
-                <a:gd name="T11" fmla="*/ 0 60000 65536"/>
-                <a:gd name="T12" fmla="*/ 0 60000 65536"/>
-                <a:gd name="T13" fmla="*/ 0 60000 65536"/>
-                <a:gd name="T14" fmla="*/ 0 60000 65536"/>
-                <a:gd name="T15" fmla="*/ 0 w 248"/>
-                <a:gd name="T16" fmla="*/ 0 h 156"/>
-                <a:gd name="T17" fmla="*/ 248 w 248"/>
-                <a:gd name="T18" fmla="*/ 156 h 156"/>
-              </a:gdLst>
-              <a:ahLst/>
-              <a:cxnLst>
-                <a:cxn ang="T10">
-                  <a:pos x="T0" y="T1"/>
-                </a:cxn>
-                <a:cxn ang="T11">
-                  <a:pos x="T2" y="T3"/>
-                </a:cxn>
-                <a:cxn ang="T12">
-                  <a:pos x="T4" y="T5"/>
-                </a:cxn>
-                <a:cxn ang="T13">
-                  <a:pos x="T6" y="T7"/>
-                </a:cxn>
-                <a:cxn ang="T14">
-                  <a:pos x="T8" y="T9"/>
-                </a:cxn>
-              </a:cxnLst>
-              <a:rect l="T15" t="T16" r="T17" b="T18"/>
-              <a:pathLst>
-                <a:path w="248" h="156">
-                  <a:moveTo>
-                    <a:pt x="248" y="12"/>
-                  </a:moveTo>
-                  <a:lnTo>
-                    <a:pt x="0" y="156"/>
-                  </a:lnTo>
-                  <a:lnTo>
-                    <a:pt x="3" y="131"/>
-                  </a:lnTo>
-                  <a:lnTo>
-                    <a:pt x="229" y="0"/>
-                  </a:lnTo>
-                  <a:lnTo>
-                    <a:pt x="248" y="12"/>
-                  </a:lnTo>
-                  <a:close/>
-                </a:path>
-              </a:pathLst>
-            </a:custGeom>
-            <a:grpFill/>
-            <a:ln w="28575" cap="flat" cmpd="sng">
-              <a:noFill/>
-              <a:prstDash val="solid"/>
-              <a:round/>
-              <a:headEnd type="none" w="med" len="med"/>
-              <a:tailEnd type="none" w="med" len="med"/>
-            </a:ln>
-            <a:effectLst>
-              <a:outerShdw blurRad="44450" dist="27940" dir="5400000" algn="ctr">
-                <a:srgbClr val="000000">
-                  <a:alpha val="32000"/>
-                </a:srgbClr>
-              </a:outerShdw>
-            </a:effectLst>
-            <a:sp3d>
-              <a:bevelT w="190500" h="38100"/>
-            </a:sp3d>
-          </p:spPr>
-          <p:txBody>
-            <a:bodyPr/>
-            <a:lstStyle/>
-            <a:p>
-              <a:pPr>
-                <a:defRPr/>
-              </a:pPr>
-              <a:endParaRPr lang="en-US" dirty="0">
-                <a:solidFill>
-                  <a:schemeClr val="accent6"/>
-                </a:solidFill>
-                <a:ea typeface="+mn-ea"/>
-              </a:endParaRPr>
-            </a:p>
-          </p:txBody>
-        </p:sp>
-      </p:grpSp>
+      <p:graphicFrame>
+        <p:nvGraphicFramePr>
+          <p:cNvPr id="9" name="Table 8">
+            <a:extLst>
+              <a:ext uri="{FF2B5EF4-FFF2-40B4-BE49-F238E27FC236}">
+                <a16:creationId xmlns:a16="http://schemas.microsoft.com/office/drawing/2014/main" id="{5578732B-1F13-470F-B3CD-718353429994}"/>
+              </a:ext>
+            </a:extLst>
+          </p:cNvPr>
+          <p:cNvGraphicFramePr>
+            <a:graphicFrameLocks noGrp="1"/>
+          </p:cNvGraphicFramePr>
+          <p:nvPr>
+            <p:extLst>
+              <p:ext uri="{D42A27DB-BD31-4B8C-83A1-F6EECF244321}">
+                <p14:modId xmlns:p14="http://schemas.microsoft.com/office/powerpoint/2010/main" val="4067077596"/>
+              </p:ext>
+            </p:extLst>
+          </p:nvPr>
+        </p:nvGraphicFramePr>
+        <p:xfrm>
+          <a:off x="2880360" y="1447543"/>
+          <a:ext cx="3383280" cy="3291840"/>
+        </p:xfrm>
+        <a:graphic>
+          <a:graphicData uri="http://schemas.openxmlformats.org/drawingml/2006/table">
+            <a:tbl>
+              <a:tblPr>
+                <a:tableStyleId>{00A15C55-8517-42AA-B614-E9B94910E393}</a:tableStyleId>
+              </a:tblPr>
+              <a:tblGrid>
+                <a:gridCol w="3383280">
+                  <a:extLst>
+                    <a:ext uri="{9D8B030D-6E8A-4147-A177-3AD203B41FA5}">
+                      <a16:colId xmlns:a16="http://schemas.microsoft.com/office/drawing/2014/main" val="1695728431"/>
+                    </a:ext>
+                  </a:extLst>
+                </a:gridCol>
+              </a:tblGrid>
+              <a:tr h="548640">
+                <a:tc>
+                  <a:txBody>
+                    <a:bodyPr/>
+                    <a:lstStyle/>
+                    <a:p>
+                      <a:pPr>
+                        <a:lnSpc>
+                          <a:spcPct val="100000"/>
+                        </a:lnSpc>
+                        <a:spcAft>
+                          <a:spcPts val="0"/>
+                        </a:spcAft>
+                      </a:pPr>
+                      <a:r>
+                        <a:rPr lang="en-US" sz="2000" b="1" dirty="0">
+                          <a:solidFill>
+                            <a:schemeClr val="tx1"/>
+                          </a:solidFill>
+                        </a:rPr>
+                        <a:t>Array Functions</a:t>
+                      </a:r>
+                    </a:p>
+                  </a:txBody>
+                  <a:tcPr anchor="ctr">
+                    <a:lnB w="12700" cap="flat" cmpd="sng" algn="ctr">
+                      <a:solidFill>
+                        <a:schemeClr val="bg1">
+                          <a:lumMod val="65000"/>
+                        </a:schemeClr>
+                      </a:solidFill>
+                      <a:prstDash val="solid"/>
+                      <a:round/>
+                      <a:headEnd type="none" w="med" len="med"/>
+                      <a:tailEnd type="none" w="med" len="med"/>
+                    </a:lnB>
+                    <a:noFill/>
+                  </a:tcPr>
+                </a:tc>
+                <a:extLst>
+                  <a:ext uri="{0D108BD9-81ED-4DB2-BD59-A6C34878D82A}">
+                    <a16:rowId xmlns:a16="http://schemas.microsoft.com/office/drawing/2014/main" val="2307098774"/>
+                  </a:ext>
+                </a:extLst>
+              </a:tr>
+              <a:tr h="548640">
+                <a:tc>
+                  <a:txBody>
+                    <a:bodyPr/>
+                    <a:lstStyle/>
+                    <a:p>
+                      <a:pPr>
+                        <a:lnSpc>
+                          <a:spcPct val="100000"/>
+                        </a:lnSpc>
+                        <a:spcAft>
+                          <a:spcPts val="0"/>
+                        </a:spcAft>
+                      </a:pPr>
+                      <a:r>
+                        <a:rPr lang="en-US" sz="2000" dirty="0">
+                          <a:solidFill>
+                            <a:schemeClr val="bg1">
+                              <a:lumMod val="65000"/>
+                            </a:schemeClr>
+                          </a:solidFill>
+                        </a:rPr>
+                        <a:t>Data Processing</a:t>
+                      </a:r>
+                    </a:p>
+                  </a:txBody>
+                  <a:tcPr anchor="ctr">
+                    <a:lnT w="12700" cap="flat" cmpd="sng" algn="ctr">
+                      <a:solidFill>
+                        <a:schemeClr val="bg1">
+                          <a:lumMod val="65000"/>
+                        </a:schemeClr>
+                      </a:solidFill>
+                      <a:prstDash val="solid"/>
+                      <a:round/>
+                      <a:headEnd type="none" w="med" len="med"/>
+                      <a:tailEnd type="none" w="med" len="med"/>
+                    </a:lnT>
+                    <a:lnB w="12700" cap="flat" cmpd="sng" algn="ctr">
+                      <a:solidFill>
+                        <a:schemeClr val="bg1">
+                          <a:lumMod val="65000"/>
+                        </a:schemeClr>
+                      </a:solidFill>
+                      <a:prstDash val="solid"/>
+                      <a:round/>
+                      <a:headEnd type="none" w="med" len="med"/>
+                      <a:tailEnd type="none" w="med" len="med"/>
+                    </a:lnB>
+                    <a:noFill/>
+                  </a:tcPr>
+                </a:tc>
+                <a:extLst>
+                  <a:ext uri="{0D108BD9-81ED-4DB2-BD59-A6C34878D82A}">
+                    <a16:rowId xmlns:a16="http://schemas.microsoft.com/office/drawing/2014/main" val="1466711860"/>
+                  </a:ext>
+                </a:extLst>
+              </a:tr>
+              <a:tr h="548640">
+                <a:tc>
+                  <a:txBody>
+                    <a:bodyPr/>
+                    <a:lstStyle/>
+                    <a:p>
+                      <a:pPr>
+                        <a:lnSpc>
+                          <a:spcPct val="100000"/>
+                        </a:lnSpc>
+                        <a:spcAft>
+                          <a:spcPts val="0"/>
+                        </a:spcAft>
+                      </a:pPr>
+                      <a:r>
+                        <a:rPr lang="en-US" sz="2000" dirty="0">
+                          <a:solidFill>
+                            <a:schemeClr val="bg1">
+                              <a:lumMod val="65000"/>
+                            </a:schemeClr>
+                          </a:solidFill>
+                        </a:rPr>
+                        <a:t>File Input Output</a:t>
+                      </a:r>
+                    </a:p>
+                  </a:txBody>
+                  <a:tcPr anchor="ctr">
+                    <a:lnT w="12700" cap="flat" cmpd="sng" algn="ctr">
+                      <a:solidFill>
+                        <a:schemeClr val="bg1">
+                          <a:lumMod val="65000"/>
+                        </a:schemeClr>
+                      </a:solidFill>
+                      <a:prstDash val="solid"/>
+                      <a:round/>
+                      <a:headEnd type="none" w="med" len="med"/>
+                      <a:tailEnd type="none" w="med" len="med"/>
+                    </a:lnT>
+                    <a:lnB w="12700" cap="flat" cmpd="sng" algn="ctr">
+                      <a:solidFill>
+                        <a:schemeClr val="bg1">
+                          <a:lumMod val="65000"/>
+                        </a:schemeClr>
+                      </a:solidFill>
+                      <a:prstDash val="solid"/>
+                      <a:round/>
+                      <a:headEnd type="none" w="med" len="med"/>
+                      <a:tailEnd type="none" w="med" len="med"/>
+                    </a:lnB>
+                    <a:noFill/>
+                  </a:tcPr>
+                </a:tc>
+                <a:extLst>
+                  <a:ext uri="{0D108BD9-81ED-4DB2-BD59-A6C34878D82A}">
+                    <a16:rowId xmlns:a16="http://schemas.microsoft.com/office/drawing/2014/main" val="1924402624"/>
+                  </a:ext>
+                </a:extLst>
+              </a:tr>
+              <a:tr h="548640">
+                <a:tc>
+                  <a:txBody>
+                    <a:bodyPr/>
+                    <a:lstStyle/>
+                    <a:p>
+                      <a:pPr>
+                        <a:lnSpc>
+                          <a:spcPct val="100000"/>
+                        </a:lnSpc>
+                        <a:spcAft>
+                          <a:spcPts val="0"/>
+                        </a:spcAft>
+                      </a:pPr>
+                      <a:r>
+                        <a:rPr lang="en-US" sz="2000" dirty="0">
+                          <a:solidFill>
+                            <a:schemeClr val="bg1">
+                              <a:lumMod val="65000"/>
+                            </a:schemeClr>
+                          </a:solidFill>
+                        </a:rPr>
+                        <a:t>Linear Algebra</a:t>
+                      </a:r>
+                    </a:p>
+                  </a:txBody>
+                  <a:tcPr anchor="ctr">
+                    <a:lnT w="12700" cap="flat" cmpd="sng" algn="ctr">
+                      <a:solidFill>
+                        <a:schemeClr val="bg1">
+                          <a:lumMod val="65000"/>
+                        </a:schemeClr>
+                      </a:solidFill>
+                      <a:prstDash val="solid"/>
+                      <a:round/>
+                      <a:headEnd type="none" w="med" len="med"/>
+                      <a:tailEnd type="none" w="med" len="med"/>
+                    </a:lnT>
+                    <a:lnB w="12700" cap="flat" cmpd="sng" algn="ctr">
+                      <a:solidFill>
+                        <a:schemeClr val="bg1">
+                          <a:lumMod val="65000"/>
+                        </a:schemeClr>
+                      </a:solidFill>
+                      <a:prstDash val="solid"/>
+                      <a:round/>
+                      <a:headEnd type="none" w="med" len="med"/>
+                      <a:tailEnd type="none" w="med" len="med"/>
+                    </a:lnB>
+                    <a:noFill/>
+                  </a:tcPr>
+                </a:tc>
+                <a:extLst>
+                  <a:ext uri="{0D108BD9-81ED-4DB2-BD59-A6C34878D82A}">
+                    <a16:rowId xmlns:a16="http://schemas.microsoft.com/office/drawing/2014/main" val="2634114360"/>
+                  </a:ext>
+                </a:extLst>
+              </a:tr>
+              <a:tr h="548640">
+                <a:tc>
+                  <a:txBody>
+                    <a:bodyPr/>
+                    <a:lstStyle/>
+                    <a:p>
+                      <a:pPr>
+                        <a:lnSpc>
+                          <a:spcPct val="100000"/>
+                        </a:lnSpc>
+                        <a:spcAft>
+                          <a:spcPts val="0"/>
+                        </a:spcAft>
+                      </a:pPr>
+                      <a:r>
+                        <a:rPr lang="en-US" sz="2000" dirty="0">
+                          <a:solidFill>
+                            <a:schemeClr val="bg1">
+                              <a:lumMod val="65000"/>
+                            </a:schemeClr>
+                          </a:solidFill>
+                        </a:rPr>
+                        <a:t>Random Numbers</a:t>
+                      </a:r>
+                    </a:p>
+                  </a:txBody>
+                  <a:tcPr anchor="ctr">
+                    <a:lnT w="12700" cap="flat" cmpd="sng" algn="ctr">
+                      <a:solidFill>
+                        <a:schemeClr val="bg1">
+                          <a:lumMod val="65000"/>
+                        </a:schemeClr>
+                      </a:solidFill>
+                      <a:prstDash val="solid"/>
+                      <a:round/>
+                      <a:headEnd type="none" w="med" len="med"/>
+                      <a:tailEnd type="none" w="med" len="med"/>
+                    </a:lnT>
+                    <a:lnB w="12700" cap="flat" cmpd="sng" algn="ctr">
+                      <a:solidFill>
+                        <a:schemeClr val="bg1">
+                          <a:lumMod val="65000"/>
+                        </a:schemeClr>
+                      </a:solidFill>
+                      <a:prstDash val="solid"/>
+                      <a:round/>
+                      <a:headEnd type="none" w="med" len="med"/>
+                      <a:tailEnd type="none" w="med" len="med"/>
+                    </a:lnB>
+                    <a:noFill/>
+                  </a:tcPr>
+                </a:tc>
+                <a:extLst>
+                  <a:ext uri="{0D108BD9-81ED-4DB2-BD59-A6C34878D82A}">
+                    <a16:rowId xmlns:a16="http://schemas.microsoft.com/office/drawing/2014/main" val="3018257731"/>
+                  </a:ext>
+                </a:extLst>
+              </a:tr>
+              <a:tr h="548640">
+                <a:tc>
+                  <a:txBody>
+                    <a:bodyPr/>
+                    <a:lstStyle/>
+                    <a:p>
+                      <a:pPr>
+                        <a:lnSpc>
+                          <a:spcPct val="100000"/>
+                        </a:lnSpc>
+                        <a:spcAft>
+                          <a:spcPts val="0"/>
+                        </a:spcAft>
+                      </a:pPr>
+                      <a:r>
+                        <a:rPr lang="en-US" sz="2000" dirty="0">
+                          <a:solidFill>
+                            <a:schemeClr val="bg1">
+                              <a:lumMod val="65000"/>
+                            </a:schemeClr>
+                          </a:solidFill>
+                        </a:rPr>
+                        <a:t>Chapter Summary</a:t>
+                      </a:r>
+                    </a:p>
+                  </a:txBody>
+                  <a:tcPr anchor="ctr">
+                    <a:lnT w="12700" cap="flat" cmpd="sng" algn="ctr">
+                      <a:solidFill>
+                        <a:schemeClr val="bg1">
+                          <a:lumMod val="65000"/>
+                        </a:schemeClr>
+                      </a:solidFill>
+                      <a:prstDash val="solid"/>
+                      <a:round/>
+                      <a:headEnd type="none" w="med" len="med"/>
+                      <a:tailEnd type="none" w="med" len="med"/>
+                    </a:lnT>
+                    <a:lnB w="12700" cap="flat" cmpd="sng" algn="ctr">
+                      <a:solidFill>
+                        <a:schemeClr val="bg1">
+                          <a:lumMod val="65000"/>
+                        </a:schemeClr>
+                      </a:solidFill>
+                      <a:prstDash val="solid"/>
+                      <a:round/>
+                      <a:headEnd type="none" w="med" len="med"/>
+                      <a:tailEnd type="none" w="med" len="med"/>
+                    </a:lnB>
+                    <a:noFill/>
+                  </a:tcPr>
+                </a:tc>
+                <a:extLst>
+                  <a:ext uri="{0D108BD9-81ED-4DB2-BD59-A6C34878D82A}">
+                    <a16:rowId xmlns:a16="http://schemas.microsoft.com/office/drawing/2014/main" val="376303497"/>
+                  </a:ext>
+                </a:extLst>
+              </a:tr>
+            </a:tbl>
+          </a:graphicData>
+        </a:graphic>
+      </p:graphicFrame>
     </p:spTree>
     <p:extLst>
       <p:ext uri="{BB962C8B-B14F-4D97-AF65-F5344CB8AC3E}">
@@ -17301,8 +16873,8 @@
         </p:nvSpPr>
         <p:spPr bwMode="auto">
           <a:xfrm>
-            <a:off x="931213" y="2771193"/>
-            <a:ext cx="4627610" cy="2308324"/>
+            <a:off x="2086707" y="2771193"/>
+            <a:ext cx="3472115" cy="2308324"/>
           </a:xfrm>
           <a:prstGeom prst="rect">
             <a:avLst/>
@@ -17454,7 +17026,7 @@
               <a:t> </a:t>
             </a:r>
             <a:r>
-              <a:rPr lang="en-US" sz="1800" b="1" dirty="0" err="1">
+              <a:rPr lang="en-US" sz="1800" b="1" dirty="0">
                 <a:solidFill>
                   <a:schemeClr val="tx1"/>
                 </a:solidFill>
@@ -17672,7 +17244,7 @@
               <a:t>Access </a:t>
             </a:r>
             <a:r>
-              <a:rPr lang="en-US" sz="1600" dirty="0" err="1">
+              <a:rPr lang="en-US" sz="1600" dirty="0">
                 <a:solidFill>
                   <a:schemeClr val="tx1"/>
                 </a:solidFill>
@@ -17750,7 +17322,7 @@
               <a:t>Create </a:t>
             </a:r>
             <a:r>
-              <a:rPr lang="en-US" sz="1600" dirty="0" err="1">
+              <a:rPr lang="en-US" sz="1600" dirty="0">
                 <a:solidFill>
                   <a:schemeClr val="tx1"/>
                 </a:solidFill>
@@ -17870,7 +17442,7 @@
           <a:p>
             <a:r>
               <a:rPr lang="en-US" dirty="0"/>
-              <a:t>Nested sequences, e.g., list of lists are converted to a multidimensional array</a:t>
+              <a:t>Nested sequences, e.g., list of lists are converted to a multi-dimensional array</a:t>
             </a:r>
           </a:p>
           <a:p>
@@ -17889,6 +17461,7 @@
             <a:endParaRPr lang="en-US" dirty="0"/>
           </a:p>
           <a:p>
+            <a:pPr lvl="1"/>
             <a:endParaRPr lang="en-US" dirty="0"/>
           </a:p>
           <a:p>
@@ -17923,8 +17496,8 @@
         </p:nvSpPr>
         <p:spPr bwMode="auto">
           <a:xfrm>
-            <a:off x="1920223" y="1616459"/>
-            <a:ext cx="5303554" cy="2031325"/>
+            <a:off x="2396189" y="1897811"/>
+            <a:ext cx="4351623" cy="2031325"/>
           </a:xfrm>
           <a:prstGeom prst="rect">
             <a:avLst/>
@@ -18154,8 +17727,8 @@
         </p:nvSpPr>
         <p:spPr bwMode="auto">
           <a:xfrm>
-            <a:off x="2802597" y="4975775"/>
-            <a:ext cx="3538806" cy="646331"/>
+            <a:off x="3120186" y="5069559"/>
+            <a:ext cx="2903628" cy="646331"/>
           </a:xfrm>
           <a:prstGeom prst="rect">
             <a:avLst/>
@@ -18455,8 +18028,8 @@
         </p:nvSpPr>
         <p:spPr bwMode="auto">
           <a:xfrm>
-            <a:off x="1045842" y="2548749"/>
-            <a:ext cx="5083349" cy="3139321"/>
+            <a:off x="1045843" y="2548749"/>
+            <a:ext cx="4288158" cy="3139321"/>
           </a:xfrm>
           <a:prstGeom prst="rect">
             <a:avLst/>
@@ -18971,11 +18544,11 @@
               <a:rPr lang="en-US" dirty="0">
                 <a:hlinkClick r:id="rId3"/>
               </a:rPr>
-              <a:t>https://docs.scipy.org/doc/numpy-dev/user/basics.types.html</a:t>
+              <a:t>https://docs.scipy.org/doc/numpy/user/basics.types.html</a:t>
             </a:r>
             <a:r>
               <a:rPr lang="en-US" dirty="0"/>
-              <a:t> </a:t>
+              <a:t>  </a:t>
             </a:r>
           </a:p>
           <a:p>
@@ -18993,8 +18566,8 @@
         </p:nvSpPr>
         <p:spPr bwMode="auto">
           <a:xfrm>
-            <a:off x="611052" y="2855896"/>
-            <a:ext cx="8014996" cy="2308324"/>
+            <a:off x="939296" y="2832450"/>
+            <a:ext cx="6938610" cy="2308324"/>
           </a:xfrm>
           <a:prstGeom prst="rect">
             <a:avLst/>
@@ -19242,16 +18815,6 @@
           </a:p>
           <a:p>
             <a:r>
-              <a:rPr lang="en-US" sz="1800" dirty="0" err="1">
-                <a:solidFill>
-                  <a:schemeClr val="tx1"/>
-                </a:solidFill>
-                <a:latin typeface="Courier New"/>
-                <a:cs typeface="Courier New"/>
-              </a:rPr>
-              <a:t>dtype</a:t>
-            </a:r>
-            <a:r>
               <a:rPr lang="en-US" sz="1800" dirty="0">
                 <a:solidFill>
                   <a:schemeClr val="tx1"/>
@@ -19259,7 +18822,7 @@
                 <a:latin typeface="Courier New"/>
                 <a:cs typeface="Courier New"/>
               </a:rPr>
-              <a:t>('float64')</a:t>
+              <a:t>dtype('float64')</a:t>
             </a:r>
           </a:p>
           <a:p>
@@ -19283,7 +18846,7 @@
         </p:nvSpPr>
         <p:spPr bwMode="auto">
           <a:xfrm>
-            <a:off x="5765885" y="4173412"/>
+            <a:off x="6094129" y="4149966"/>
             <a:ext cx="2070938" cy="338554"/>
           </a:xfrm>
           <a:prstGeom prst="wedgeRectCallout">
@@ -19376,28 +18939,17 @@
           <a:p>
             <a:r>
               <a:rPr lang="en-US" altLang="en-US" dirty="0"/>
-              <a:t>Please turn to the Exercise Manual and complete </a:t>
-            </a:r>
-            <a:r>
-              <a:rPr lang="en-US" altLang="en-US" b="1" dirty="0"/>
-              <a:t>E</a:t>
-            </a:r>
-            <a:r>
-              <a:rPr altLang="en-US" b="1" dirty="0"/>
+              <a:t>Please turn to the Exercise Manual and complete E</a:t>
+            </a:r>
+            <a:r>
+              <a:rPr altLang="en-US" dirty="0"/>
               <a:t>xercise</a:t>
             </a:r>
             <a:r>
-              <a:rPr lang="en-US" altLang="en-US" b="1" dirty="0"/>
-              <a:t> 2.1: </a:t>
-            </a:r>
-            <a:br>
-              <a:rPr lang="en-US" altLang="en-US" b="1" dirty="0"/>
-            </a:br>
-            <a:r>
-              <a:rPr lang="en-US" altLang="en-US" b="1" dirty="0"/>
-              <a:t>Array Creation</a:t>
-            </a:r>
-            <a:endParaRPr altLang="en-US" b="1" dirty="0">
+              <a:rPr lang="en-US" altLang="en-US" dirty="0"/>
+              <a:t> 2.1</a:t>
+            </a:r>
+            <a:endParaRPr altLang="en-US" dirty="0">
               <a:latin typeface="Courier New" panose="02070309020205020404" pitchFamily="49" charset="0"/>
               <a:cs typeface="Courier New" panose="02070309020205020404" pitchFamily="49" charset="0"/>
             </a:endParaRPr>
@@ -19421,7 +18973,7 @@
           <a:p>
             <a:r>
               <a:rPr lang="en-US" altLang="en-US" dirty="0"/>
-              <a:t>Exercise 2.1</a:t>
+              <a:t>Exercise 2.1: Array Creation</a:t>
             </a:r>
           </a:p>
         </p:txBody>
@@ -19478,436 +19030,384 @@
           </a:p>
         </p:txBody>
       </p:sp>
-      <p:sp>
-        <p:nvSpPr>
-          <p:cNvPr id="10" name="Text Placeholder 2"/>
-          <p:cNvSpPr>
-            <a:spLocks noGrp="1"/>
-          </p:cNvSpPr>
+      <p:graphicFrame>
+        <p:nvGraphicFramePr>
+          <p:cNvPr id="9" name="Table 8">
+            <a:extLst>
+              <a:ext uri="{FF2B5EF4-FFF2-40B4-BE49-F238E27FC236}">
+                <a16:creationId xmlns:a16="http://schemas.microsoft.com/office/drawing/2014/main" id="{494327A3-9065-4526-8BA1-5B5FB2C04E93}"/>
+              </a:ext>
+            </a:extLst>
+          </p:cNvPr>
+          <p:cNvGraphicFramePr>
+            <a:graphicFrameLocks noGrp="1"/>
+          </p:cNvGraphicFramePr>
           <p:nvPr>
-            <p:ph type="body" sz="quarter" idx="11"/>
+            <p:extLst>
+              <p:ext uri="{D42A27DB-BD31-4B8C-83A1-F6EECF244321}">
+                <p14:modId xmlns:p14="http://schemas.microsoft.com/office/powerpoint/2010/main" val="235820795"/>
+              </p:ext>
+            </p:extLst>
           </p:nvPr>
-        </p:nvSpPr>
-        <p:spPr>
-          <a:xfrm>
-            <a:off x="3511998" y="1540925"/>
-            <a:ext cx="5478094" cy="4101913"/>
-          </a:xfrm>
-        </p:spPr>
-        <p:txBody>
-          <a:bodyPr/>
-          <a:lstStyle/>
-          <a:p>
-            <a:pPr eaLnBrk="1" hangingPunct="1"/>
-            <a:r>
-              <a:rPr lang="en-US" altLang="en-US" b="0" dirty="0"/>
-              <a:t>Array Functions</a:t>
-            </a:r>
-          </a:p>
-          <a:p>
-            <a:pPr lvl="1" eaLnBrk="1" hangingPunct="1"/>
-            <a:r>
-              <a:rPr lang="en-US" altLang="en-US" b="1" dirty="0"/>
-              <a:t>Data Processing</a:t>
-            </a:r>
-          </a:p>
-          <a:p>
-            <a:pPr lvl="1" eaLnBrk="1" hangingPunct="1"/>
-            <a:r>
-              <a:rPr lang="en-US" altLang="en-US" dirty="0"/>
-              <a:t>File Input Output</a:t>
-            </a:r>
-          </a:p>
-          <a:p>
-            <a:pPr lvl="1" eaLnBrk="1" hangingPunct="1"/>
-            <a:r>
-              <a:rPr lang="en-US" altLang="en-US" dirty="0"/>
-              <a:t>Linear Algebra</a:t>
-            </a:r>
-          </a:p>
-          <a:p>
-            <a:pPr lvl="1" eaLnBrk="1" hangingPunct="1"/>
-            <a:r>
-              <a:rPr lang="en-US" altLang="en-US" dirty="0"/>
-              <a:t>Random Numbers</a:t>
-            </a:r>
-          </a:p>
-          <a:p>
-            <a:pPr lvl="1" eaLnBrk="1" hangingPunct="1"/>
-            <a:r>
-              <a:rPr lang="en-US" altLang="en-US" dirty="0"/>
-              <a:t>Chapter Summary</a:t>
-            </a:r>
-          </a:p>
-        </p:txBody>
-      </p:sp>
-      <p:grpSp>
-        <p:nvGrpSpPr>
-          <p:cNvPr id="11" name="Group 10"/>
-          <p:cNvGrpSpPr/>
-          <p:nvPr/>
-        </p:nvGrpSpPr>
-        <p:grpSpPr>
-          <a:xfrm>
-            <a:off x="3101676" y="2259508"/>
-            <a:ext cx="410322" cy="377482"/>
-            <a:chOff x="1766887" y="1515010"/>
-            <a:chExt cx="741316" cy="700622"/>
-          </a:xfrm>
-          <a:solidFill>
-            <a:schemeClr val="accent4"/>
-          </a:solidFill>
-          <a:scene3d>
-            <a:camera prst="orthographicFront">
-              <a:rot lat="0" lon="0" rev="0"/>
-            </a:camera>
-            <a:lightRig rig="balanced" dir="t">
-              <a:rot lat="0" lon="0" rev="8700000"/>
-            </a:lightRig>
-          </a:scene3d>
-        </p:grpSpPr>
-        <p:sp>
-          <p:nvSpPr>
-            <p:cNvPr id="12" name="AutoShape 10"/>
-            <p:cNvSpPr>
-              <a:spLocks noChangeArrowheads="1"/>
-            </p:cNvSpPr>
-            <p:nvPr/>
-          </p:nvSpPr>
-          <p:spPr bwMode="black">
-            <a:xfrm rot="5400000">
-              <a:off x="1787234" y="1494663"/>
-              <a:ext cx="700622" cy="741316"/>
-            </a:xfrm>
-            <a:custGeom>
-              <a:avLst/>
-              <a:gdLst>
-                <a:gd name="connsiteX0" fmla="*/ 0 w 264955"/>
-                <a:gd name="connsiteY0" fmla="*/ 311498 h 311498"/>
-                <a:gd name="connsiteX1" fmla="*/ 132478 w 264955"/>
-                <a:gd name="connsiteY1" fmla="*/ 0 h 311498"/>
-                <a:gd name="connsiteX2" fmla="*/ 264955 w 264955"/>
-                <a:gd name="connsiteY2" fmla="*/ 311498 h 311498"/>
-                <a:gd name="connsiteX3" fmla="*/ 0 w 264955"/>
-                <a:gd name="connsiteY3" fmla="*/ 311498 h 311498"/>
-                <a:gd name="connsiteX0" fmla="*/ 0 w 264955"/>
-                <a:gd name="connsiteY0" fmla="*/ 311498 h 312908"/>
-                <a:gd name="connsiteX1" fmla="*/ 132478 w 264955"/>
-                <a:gd name="connsiteY1" fmla="*/ 0 h 312908"/>
-                <a:gd name="connsiteX2" fmla="*/ 264955 w 264955"/>
-                <a:gd name="connsiteY2" fmla="*/ 311498 h 312908"/>
-                <a:gd name="connsiteX3" fmla="*/ 124553 w 264955"/>
-                <a:gd name="connsiteY3" fmla="*/ 312908 h 312908"/>
-                <a:gd name="connsiteX4" fmla="*/ 0 w 264955"/>
-                <a:gd name="connsiteY4" fmla="*/ 311498 h 312908"/>
-                <a:gd name="connsiteX0" fmla="*/ 0 w 264955"/>
-                <a:gd name="connsiteY0" fmla="*/ 311498 h 311498"/>
-                <a:gd name="connsiteX1" fmla="*/ 132478 w 264955"/>
-                <a:gd name="connsiteY1" fmla="*/ 0 h 311498"/>
-                <a:gd name="connsiteX2" fmla="*/ 264955 w 264955"/>
-                <a:gd name="connsiteY2" fmla="*/ 311498 h 311498"/>
-                <a:gd name="connsiteX3" fmla="*/ 138844 w 264955"/>
-                <a:gd name="connsiteY3" fmla="*/ 253377 h 311498"/>
-                <a:gd name="connsiteX4" fmla="*/ 0 w 264955"/>
-                <a:gd name="connsiteY4" fmla="*/ 311498 h 311498"/>
-              </a:gdLst>
-              <a:ahLst/>
-              <a:cxnLst>
-                <a:cxn ang="0">
-                  <a:pos x="connsiteX0" y="connsiteY0"/>
-                </a:cxn>
-                <a:cxn ang="0">
-                  <a:pos x="connsiteX1" y="connsiteY1"/>
-                </a:cxn>
-                <a:cxn ang="0">
-                  <a:pos x="connsiteX2" y="connsiteY2"/>
-                </a:cxn>
-                <a:cxn ang="0">
-                  <a:pos x="connsiteX3" y="connsiteY3"/>
-                </a:cxn>
-                <a:cxn ang="0">
-                  <a:pos x="connsiteX4" y="connsiteY4"/>
-                </a:cxn>
-              </a:cxnLst>
-              <a:rect l="l" t="t" r="r" b="b"/>
-              <a:pathLst>
-                <a:path w="264955" h="311498">
-                  <a:moveTo>
-                    <a:pt x="0" y="311498"/>
-                  </a:moveTo>
-                  <a:lnTo>
-                    <a:pt x="132478" y="0"/>
-                  </a:lnTo>
-                  <a:lnTo>
-                    <a:pt x="264955" y="311498"/>
-                  </a:lnTo>
-                  <a:lnTo>
-                    <a:pt x="138844" y="253377"/>
-                  </a:lnTo>
-                  <a:lnTo>
-                    <a:pt x="0" y="311498"/>
-                  </a:lnTo>
-                  <a:close/>
-                </a:path>
-              </a:pathLst>
-            </a:custGeom>
-            <a:grpFill/>
-            <a:ln w="19050">
-              <a:noFill/>
-              <a:miter lim="800000"/>
-              <a:headEnd/>
-              <a:tailEnd/>
-            </a:ln>
-            <a:effectLst>
-              <a:outerShdw blurRad="44450" dist="27940" dir="5400000" algn="ctr">
-                <a:srgbClr val="000000">
-                  <a:alpha val="32000"/>
-                </a:srgbClr>
-              </a:outerShdw>
-            </a:effectLst>
-            <a:sp3d>
-              <a:bevelT w="190500" h="38100"/>
-            </a:sp3d>
-          </p:spPr>
-          <p:txBody>
-            <a:bodyPr rot="10800000" vert="eaVert" wrap="none" anchor="ctr"/>
-            <a:lstStyle/>
-            <a:p>
-              <a:pPr>
-                <a:defRPr/>
-              </a:pPr>
-              <a:endParaRPr lang="en-GB" dirty="0">
-                <a:solidFill>
-                  <a:schemeClr val="accent6"/>
-                </a:solidFill>
-                <a:ea typeface="+mn-ea"/>
-              </a:endParaRPr>
-            </a:p>
-          </p:txBody>
-        </p:sp>
-        <p:sp>
-          <p:nvSpPr>
-            <p:cNvPr id="14" name="Freeform 11"/>
-            <p:cNvSpPr>
-              <a:spLocks/>
-            </p:cNvSpPr>
-            <p:nvPr/>
-          </p:nvSpPr>
-          <p:spPr bwMode="hidden">
-            <a:xfrm>
-              <a:off x="1802606" y="1545430"/>
-              <a:ext cx="701117" cy="344477"/>
-            </a:xfrm>
-            <a:custGeom>
-              <a:avLst/>
-              <a:gdLst>
-                <a:gd name="T0" fmla="*/ 0 w 245"/>
-                <a:gd name="T1" fmla="*/ 0 h 158"/>
-                <a:gd name="T2" fmla="*/ 245 w 245"/>
-                <a:gd name="T3" fmla="*/ 146 h 158"/>
-                <a:gd name="T4" fmla="*/ 226 w 245"/>
-                <a:gd name="T5" fmla="*/ 158 h 158"/>
-                <a:gd name="T6" fmla="*/ 0 w 245"/>
-                <a:gd name="T7" fmla="*/ 23 h 158"/>
-                <a:gd name="T8" fmla="*/ 0 w 245"/>
-                <a:gd name="T9" fmla="*/ 0 h 158"/>
-                <a:gd name="T10" fmla="*/ 0 60000 65536"/>
-                <a:gd name="T11" fmla="*/ 0 60000 65536"/>
-                <a:gd name="T12" fmla="*/ 0 60000 65536"/>
-                <a:gd name="T13" fmla="*/ 0 60000 65536"/>
-                <a:gd name="T14" fmla="*/ 0 60000 65536"/>
-                <a:gd name="T15" fmla="*/ 0 w 245"/>
-                <a:gd name="T16" fmla="*/ 0 h 158"/>
-                <a:gd name="T17" fmla="*/ 245 w 245"/>
-                <a:gd name="T18" fmla="*/ 158 h 158"/>
-              </a:gdLst>
-              <a:ahLst/>
-              <a:cxnLst>
-                <a:cxn ang="T10">
-                  <a:pos x="T0" y="T1"/>
-                </a:cxn>
-                <a:cxn ang="T11">
-                  <a:pos x="T2" y="T3"/>
-                </a:cxn>
-                <a:cxn ang="T12">
-                  <a:pos x="T4" y="T5"/>
-                </a:cxn>
-                <a:cxn ang="T13">
-                  <a:pos x="T6" y="T7"/>
-                </a:cxn>
-                <a:cxn ang="T14">
-                  <a:pos x="T8" y="T9"/>
-                </a:cxn>
-              </a:cxnLst>
-              <a:rect l="T15" t="T16" r="T17" b="T18"/>
-              <a:pathLst>
-                <a:path w="245" h="158">
-                  <a:moveTo>
-                    <a:pt x="0" y="0"/>
-                  </a:moveTo>
-                  <a:lnTo>
-                    <a:pt x="245" y="146"/>
-                  </a:lnTo>
-                  <a:lnTo>
-                    <a:pt x="226" y="158"/>
-                  </a:lnTo>
-                  <a:lnTo>
-                    <a:pt x="0" y="23"/>
-                  </a:lnTo>
-                  <a:lnTo>
-                    <a:pt x="0" y="0"/>
-                  </a:lnTo>
-                  <a:close/>
-                </a:path>
-              </a:pathLst>
-            </a:custGeom>
-            <a:grpFill/>
-            <a:ln w="28575" cap="flat" cmpd="sng">
-              <a:noFill/>
-              <a:prstDash val="solid"/>
-              <a:round/>
-              <a:headEnd type="none" w="med" len="med"/>
-              <a:tailEnd type="none" w="med" len="med"/>
-            </a:ln>
-            <a:effectLst>
-              <a:outerShdw blurRad="44450" dist="27940" dir="5400000" algn="ctr">
-                <a:srgbClr val="000000">
-                  <a:alpha val="32000"/>
-                </a:srgbClr>
-              </a:outerShdw>
-            </a:effectLst>
-            <a:sp3d>
-              <a:bevelT w="190500" h="38100"/>
-            </a:sp3d>
-          </p:spPr>
-          <p:txBody>
-            <a:bodyPr/>
-            <a:lstStyle/>
-            <a:p>
-              <a:pPr>
-                <a:defRPr/>
-              </a:pPr>
-              <a:endParaRPr lang="en-US" dirty="0">
-                <a:solidFill>
-                  <a:schemeClr val="accent6"/>
-                </a:solidFill>
-                <a:ea typeface="+mn-ea"/>
-              </a:endParaRPr>
-            </a:p>
-          </p:txBody>
-        </p:sp>
-        <p:sp>
-          <p:nvSpPr>
-            <p:cNvPr id="15" name="Freeform 12"/>
-            <p:cNvSpPr>
-              <a:spLocks/>
-            </p:cNvSpPr>
-            <p:nvPr/>
-          </p:nvSpPr>
-          <p:spPr bwMode="hidden">
-            <a:xfrm>
-              <a:off x="1797843" y="1840589"/>
-              <a:ext cx="710079" cy="357304"/>
-            </a:xfrm>
-            <a:custGeom>
-              <a:avLst/>
-              <a:gdLst>
-                <a:gd name="T0" fmla="*/ 248 w 248"/>
-                <a:gd name="T1" fmla="*/ 12 h 156"/>
-                <a:gd name="T2" fmla="*/ 0 w 248"/>
-                <a:gd name="T3" fmla="*/ 156 h 156"/>
-                <a:gd name="T4" fmla="*/ 3 w 248"/>
-                <a:gd name="T5" fmla="*/ 131 h 156"/>
-                <a:gd name="T6" fmla="*/ 229 w 248"/>
-                <a:gd name="T7" fmla="*/ 0 h 156"/>
-                <a:gd name="T8" fmla="*/ 248 w 248"/>
-                <a:gd name="T9" fmla="*/ 12 h 156"/>
-                <a:gd name="T10" fmla="*/ 0 60000 65536"/>
-                <a:gd name="T11" fmla="*/ 0 60000 65536"/>
-                <a:gd name="T12" fmla="*/ 0 60000 65536"/>
-                <a:gd name="T13" fmla="*/ 0 60000 65536"/>
-                <a:gd name="T14" fmla="*/ 0 60000 65536"/>
-                <a:gd name="T15" fmla="*/ 0 w 248"/>
-                <a:gd name="T16" fmla="*/ 0 h 156"/>
-                <a:gd name="T17" fmla="*/ 248 w 248"/>
-                <a:gd name="T18" fmla="*/ 156 h 156"/>
-              </a:gdLst>
-              <a:ahLst/>
-              <a:cxnLst>
-                <a:cxn ang="T10">
-                  <a:pos x="T0" y="T1"/>
-                </a:cxn>
-                <a:cxn ang="T11">
-                  <a:pos x="T2" y="T3"/>
-                </a:cxn>
-                <a:cxn ang="T12">
-                  <a:pos x="T4" y="T5"/>
-                </a:cxn>
-                <a:cxn ang="T13">
-                  <a:pos x="T6" y="T7"/>
-                </a:cxn>
-                <a:cxn ang="T14">
-                  <a:pos x="T8" y="T9"/>
-                </a:cxn>
-              </a:cxnLst>
-              <a:rect l="T15" t="T16" r="T17" b="T18"/>
-              <a:pathLst>
-                <a:path w="248" h="156">
-                  <a:moveTo>
-                    <a:pt x="248" y="12"/>
-                  </a:moveTo>
-                  <a:lnTo>
-                    <a:pt x="0" y="156"/>
-                  </a:lnTo>
-                  <a:lnTo>
-                    <a:pt x="3" y="131"/>
-                  </a:lnTo>
-                  <a:lnTo>
-                    <a:pt x="229" y="0"/>
-                  </a:lnTo>
-                  <a:lnTo>
-                    <a:pt x="248" y="12"/>
-                  </a:lnTo>
-                  <a:close/>
-                </a:path>
-              </a:pathLst>
-            </a:custGeom>
-            <a:grpFill/>
-            <a:ln w="28575" cap="flat" cmpd="sng">
-              <a:noFill/>
-              <a:prstDash val="solid"/>
-              <a:round/>
-              <a:headEnd type="none" w="med" len="med"/>
-              <a:tailEnd type="none" w="med" len="med"/>
-            </a:ln>
-            <a:effectLst>
-              <a:outerShdw blurRad="44450" dist="27940" dir="5400000" algn="ctr">
-                <a:srgbClr val="000000">
-                  <a:alpha val="32000"/>
-                </a:srgbClr>
-              </a:outerShdw>
-            </a:effectLst>
-            <a:sp3d>
-              <a:bevelT w="190500" h="38100"/>
-            </a:sp3d>
-          </p:spPr>
-          <p:txBody>
-            <a:bodyPr/>
-            <a:lstStyle/>
-            <a:p>
-              <a:pPr>
-                <a:defRPr/>
-              </a:pPr>
-              <a:endParaRPr lang="en-US" dirty="0">
-                <a:solidFill>
-                  <a:schemeClr val="accent6"/>
-                </a:solidFill>
-                <a:ea typeface="+mn-ea"/>
-              </a:endParaRPr>
-            </a:p>
-          </p:txBody>
-        </p:sp>
-      </p:grpSp>
+        </p:nvGraphicFramePr>
+        <p:xfrm>
+          <a:off x="2880360" y="1447543"/>
+          <a:ext cx="3383280" cy="3291840"/>
+        </p:xfrm>
+        <a:graphic>
+          <a:graphicData uri="http://schemas.openxmlformats.org/drawingml/2006/table">
+            <a:tbl>
+              <a:tblPr>
+                <a:tableStyleId>{00A15C55-8517-42AA-B614-E9B94910E393}</a:tableStyleId>
+              </a:tblPr>
+              <a:tblGrid>
+                <a:gridCol w="3383280">
+                  <a:extLst>
+                    <a:ext uri="{9D8B030D-6E8A-4147-A177-3AD203B41FA5}">
+                      <a16:colId xmlns:a16="http://schemas.microsoft.com/office/drawing/2014/main" val="1695728431"/>
+                    </a:ext>
+                  </a:extLst>
+                </a:gridCol>
+              </a:tblGrid>
+              <a:tr h="548640">
+                <a:tc>
+                  <a:txBody>
+                    <a:bodyPr/>
+                    <a:lstStyle/>
+                    <a:p>
+                      <a:pPr>
+                        <a:lnSpc>
+                          <a:spcPct val="100000"/>
+                        </a:lnSpc>
+                        <a:spcAft>
+                          <a:spcPts val="0"/>
+                        </a:spcAft>
+                      </a:pPr>
+                      <a:r>
+                        <a:rPr lang="en-US" sz="2000" b="0" dirty="0">
+                          <a:solidFill>
+                            <a:schemeClr val="bg1">
+                              <a:lumMod val="65000"/>
+                            </a:schemeClr>
+                          </a:solidFill>
+                        </a:rPr>
+                        <a:t>Array Functions</a:t>
+                      </a:r>
+                    </a:p>
+                  </a:txBody>
+                  <a:tcPr anchor="ctr">
+                    <a:lnB w="12700" cap="flat" cmpd="sng" algn="ctr">
+                      <a:solidFill>
+                        <a:schemeClr val="bg1">
+                          <a:lumMod val="65000"/>
+                        </a:schemeClr>
+                      </a:solidFill>
+                      <a:prstDash val="solid"/>
+                      <a:round/>
+                      <a:headEnd type="none" w="med" len="med"/>
+                      <a:tailEnd type="none" w="med" len="med"/>
+                    </a:lnB>
+                    <a:noFill/>
+                  </a:tcPr>
+                </a:tc>
+                <a:extLst>
+                  <a:ext uri="{0D108BD9-81ED-4DB2-BD59-A6C34878D82A}">
+                    <a16:rowId xmlns:a16="http://schemas.microsoft.com/office/drawing/2014/main" val="2307098774"/>
+                  </a:ext>
+                </a:extLst>
+              </a:tr>
+              <a:tr h="548640">
+                <a:tc>
+                  <a:txBody>
+                    <a:bodyPr/>
+                    <a:lstStyle/>
+                    <a:p>
+                      <a:pPr>
+                        <a:lnSpc>
+                          <a:spcPct val="100000"/>
+                        </a:lnSpc>
+                        <a:spcAft>
+                          <a:spcPts val="0"/>
+                        </a:spcAft>
+                      </a:pPr>
+                      <a:r>
+                        <a:rPr lang="en-US" sz="2000" b="1" dirty="0">
+                          <a:solidFill>
+                            <a:schemeClr val="tx1"/>
+                          </a:solidFill>
+                        </a:rPr>
+                        <a:t>Data Processing</a:t>
+                      </a:r>
+                    </a:p>
+                  </a:txBody>
+                  <a:tcPr anchor="ctr">
+                    <a:lnT w="12700" cap="flat" cmpd="sng" algn="ctr">
+                      <a:solidFill>
+                        <a:schemeClr val="bg1">
+                          <a:lumMod val="65000"/>
+                        </a:schemeClr>
+                      </a:solidFill>
+                      <a:prstDash val="solid"/>
+                      <a:round/>
+                      <a:headEnd type="none" w="med" len="med"/>
+                      <a:tailEnd type="none" w="med" len="med"/>
+                    </a:lnT>
+                    <a:lnB w="12700" cap="flat" cmpd="sng" algn="ctr">
+                      <a:solidFill>
+                        <a:schemeClr val="bg1">
+                          <a:lumMod val="65000"/>
+                        </a:schemeClr>
+                      </a:solidFill>
+                      <a:prstDash val="solid"/>
+                      <a:round/>
+                      <a:headEnd type="none" w="med" len="med"/>
+                      <a:tailEnd type="none" w="med" len="med"/>
+                    </a:lnB>
+                    <a:noFill/>
+                  </a:tcPr>
+                </a:tc>
+                <a:extLst>
+                  <a:ext uri="{0D108BD9-81ED-4DB2-BD59-A6C34878D82A}">
+                    <a16:rowId xmlns:a16="http://schemas.microsoft.com/office/drawing/2014/main" val="1466711860"/>
+                  </a:ext>
+                </a:extLst>
+              </a:tr>
+              <a:tr h="548640">
+                <a:tc>
+                  <a:txBody>
+                    <a:bodyPr/>
+                    <a:lstStyle/>
+                    <a:p>
+                      <a:pPr>
+                        <a:lnSpc>
+                          <a:spcPct val="100000"/>
+                        </a:lnSpc>
+                        <a:spcAft>
+                          <a:spcPts val="0"/>
+                        </a:spcAft>
+                      </a:pPr>
+                      <a:r>
+                        <a:rPr lang="en-US" sz="2000" dirty="0">
+                          <a:solidFill>
+                            <a:schemeClr val="bg1">
+                              <a:lumMod val="65000"/>
+                            </a:schemeClr>
+                          </a:solidFill>
+                        </a:rPr>
+                        <a:t>File Input Output</a:t>
+                      </a:r>
+                    </a:p>
+                  </a:txBody>
+                  <a:tcPr anchor="ctr">
+                    <a:lnT w="12700" cap="flat" cmpd="sng" algn="ctr">
+                      <a:solidFill>
+                        <a:schemeClr val="bg1">
+                          <a:lumMod val="65000"/>
+                        </a:schemeClr>
+                      </a:solidFill>
+                      <a:prstDash val="solid"/>
+                      <a:round/>
+                      <a:headEnd type="none" w="med" len="med"/>
+                      <a:tailEnd type="none" w="med" len="med"/>
+                    </a:lnT>
+                    <a:lnB w="12700" cap="flat" cmpd="sng" algn="ctr">
+                      <a:solidFill>
+                        <a:schemeClr val="bg1">
+                          <a:lumMod val="65000"/>
+                        </a:schemeClr>
+                      </a:solidFill>
+                      <a:prstDash val="solid"/>
+                      <a:round/>
+                      <a:headEnd type="none" w="med" len="med"/>
+                      <a:tailEnd type="none" w="med" len="med"/>
+                    </a:lnB>
+                    <a:noFill/>
+                  </a:tcPr>
+                </a:tc>
+                <a:extLst>
+                  <a:ext uri="{0D108BD9-81ED-4DB2-BD59-A6C34878D82A}">
+                    <a16:rowId xmlns:a16="http://schemas.microsoft.com/office/drawing/2014/main" val="1924402624"/>
+                  </a:ext>
+                </a:extLst>
+              </a:tr>
+              <a:tr h="548640">
+                <a:tc>
+                  <a:txBody>
+                    <a:bodyPr/>
+                    <a:lstStyle/>
+                    <a:p>
+                      <a:pPr>
+                        <a:lnSpc>
+                          <a:spcPct val="100000"/>
+                        </a:lnSpc>
+                        <a:spcAft>
+                          <a:spcPts val="0"/>
+                        </a:spcAft>
+                      </a:pPr>
+                      <a:r>
+                        <a:rPr lang="en-US" sz="2000" dirty="0">
+                          <a:solidFill>
+                            <a:schemeClr val="bg1">
+                              <a:lumMod val="65000"/>
+                            </a:schemeClr>
+                          </a:solidFill>
+                        </a:rPr>
+                        <a:t>Linear Algebra</a:t>
+                      </a:r>
+                    </a:p>
+                  </a:txBody>
+                  <a:tcPr anchor="ctr">
+                    <a:lnT w="12700" cap="flat" cmpd="sng" algn="ctr">
+                      <a:solidFill>
+                        <a:schemeClr val="bg1">
+                          <a:lumMod val="65000"/>
+                        </a:schemeClr>
+                      </a:solidFill>
+                      <a:prstDash val="solid"/>
+                      <a:round/>
+                      <a:headEnd type="none" w="med" len="med"/>
+                      <a:tailEnd type="none" w="med" len="med"/>
+                    </a:lnT>
+                    <a:lnB w="12700" cap="flat" cmpd="sng" algn="ctr">
+                      <a:solidFill>
+                        <a:schemeClr val="bg1">
+                          <a:lumMod val="65000"/>
+                        </a:schemeClr>
+                      </a:solidFill>
+                      <a:prstDash val="solid"/>
+                      <a:round/>
+                      <a:headEnd type="none" w="med" len="med"/>
+                      <a:tailEnd type="none" w="med" len="med"/>
+                    </a:lnB>
+                    <a:noFill/>
+                  </a:tcPr>
+                </a:tc>
+                <a:extLst>
+                  <a:ext uri="{0D108BD9-81ED-4DB2-BD59-A6C34878D82A}">
+                    <a16:rowId xmlns:a16="http://schemas.microsoft.com/office/drawing/2014/main" val="2634114360"/>
+                  </a:ext>
+                </a:extLst>
+              </a:tr>
+              <a:tr h="548640">
+                <a:tc>
+                  <a:txBody>
+                    <a:bodyPr/>
+                    <a:lstStyle/>
+                    <a:p>
+                      <a:pPr>
+                        <a:lnSpc>
+                          <a:spcPct val="100000"/>
+                        </a:lnSpc>
+                        <a:spcAft>
+                          <a:spcPts val="0"/>
+                        </a:spcAft>
+                      </a:pPr>
+                      <a:r>
+                        <a:rPr lang="en-US" sz="2000" dirty="0">
+                          <a:solidFill>
+                            <a:schemeClr val="bg1">
+                              <a:lumMod val="65000"/>
+                            </a:schemeClr>
+                          </a:solidFill>
+                        </a:rPr>
+                        <a:t>Random Numbers</a:t>
+                      </a:r>
+                    </a:p>
+                  </a:txBody>
+                  <a:tcPr anchor="ctr">
+                    <a:lnT w="12700" cap="flat" cmpd="sng" algn="ctr">
+                      <a:solidFill>
+                        <a:schemeClr val="bg1">
+                          <a:lumMod val="65000"/>
+                        </a:schemeClr>
+                      </a:solidFill>
+                      <a:prstDash val="solid"/>
+                      <a:round/>
+                      <a:headEnd type="none" w="med" len="med"/>
+                      <a:tailEnd type="none" w="med" len="med"/>
+                    </a:lnT>
+                    <a:lnB w="12700" cap="flat" cmpd="sng" algn="ctr">
+                      <a:solidFill>
+                        <a:schemeClr val="bg1">
+                          <a:lumMod val="65000"/>
+                        </a:schemeClr>
+                      </a:solidFill>
+                      <a:prstDash val="solid"/>
+                      <a:round/>
+                      <a:headEnd type="none" w="med" len="med"/>
+                      <a:tailEnd type="none" w="med" len="med"/>
+                    </a:lnB>
+                    <a:noFill/>
+                  </a:tcPr>
+                </a:tc>
+                <a:extLst>
+                  <a:ext uri="{0D108BD9-81ED-4DB2-BD59-A6C34878D82A}">
+                    <a16:rowId xmlns:a16="http://schemas.microsoft.com/office/drawing/2014/main" val="3018257731"/>
+                  </a:ext>
+                </a:extLst>
+              </a:tr>
+              <a:tr h="548640">
+                <a:tc>
+                  <a:txBody>
+                    <a:bodyPr/>
+                    <a:lstStyle/>
+                    <a:p>
+                      <a:pPr>
+                        <a:lnSpc>
+                          <a:spcPct val="100000"/>
+                        </a:lnSpc>
+                        <a:spcAft>
+                          <a:spcPts val="0"/>
+                        </a:spcAft>
+                      </a:pPr>
+                      <a:r>
+                        <a:rPr lang="en-US" sz="2000" dirty="0">
+                          <a:solidFill>
+                            <a:schemeClr val="bg1">
+                              <a:lumMod val="65000"/>
+                            </a:schemeClr>
+                          </a:solidFill>
+                        </a:rPr>
+                        <a:t>Chapter Summary</a:t>
+                      </a:r>
+                    </a:p>
+                  </a:txBody>
+                  <a:tcPr anchor="ctr">
+                    <a:lnT w="12700" cap="flat" cmpd="sng" algn="ctr">
+                      <a:solidFill>
+                        <a:schemeClr val="bg1">
+                          <a:lumMod val="65000"/>
+                        </a:schemeClr>
+                      </a:solidFill>
+                      <a:prstDash val="solid"/>
+                      <a:round/>
+                      <a:headEnd type="none" w="med" len="med"/>
+                      <a:tailEnd type="none" w="med" len="med"/>
+                    </a:lnT>
+                    <a:lnB w="12700" cap="flat" cmpd="sng" algn="ctr">
+                      <a:solidFill>
+                        <a:schemeClr val="bg1">
+                          <a:lumMod val="65000"/>
+                        </a:schemeClr>
+                      </a:solidFill>
+                      <a:prstDash val="solid"/>
+                      <a:round/>
+                      <a:headEnd type="none" w="med" len="med"/>
+                      <a:tailEnd type="none" w="med" len="med"/>
+                    </a:lnB>
+                    <a:noFill/>
+                  </a:tcPr>
+                </a:tc>
+                <a:extLst>
+                  <a:ext uri="{0D108BD9-81ED-4DB2-BD59-A6C34878D82A}">
+                    <a16:rowId xmlns:a16="http://schemas.microsoft.com/office/drawing/2014/main" val="376303497"/>
+                  </a:ext>
+                </a:extLst>
+              </a:tr>
+            </a:tbl>
+          </a:graphicData>
+        </a:graphic>
+      </p:graphicFrame>
     </p:spTree>
     <p:extLst>
       <p:ext uri="{BB962C8B-B14F-4D97-AF65-F5344CB8AC3E}">
@@ -21132,6 +20632,20 @@
 </file>
 
 <file path=customXml/item1.xml><?xml version="1.0" encoding="utf-8"?>
+<p:properties xmlns:p="http://schemas.microsoft.com/office/2006/metadata/properties" xmlns:xsi="http://www.w3.org/2001/XMLSchema-instance" xmlns:pc="http://schemas.microsoft.com/office/infopath/2007/PartnerControls">
+  <documentManagement>
+    <_dlc_DocId xmlns="037063e9-a85e-4c78-8627-f1a9315663e5">EVEA5JW6U4JV-6-9957</_dlc_DocId>
+    <_dlc_DocIdUrl xmlns="037063e9-a85e-4c78-8627-f1a9315663e5">
+      <Url>https://portal.roitraining.com/Courses/_layouts/DocIdRedir.aspx?ID=EVEA5JW6U4JV-6-9957</Url>
+      <Description>EVEA5JW6U4JV-6-9957</Description>
+    </_dlc_DocIdUrl>
+    <Date_x0020_last_x0020_used xmlns="027ed24f-5970-4294-be5c-0919c5aaa214" xsi:nil="true"/>
+    <Customization_x0020_Information xmlns="027ed24f-5970-4294-be5c-0919c5aaa214" xsi:nil="true"/>
+  </documentManagement>
+</p:properties>
+</file>
+
+<file path=customXml/item2.xml><?xml version="1.0" encoding="utf-8"?>
 <?mso-contentType ?>
 <spe:Receivers xmlns:spe="http://schemas.microsoft.com/sharepoint/events">
   <Receiver>
@@ -21177,21 +20691,16 @@
 </spe:Receivers>
 </file>
 
-<file path=customXml/item2.xml><?xml version="1.0" encoding="utf-8"?>
-<p:properties xmlns:p="http://schemas.microsoft.com/office/2006/metadata/properties" xmlns:xsi="http://www.w3.org/2001/XMLSchema-instance" xmlns:pc="http://schemas.microsoft.com/office/infopath/2007/PartnerControls">
-  <documentManagement>
-    <_dlc_DocId xmlns="037063e9-a85e-4c78-8627-f1a9315663e5">EVEA5JW6U4JV-6-9957</_dlc_DocId>
-    <_dlc_DocIdUrl xmlns="037063e9-a85e-4c78-8627-f1a9315663e5">
-      <Url>https://portal.roitraining.com/Courses/_layouts/DocIdRedir.aspx?ID=EVEA5JW6U4JV-6-9957</Url>
-      <Description>EVEA5JW6U4JV-6-9957</Description>
-    </_dlc_DocIdUrl>
-    <Date_x0020_last_x0020_used xmlns="027ed24f-5970-4294-be5c-0919c5aaa214" xsi:nil="true"/>
-    <Customization_x0020_Information xmlns="027ed24f-5970-4294-be5c-0919c5aaa214" xsi:nil="true"/>
-  </documentManagement>
-</p:properties>
+<file path=customXml/item3.xml><?xml version="1.0" encoding="utf-8"?>
+<?mso-contentType ?>
+<FormTemplates xmlns="http://schemas.microsoft.com/sharepoint/v3/contenttype/forms">
+  <Display>DocumentLibraryForm</Display>
+  <Edit>DocumentLibraryForm</Edit>
+  <New>DocumentLibraryForm</New>
+</FormTemplates>
 </file>
 
-<file path=customXml/item3.xml><?xml version="1.0" encoding="utf-8"?>
+<file path=customXml/item4.xml><?xml version="1.0" encoding="utf-8"?>
 <ct:contentTypeSchema xmlns:ct="http://schemas.microsoft.com/office/2006/metadata/contentType" xmlns:ma="http://schemas.microsoft.com/office/2006/metadata/properties/metaAttributes" ct:_="" ma:_="" ma:contentTypeName="Document" ma:contentTypeID="0x0101006B08A054FD435346B287BB258D6D8C2A" ma:contentTypeVersion="2" ma:contentTypeDescription="Create a new document." ma:contentTypeScope="" ma:versionID="6146b90b4382322d8952632f355192b7">
   <xsd:schema xmlns:xsd="http://www.w3.org/2001/XMLSchema" xmlns:xs="http://www.w3.org/2001/XMLSchema" xmlns:p="http://schemas.microsoft.com/office/2006/metadata/properties" xmlns:ns2="027ed24f-5970-4294-be5c-0919c5aaa214" xmlns:ns3="037063e9-a85e-4c78-8627-f1a9315663e5" targetNamespace="http://schemas.microsoft.com/office/2006/metadata/properties" ma:root="true" ma:fieldsID="b5d91f802dafd2e22aeea528efbe2d3e" ns2:_="" ns3:_="">
     <xsd:import namespace="027ed24f-5970-4294-be5c-0919c5aaa214"/>
@@ -21357,24 +20866,7 @@
 </ct:contentTypeSchema>
 </file>
 
-<file path=customXml/item4.xml><?xml version="1.0" encoding="utf-8"?>
-<?mso-contentType ?>
-<FormTemplates xmlns="http://schemas.microsoft.com/sharepoint/v3/contenttype/forms">
-  <Display>DocumentLibraryForm</Display>
-  <Edit>DocumentLibraryForm</Edit>
-  <New>DocumentLibraryForm</New>
-</FormTemplates>
-</file>
-
 <file path=customXml/itemProps1.xml><?xml version="1.0" encoding="utf-8"?>
-<ds:datastoreItem xmlns:ds="http://schemas.openxmlformats.org/officeDocument/2006/customXml" ds:itemID="{B9043294-8302-4947-B882-02D6486F929C}">
-  <ds:schemaRefs>
-    <ds:schemaRef ds:uri="http://schemas.microsoft.com/sharepoint/events"/>
-  </ds:schemaRefs>
-</ds:datastoreItem>
-</file>
-
-<file path=customXml/itemProps2.xml><?xml version="1.0" encoding="utf-8"?>
 <ds:datastoreItem xmlns:ds="http://schemas.openxmlformats.org/officeDocument/2006/customXml" ds:itemID="{F47B9207-CE5C-49AD-B414-15CBFA246D65}">
   <ds:schemaRefs>
     <ds:schemaRef ds:uri="http://schemas.microsoft.com/office/2006/metadata/properties"/>
@@ -21385,7 +20877,23 @@
 </ds:datastoreItem>
 </file>
 
+<file path=customXml/itemProps2.xml><?xml version="1.0" encoding="utf-8"?>
+<ds:datastoreItem xmlns:ds="http://schemas.openxmlformats.org/officeDocument/2006/customXml" ds:itemID="{B9043294-8302-4947-B882-02D6486F929C}">
+  <ds:schemaRefs>
+    <ds:schemaRef ds:uri="http://schemas.microsoft.com/sharepoint/events"/>
+  </ds:schemaRefs>
+</ds:datastoreItem>
+</file>
+
 <file path=customXml/itemProps3.xml><?xml version="1.0" encoding="utf-8"?>
+<ds:datastoreItem xmlns:ds="http://schemas.openxmlformats.org/officeDocument/2006/customXml" ds:itemID="{2DA015F3-603C-4688-A5F3-81D587DAB8C9}">
+  <ds:schemaRefs>
+    <ds:schemaRef ds:uri="http://schemas.microsoft.com/sharepoint/v3/contenttype/forms"/>
+  </ds:schemaRefs>
+</ds:datastoreItem>
+</file>
+
+<file path=customXml/itemProps4.xml><?xml version="1.0" encoding="utf-8"?>
 <ds:datastoreItem xmlns:ds="http://schemas.openxmlformats.org/officeDocument/2006/customXml" ds:itemID="{267176B6-2379-40DB-952F-2AEDDD966FA5}">
   <ds:schemaRefs>
     <ds:schemaRef ds:uri="http://schemas.microsoft.com/office/2006/metadata/contentType"/>
@@ -21402,12 +20910,4 @@
     <ds:schemaRef ds:uri="http://schemas.microsoft.com/internal/obd"/>
   </ds:schemaRefs>
 </ds:datastoreItem>
-</file>
-
-<file path=customXml/itemProps4.xml><?xml version="1.0" encoding="utf-8"?>
-<ds:datastoreItem xmlns:ds="http://schemas.openxmlformats.org/officeDocument/2006/customXml" ds:itemID="{2DA015F3-603C-4688-A5F3-81D587DAB8C9}">
-  <ds:schemaRefs>
-    <ds:schemaRef ds:uri="http://schemas.microsoft.com/sharepoint/v3/contenttype/forms"/>
-  </ds:schemaRefs>
-</ds:datastoreItem>
 </file>